--- a/Richiami di Probabilità e Calcolo Stocastico per la Finanza.pptx
+++ b/Richiami di Probabilità e Calcolo Stocastico per la Finanza.pptx
@@ -5,7 +5,7 @@
     <p:sldMasterId id="2147483648" r:id="rId1"/>
   </p:sldMasterIdLst>
   <p:notesMasterIdLst>
-    <p:notesMasterId r:id="rId82"/>
+    <p:notesMasterId r:id="rId83"/>
   </p:notesMasterIdLst>
   <p:sldIdLst>
     <p:sldId id="256" r:id="rId2"/>
@@ -18,76 +18,77 @@
     <p:sldId id="266" r:id="rId9"/>
     <p:sldId id="267" r:id="rId10"/>
     <p:sldId id="268" r:id="rId11"/>
-    <p:sldId id="269" r:id="rId12"/>
-    <p:sldId id="270" r:id="rId13"/>
-    <p:sldId id="271" r:id="rId14"/>
-    <p:sldId id="272" r:id="rId15"/>
-    <p:sldId id="273" r:id="rId16"/>
-    <p:sldId id="274" r:id="rId17"/>
-    <p:sldId id="276" r:id="rId18"/>
-    <p:sldId id="278" r:id="rId19"/>
-    <p:sldId id="279" r:id="rId20"/>
-    <p:sldId id="280" r:id="rId21"/>
-    <p:sldId id="281" r:id="rId22"/>
-    <p:sldId id="282" r:id="rId23"/>
-    <p:sldId id="284" r:id="rId24"/>
-    <p:sldId id="285" r:id="rId25"/>
-    <p:sldId id="286" r:id="rId26"/>
-    <p:sldId id="288" r:id="rId27"/>
-    <p:sldId id="289" r:id="rId28"/>
-    <p:sldId id="291" r:id="rId29"/>
-    <p:sldId id="292" r:id="rId30"/>
-    <p:sldId id="294" r:id="rId31"/>
-    <p:sldId id="295" r:id="rId32"/>
-    <p:sldId id="296" r:id="rId33"/>
-    <p:sldId id="297" r:id="rId34"/>
-    <p:sldId id="298" r:id="rId35"/>
-    <p:sldId id="299" r:id="rId36"/>
-    <p:sldId id="300" r:id="rId37"/>
-    <p:sldId id="302" r:id="rId38"/>
-    <p:sldId id="303" r:id="rId39"/>
-    <p:sldId id="304" r:id="rId40"/>
-    <p:sldId id="305" r:id="rId41"/>
-    <p:sldId id="306" r:id="rId42"/>
-    <p:sldId id="308" r:id="rId43"/>
-    <p:sldId id="309" r:id="rId44"/>
-    <p:sldId id="310" r:id="rId45"/>
-    <p:sldId id="311" r:id="rId46"/>
-    <p:sldId id="312" r:id="rId47"/>
-    <p:sldId id="313" r:id="rId48"/>
-    <p:sldId id="315" r:id="rId49"/>
-    <p:sldId id="318" r:id="rId50"/>
-    <p:sldId id="319" r:id="rId51"/>
-    <p:sldId id="320" r:id="rId52"/>
-    <p:sldId id="322" r:id="rId53"/>
-    <p:sldId id="323" r:id="rId54"/>
-    <p:sldId id="324" r:id="rId55"/>
-    <p:sldId id="327" r:id="rId56"/>
-    <p:sldId id="329" r:id="rId57"/>
-    <p:sldId id="330" r:id="rId58"/>
-    <p:sldId id="331" r:id="rId59"/>
-    <p:sldId id="333" r:id="rId60"/>
-    <p:sldId id="334" r:id="rId61"/>
-    <p:sldId id="335" r:id="rId62"/>
-    <p:sldId id="336" r:id="rId63"/>
-    <p:sldId id="337" r:id="rId64"/>
-    <p:sldId id="338" r:id="rId65"/>
-    <p:sldId id="339" r:id="rId66"/>
-    <p:sldId id="340" r:id="rId67"/>
-    <p:sldId id="341" r:id="rId68"/>
-    <p:sldId id="342" r:id="rId69"/>
-    <p:sldId id="343" r:id="rId70"/>
-    <p:sldId id="345" r:id="rId71"/>
-    <p:sldId id="347" r:id="rId72"/>
-    <p:sldId id="348" r:id="rId73"/>
-    <p:sldId id="351" r:id="rId74"/>
-    <p:sldId id="352" r:id="rId75"/>
-    <p:sldId id="354" r:id="rId76"/>
-    <p:sldId id="355" r:id="rId77"/>
-    <p:sldId id="356" r:id="rId78"/>
-    <p:sldId id="357" r:id="rId79"/>
-    <p:sldId id="358" r:id="rId80"/>
-    <p:sldId id="332" r:id="rId81"/>
+    <p:sldId id="359" r:id="rId12"/>
+    <p:sldId id="269" r:id="rId13"/>
+    <p:sldId id="270" r:id="rId14"/>
+    <p:sldId id="271" r:id="rId15"/>
+    <p:sldId id="272" r:id="rId16"/>
+    <p:sldId id="273" r:id="rId17"/>
+    <p:sldId id="274" r:id="rId18"/>
+    <p:sldId id="276" r:id="rId19"/>
+    <p:sldId id="278" r:id="rId20"/>
+    <p:sldId id="279" r:id="rId21"/>
+    <p:sldId id="280" r:id="rId22"/>
+    <p:sldId id="281" r:id="rId23"/>
+    <p:sldId id="282" r:id="rId24"/>
+    <p:sldId id="284" r:id="rId25"/>
+    <p:sldId id="285" r:id="rId26"/>
+    <p:sldId id="286" r:id="rId27"/>
+    <p:sldId id="288" r:id="rId28"/>
+    <p:sldId id="289" r:id="rId29"/>
+    <p:sldId id="291" r:id="rId30"/>
+    <p:sldId id="292" r:id="rId31"/>
+    <p:sldId id="294" r:id="rId32"/>
+    <p:sldId id="295" r:id="rId33"/>
+    <p:sldId id="296" r:id="rId34"/>
+    <p:sldId id="297" r:id="rId35"/>
+    <p:sldId id="298" r:id="rId36"/>
+    <p:sldId id="299" r:id="rId37"/>
+    <p:sldId id="300" r:id="rId38"/>
+    <p:sldId id="302" r:id="rId39"/>
+    <p:sldId id="303" r:id="rId40"/>
+    <p:sldId id="304" r:id="rId41"/>
+    <p:sldId id="305" r:id="rId42"/>
+    <p:sldId id="306" r:id="rId43"/>
+    <p:sldId id="308" r:id="rId44"/>
+    <p:sldId id="309" r:id="rId45"/>
+    <p:sldId id="310" r:id="rId46"/>
+    <p:sldId id="311" r:id="rId47"/>
+    <p:sldId id="312" r:id="rId48"/>
+    <p:sldId id="313" r:id="rId49"/>
+    <p:sldId id="315" r:id="rId50"/>
+    <p:sldId id="318" r:id="rId51"/>
+    <p:sldId id="319" r:id="rId52"/>
+    <p:sldId id="320" r:id="rId53"/>
+    <p:sldId id="322" r:id="rId54"/>
+    <p:sldId id="323" r:id="rId55"/>
+    <p:sldId id="324" r:id="rId56"/>
+    <p:sldId id="327" r:id="rId57"/>
+    <p:sldId id="329" r:id="rId58"/>
+    <p:sldId id="330" r:id="rId59"/>
+    <p:sldId id="331" r:id="rId60"/>
+    <p:sldId id="333" r:id="rId61"/>
+    <p:sldId id="334" r:id="rId62"/>
+    <p:sldId id="335" r:id="rId63"/>
+    <p:sldId id="336" r:id="rId64"/>
+    <p:sldId id="337" r:id="rId65"/>
+    <p:sldId id="338" r:id="rId66"/>
+    <p:sldId id="339" r:id="rId67"/>
+    <p:sldId id="340" r:id="rId68"/>
+    <p:sldId id="341" r:id="rId69"/>
+    <p:sldId id="342" r:id="rId70"/>
+    <p:sldId id="343" r:id="rId71"/>
+    <p:sldId id="345" r:id="rId72"/>
+    <p:sldId id="347" r:id="rId73"/>
+    <p:sldId id="348" r:id="rId74"/>
+    <p:sldId id="351" r:id="rId75"/>
+    <p:sldId id="352" r:id="rId76"/>
+    <p:sldId id="354" r:id="rId77"/>
+    <p:sldId id="355" r:id="rId78"/>
+    <p:sldId id="356" r:id="rId79"/>
+    <p:sldId id="357" r:id="rId80"/>
+    <p:sldId id="358" r:id="rId81"/>
+    <p:sldId id="332" r:id="rId82"/>
   </p:sldIdLst>
   <p:sldSz cx="12192000" cy="6858000"/>
   <p:notesSz cx="6858000" cy="9144000"/>
@@ -276,7 +277,7 @@
           <a:p>
             <a:fld id="{66B0F5FA-2AAF-498D-AFCA-51FB0D034A1C}" type="datetimeFigureOut">
               <a:rPr lang="en-US" smtClean="0"/>
-              <a:t>1/18/2020</a:t>
+              <a:t>4/21/2020</a:t>
             </a:fld>
             <a:endParaRPr lang="en-US"/>
           </a:p>
@@ -675,7 +676,7 @@
           <a:p>
             <a:fld id="{D567D700-E2EF-4EBC-96AB-97E8F30D6FA0}" type="datetime1">
               <a:rPr lang="en-US" smtClean="0"/>
-              <a:t>1/18/2020</a:t>
+              <a:t>4/21/2020</a:t>
             </a:fld>
             <a:endParaRPr lang="en-US"/>
           </a:p>
@@ -845,7 +846,7 @@
           <a:p>
             <a:fld id="{8B98B0F5-8C83-4DE4-9892-582DF830A78F}" type="datetime1">
               <a:rPr lang="en-US" smtClean="0"/>
-              <a:t>1/18/2020</a:t>
+              <a:t>4/21/2020</a:t>
             </a:fld>
             <a:endParaRPr lang="en-US"/>
           </a:p>
@@ -1025,7 +1026,7 @@
           <a:p>
             <a:fld id="{46F9D473-C06A-4243-840B-9D8AD42A06CA}" type="datetime1">
               <a:rPr lang="en-US" smtClean="0"/>
-              <a:t>1/18/2020</a:t>
+              <a:t>4/21/2020</a:t>
             </a:fld>
             <a:endParaRPr lang="en-US"/>
           </a:p>
@@ -1195,7 +1196,7 @@
           <a:p>
             <a:fld id="{67D5867D-CE74-4433-B679-55E2A4305C1C}" type="datetime1">
               <a:rPr lang="en-US" smtClean="0"/>
-              <a:t>1/18/2020</a:t>
+              <a:t>4/21/2020</a:t>
             </a:fld>
             <a:endParaRPr lang="en-US"/>
           </a:p>
@@ -1441,7 +1442,7 @@
           <a:p>
             <a:fld id="{94ADA5A8-654D-4B48-8C5D-CADEEE354891}" type="datetime1">
               <a:rPr lang="en-US" smtClean="0"/>
-              <a:t>1/18/2020</a:t>
+              <a:t>4/21/2020</a:t>
             </a:fld>
             <a:endParaRPr lang="en-US"/>
           </a:p>
@@ -1673,7 +1674,7 @@
           <a:p>
             <a:fld id="{8ACFA532-A70D-4F34-AAB4-6B2C71B6B11A}" type="datetime1">
               <a:rPr lang="en-US" smtClean="0"/>
-              <a:t>1/18/2020</a:t>
+              <a:t>4/21/2020</a:t>
             </a:fld>
             <a:endParaRPr lang="en-US"/>
           </a:p>
@@ -2040,7 +2041,7 @@
           <a:p>
             <a:fld id="{626601ED-1FA5-4CA8-B2AC-2F304DBD7434}" type="datetime1">
               <a:rPr lang="en-US" smtClean="0"/>
-              <a:t>1/18/2020</a:t>
+              <a:t>4/21/2020</a:t>
             </a:fld>
             <a:endParaRPr lang="en-US"/>
           </a:p>
@@ -2158,7 +2159,7 @@
           <a:p>
             <a:fld id="{632CEC2F-8BC4-4C45-93FC-B2A4C5C7DD7A}" type="datetime1">
               <a:rPr lang="en-US" smtClean="0"/>
-              <a:t>1/18/2020</a:t>
+              <a:t>4/21/2020</a:t>
             </a:fld>
             <a:endParaRPr lang="en-US"/>
           </a:p>
@@ -2253,7 +2254,7 @@
           <a:p>
             <a:fld id="{F9BB5ED6-B8A9-4025-87BE-1238E93E1039}" type="datetime1">
               <a:rPr lang="en-US" smtClean="0"/>
-              <a:t>1/18/2020</a:t>
+              <a:t>4/21/2020</a:t>
             </a:fld>
             <a:endParaRPr lang="en-US"/>
           </a:p>
@@ -2530,7 +2531,7 @@
           <a:p>
             <a:fld id="{19547E1D-B754-4E4B-AFF9-B5FAF21DABC6}" type="datetime1">
               <a:rPr lang="en-US" smtClean="0"/>
-              <a:t>1/18/2020</a:t>
+              <a:t>4/21/2020</a:t>
             </a:fld>
             <a:endParaRPr lang="en-US"/>
           </a:p>
@@ -2783,7 +2784,7 @@
           <a:p>
             <a:fld id="{8ED93B6C-662E-482F-8FAB-31539BBE1511}" type="datetime1">
               <a:rPr lang="en-US" smtClean="0"/>
-              <a:t>1/18/2020</a:t>
+              <a:t>4/21/2020</a:t>
             </a:fld>
             <a:endParaRPr lang="en-US"/>
           </a:p>
@@ -2996,7 +2997,7 @@
           <a:p>
             <a:fld id="{804ECD3B-E936-4F74-9805-1602D6EAEF73}" type="datetime1">
               <a:rPr lang="en-US" smtClean="0"/>
-              <a:t>1/18/2020</a:t>
+              <a:t>4/21/2020</a:t>
             </a:fld>
             <a:endParaRPr lang="en-US"/>
           </a:p>
@@ -4033,7 +4034,7 @@
                 <a:latin typeface="Times New Roman" panose="02020603050405020304" pitchFamily="18" charset="0"/>
                 <a:cs typeface="Times New Roman" panose="02020603050405020304" pitchFamily="18" charset="0"/>
               </a:rPr>
-              <a:t>	     Misura, distribuzione e valore medio   condizionato</a:t>
+              <a:t>	     Processi stocastici adattati, predicibili e non anticipativi</a:t>
             </a:r>
           </a:p>
         </p:txBody>
@@ -4063,7 +4064,7 @@
       </p:sp>
       <p:pic>
         <p:nvPicPr>
-          <p:cNvPr id="7" name="Picture 6"/>
+          <p:cNvPr id="6" name="Picture 5"/>
           <p:cNvPicPr>
             <a:picLocks noChangeAspect="1"/>
           </p:cNvPicPr>
@@ -4077,8 +4078,8 @@
         </p:blipFill>
         <p:spPr>
           <a:xfrm>
-            <a:off x="1078190" y="2144368"/>
-            <a:ext cx="9439275" cy="4000500"/>
+            <a:off x="1495425" y="2861430"/>
+            <a:ext cx="9201150" cy="2009775"/>
           </a:xfrm>
           <a:prstGeom prst="rect">
             <a:avLst/>
@@ -4088,7 +4089,7 @@
     </p:spTree>
     <p:extLst>
       <p:ext uri="{BB962C8B-B14F-4D97-AF65-F5344CB8AC3E}">
-        <p14:creationId xmlns:p14="http://schemas.microsoft.com/office/powerpoint/2010/main" val="1758452733"/>
+        <p14:creationId xmlns:p14="http://schemas.microsoft.com/office/powerpoint/2010/main" val="3835174451"/>
       </p:ext>
     </p:extLst>
   </p:cSld>
@@ -4223,7 +4224,7 @@
                 <a:latin typeface="Times New Roman" panose="02020603050405020304" pitchFamily="18" charset="0"/>
                 <a:cs typeface="Times New Roman" panose="02020603050405020304" pitchFamily="18" charset="0"/>
               </a:rPr>
-              <a:t>	    Concatenazione del valore medio condizionato</a:t>
+              <a:t>	     Misura, distribuzione e valore medio   condizionato</a:t>
             </a:r>
           </a:p>
         </p:txBody>
@@ -4253,7 +4254,7 @@
       </p:sp>
       <p:pic>
         <p:nvPicPr>
-          <p:cNvPr id="3" name="Picture 2"/>
+          <p:cNvPr id="7" name="Picture 6"/>
           <p:cNvPicPr>
             <a:picLocks noChangeAspect="1"/>
           </p:cNvPicPr>
@@ -4267,8 +4268,8 @@
         </p:blipFill>
         <p:spPr>
           <a:xfrm>
-            <a:off x="1097238" y="2205037"/>
-            <a:ext cx="9401175" cy="2447925"/>
+            <a:off x="1078190" y="2144368"/>
+            <a:ext cx="9439275" cy="4000500"/>
           </a:xfrm>
           <a:prstGeom prst="rect">
             <a:avLst/>
@@ -4278,7 +4279,7 @@
     </p:spTree>
     <p:extLst>
       <p:ext uri="{BB962C8B-B14F-4D97-AF65-F5344CB8AC3E}">
-        <p14:creationId xmlns:p14="http://schemas.microsoft.com/office/powerpoint/2010/main" val="1088354963"/>
+        <p14:creationId xmlns:p14="http://schemas.microsoft.com/office/powerpoint/2010/main" val="1758452733"/>
       </p:ext>
     </p:extLst>
   </p:cSld>
@@ -4406,24 +4407,14 @@
               </a:tabLst>
             </a:pPr>
             <a:r>
-              <a:rPr lang="it-IT" altLang="it-IT" sz="3600" b="1" kern="0" dirty="0">
+              <a:rPr lang="it-IT" altLang="it-IT" sz="3600" b="1" kern="0" dirty="0" smtClean="0">
                 <a:solidFill>
                   <a:prstClr val="white"/>
                 </a:solidFill>
                 <a:latin typeface="Times New Roman" panose="02020603050405020304" pitchFamily="18" charset="0"/>
                 <a:cs typeface="Times New Roman" panose="02020603050405020304" pitchFamily="18" charset="0"/>
               </a:rPr>
-              <a:t> </a:t>
-            </a:r>
-            <a:r>
-              <a:rPr lang="it-IT" altLang="it-IT" sz="3600" b="1" kern="0" dirty="0" smtClean="0">
-                <a:solidFill>
-                  <a:prstClr val="white"/>
-                </a:solidFill>
-                <a:latin typeface="Times New Roman" panose="02020603050405020304" pitchFamily="18" charset="0"/>
-                <a:cs typeface="Times New Roman" panose="02020603050405020304" pitchFamily="18" charset="0"/>
-              </a:rPr>
-              <a:t>   Martingale</a:t>
+              <a:t>	    Concatenazione del valore medio condizionato</a:t>
             </a:r>
           </a:p>
         </p:txBody>
@@ -4453,7 +4444,7 @@
       </p:sp>
       <p:pic>
         <p:nvPicPr>
-          <p:cNvPr id="4" name="Picture 3"/>
+          <p:cNvPr id="3" name="Picture 2"/>
           <p:cNvPicPr>
             <a:picLocks noChangeAspect="1"/>
           </p:cNvPicPr>
@@ -4467,8 +4458,8 @@
         </p:blipFill>
         <p:spPr>
           <a:xfrm>
-            <a:off x="1082537" y="1996243"/>
-            <a:ext cx="9410700" cy="4848225"/>
+            <a:off x="1097238" y="2205037"/>
+            <a:ext cx="9401175" cy="2447925"/>
           </a:xfrm>
           <a:prstGeom prst="rect">
             <a:avLst/>
@@ -4478,7 +4469,7 @@
     </p:spTree>
     <p:extLst>
       <p:ext uri="{BB962C8B-B14F-4D97-AF65-F5344CB8AC3E}">
-        <p14:creationId xmlns:p14="http://schemas.microsoft.com/office/powerpoint/2010/main" val="550856167"/>
+        <p14:creationId xmlns:p14="http://schemas.microsoft.com/office/powerpoint/2010/main" val="1088354963"/>
       </p:ext>
     </p:extLst>
   </p:cSld>
@@ -4623,7 +4614,7 @@
                 <a:latin typeface="Times New Roman" panose="02020603050405020304" pitchFamily="18" charset="0"/>
                 <a:cs typeface="Times New Roman" panose="02020603050405020304" pitchFamily="18" charset="0"/>
               </a:rPr>
-              <a:t>   Sub-martingale e super-martingale</a:t>
+              <a:t>   Martingale</a:t>
             </a:r>
           </a:p>
         </p:txBody>
@@ -4653,7 +4644,7 @@
       </p:sp>
       <p:pic>
         <p:nvPicPr>
-          <p:cNvPr id="3" name="Picture 2"/>
+          <p:cNvPr id="4" name="Picture 3"/>
           <p:cNvPicPr>
             <a:picLocks noChangeAspect="1"/>
           </p:cNvPicPr>
@@ -4667,8 +4658,8 @@
         </p:blipFill>
         <p:spPr>
           <a:xfrm>
-            <a:off x="1060173" y="2309812"/>
-            <a:ext cx="9296400" cy="2238375"/>
+            <a:off x="1082537" y="1996243"/>
+            <a:ext cx="9410700" cy="4848225"/>
           </a:xfrm>
           <a:prstGeom prst="rect">
             <a:avLst/>
@@ -4678,7 +4669,7 @@
     </p:spTree>
     <p:extLst>
       <p:ext uri="{BB962C8B-B14F-4D97-AF65-F5344CB8AC3E}">
-        <p14:creationId xmlns:p14="http://schemas.microsoft.com/office/powerpoint/2010/main" val="3731366270"/>
+        <p14:creationId xmlns:p14="http://schemas.microsoft.com/office/powerpoint/2010/main" val="550856167"/>
       </p:ext>
     </p:extLst>
   </p:cSld>
@@ -4823,7 +4814,7 @@
                 <a:latin typeface="Times New Roman" panose="02020603050405020304" pitchFamily="18" charset="0"/>
                 <a:cs typeface="Times New Roman" panose="02020603050405020304" pitchFamily="18" charset="0"/>
               </a:rPr>
-              <a:t>   Teorema di convergenza delle martingale</a:t>
+              <a:t>   Sub-martingale e super-martingale</a:t>
             </a:r>
           </a:p>
         </p:txBody>
@@ -4853,7 +4844,7 @@
       </p:sp>
       <p:pic>
         <p:nvPicPr>
-          <p:cNvPr id="4" name="Picture 3"/>
+          <p:cNvPr id="3" name="Picture 2"/>
           <p:cNvPicPr>
             <a:picLocks noChangeAspect="1"/>
           </p:cNvPicPr>
@@ -4867,80 +4858,8 @@
         </p:blipFill>
         <p:spPr>
           <a:xfrm>
-            <a:off x="5453062" y="3233737"/>
-            <a:ext cx="1285875" cy="390525"/>
-          </a:xfrm>
-          <a:prstGeom prst="rect">
-            <a:avLst/>
-          </a:prstGeom>
-        </p:spPr>
-      </p:pic>
-      <p:pic>
-        <p:nvPicPr>
-          <p:cNvPr id="5" name="Picture 4"/>
-          <p:cNvPicPr>
-            <a:picLocks noChangeAspect="1"/>
-          </p:cNvPicPr>
-          <p:nvPr/>
-        </p:nvPicPr>
-        <p:blipFill>
-          <a:blip r:embed="rId3"/>
-          <a:stretch>
-            <a:fillRect/>
-          </a:stretch>
-        </p:blipFill>
-        <p:spPr>
-          <a:xfrm>
-            <a:off x="1438275" y="2181225"/>
-            <a:ext cx="9315450" cy="2495550"/>
-          </a:xfrm>
-          <a:prstGeom prst="rect">
-            <a:avLst/>
-          </a:prstGeom>
-        </p:spPr>
-      </p:pic>
-      <p:pic>
-        <p:nvPicPr>
-          <p:cNvPr id="6" name="Picture 5"/>
-          <p:cNvPicPr>
-            <a:picLocks noChangeAspect="1"/>
-          </p:cNvPicPr>
-          <p:nvPr/>
-        </p:nvPicPr>
-        <p:blipFill>
-          <a:blip r:embed="rId4"/>
-          <a:stretch>
-            <a:fillRect/>
-          </a:stretch>
-        </p:blipFill>
-        <p:spPr>
-          <a:xfrm>
-            <a:off x="2033173" y="2181225"/>
-            <a:ext cx="1247775" cy="390525"/>
-          </a:xfrm>
-          <a:prstGeom prst="rect">
-            <a:avLst/>
-          </a:prstGeom>
-        </p:spPr>
-      </p:pic>
-      <p:pic>
-        <p:nvPicPr>
-          <p:cNvPr id="7" name="Picture 6"/>
-          <p:cNvPicPr>
-            <a:picLocks noChangeAspect="1"/>
-          </p:cNvPicPr>
-          <p:nvPr/>
-        </p:nvPicPr>
-        <p:blipFill>
-          <a:blip r:embed="rId5"/>
-          <a:stretch>
-            <a:fillRect/>
-          </a:stretch>
-        </p:blipFill>
-        <p:spPr>
-          <a:xfrm>
-            <a:off x="1147348" y="1996243"/>
-            <a:ext cx="885825" cy="609600"/>
+            <a:off x="1060173" y="2309812"/>
+            <a:ext cx="9296400" cy="2238375"/>
           </a:xfrm>
           <a:prstGeom prst="rect">
             <a:avLst/>
@@ -4950,7 +4869,7 @@
     </p:spTree>
     <p:extLst>
       <p:ext uri="{BB962C8B-B14F-4D97-AF65-F5344CB8AC3E}">
-        <p14:creationId xmlns:p14="http://schemas.microsoft.com/office/powerpoint/2010/main" val="1857409962"/>
+        <p14:creationId xmlns:p14="http://schemas.microsoft.com/office/powerpoint/2010/main" val="3731366270"/>
       </p:ext>
     </p:extLst>
   </p:cSld>
@@ -5095,7 +5014,7 @@
                 <a:latin typeface="Times New Roman" panose="02020603050405020304" pitchFamily="18" charset="0"/>
                 <a:cs typeface="Times New Roman" panose="02020603050405020304" pitchFamily="18" charset="0"/>
               </a:rPr>
-              <a:t>   Processi stocastici markoviani</a:t>
+              <a:t>   Teorema di convergenza delle martingale</a:t>
             </a:r>
           </a:p>
         </p:txBody>
@@ -5125,6 +5044,78 @@
       </p:sp>
       <p:pic>
         <p:nvPicPr>
+          <p:cNvPr id="4" name="Picture 3"/>
+          <p:cNvPicPr>
+            <a:picLocks noChangeAspect="1"/>
+          </p:cNvPicPr>
+          <p:nvPr/>
+        </p:nvPicPr>
+        <p:blipFill>
+          <a:blip r:embed="rId2"/>
+          <a:stretch>
+            <a:fillRect/>
+          </a:stretch>
+        </p:blipFill>
+        <p:spPr>
+          <a:xfrm>
+            <a:off x="5453062" y="3233737"/>
+            <a:ext cx="1285875" cy="390525"/>
+          </a:xfrm>
+          <a:prstGeom prst="rect">
+            <a:avLst/>
+          </a:prstGeom>
+        </p:spPr>
+      </p:pic>
+      <p:pic>
+        <p:nvPicPr>
+          <p:cNvPr id="5" name="Picture 4"/>
+          <p:cNvPicPr>
+            <a:picLocks noChangeAspect="1"/>
+          </p:cNvPicPr>
+          <p:nvPr/>
+        </p:nvPicPr>
+        <p:blipFill>
+          <a:blip r:embed="rId3"/>
+          <a:stretch>
+            <a:fillRect/>
+          </a:stretch>
+        </p:blipFill>
+        <p:spPr>
+          <a:xfrm>
+            <a:off x="1438275" y="2181225"/>
+            <a:ext cx="9315450" cy="2495550"/>
+          </a:xfrm>
+          <a:prstGeom prst="rect">
+            <a:avLst/>
+          </a:prstGeom>
+        </p:spPr>
+      </p:pic>
+      <p:pic>
+        <p:nvPicPr>
+          <p:cNvPr id="6" name="Picture 5"/>
+          <p:cNvPicPr>
+            <a:picLocks noChangeAspect="1"/>
+          </p:cNvPicPr>
+          <p:nvPr/>
+        </p:nvPicPr>
+        <p:blipFill>
+          <a:blip r:embed="rId4"/>
+          <a:stretch>
+            <a:fillRect/>
+          </a:stretch>
+        </p:blipFill>
+        <p:spPr>
+          <a:xfrm>
+            <a:off x="2033173" y="2181225"/>
+            <a:ext cx="1247775" cy="390525"/>
+          </a:xfrm>
+          <a:prstGeom prst="rect">
+            <a:avLst/>
+          </a:prstGeom>
+        </p:spPr>
+      </p:pic>
+      <p:pic>
+        <p:nvPicPr>
           <p:cNvPr id="7" name="Picture 6"/>
           <p:cNvPicPr>
             <a:picLocks noChangeAspect="1"/>
@@ -5132,7 +5123,7 @@
           <p:nvPr/>
         </p:nvPicPr>
         <p:blipFill>
-          <a:blip r:embed="rId2"/>
+          <a:blip r:embed="rId5"/>
           <a:stretch>
             <a:fillRect/>
           </a:stretch>
@@ -5141,30 +5132,6 @@
           <a:xfrm>
             <a:off x="1147348" y="1996243"/>
             <a:ext cx="885825" cy="609600"/>
-          </a:xfrm>
-          <a:prstGeom prst="rect">
-            <a:avLst/>
-          </a:prstGeom>
-        </p:spPr>
-      </p:pic>
-      <p:pic>
-        <p:nvPicPr>
-          <p:cNvPr id="3" name="Picture 2"/>
-          <p:cNvPicPr>
-            <a:picLocks noChangeAspect="1"/>
-          </p:cNvPicPr>
-          <p:nvPr/>
-        </p:nvPicPr>
-        <p:blipFill>
-          <a:blip r:embed="rId3"/>
-          <a:stretch>
-            <a:fillRect/>
-          </a:stretch>
-        </p:blipFill>
-        <p:spPr>
-          <a:xfrm>
-            <a:off x="1140518" y="2052014"/>
-            <a:ext cx="9334500" cy="4781550"/>
           </a:xfrm>
           <a:prstGeom prst="rect">
             <a:avLst/>
@@ -5174,7 +5141,7 @@
     </p:spTree>
     <p:extLst>
       <p:ext uri="{BB962C8B-B14F-4D97-AF65-F5344CB8AC3E}">
-        <p14:creationId xmlns:p14="http://schemas.microsoft.com/office/powerpoint/2010/main" val="2174178721"/>
+        <p14:creationId xmlns:p14="http://schemas.microsoft.com/office/powerpoint/2010/main" val="1857409962"/>
       </p:ext>
     </p:extLst>
   </p:cSld>
@@ -5319,25 +5286,8 @@
                 <a:latin typeface="Times New Roman" panose="02020603050405020304" pitchFamily="18" charset="0"/>
                 <a:cs typeface="Times New Roman" panose="02020603050405020304" pitchFamily="18" charset="0"/>
               </a:rPr>
-              <a:t>   Processo di </a:t>
-            </a:r>
-            <a:r>
-              <a:rPr lang="it-IT" altLang="it-IT" sz="3600" b="1" kern="0" dirty="0" err="1" smtClean="0">
-                <a:solidFill>
-                  <a:prstClr val="white"/>
-                </a:solidFill>
-                <a:latin typeface="Times New Roman" panose="02020603050405020304" pitchFamily="18" charset="0"/>
-                <a:cs typeface="Times New Roman" panose="02020603050405020304" pitchFamily="18" charset="0"/>
-              </a:rPr>
-              <a:t>Poisson</a:t>
-            </a:r>
-            <a:endParaRPr lang="it-IT" altLang="it-IT" sz="3600" b="1" kern="0" dirty="0" smtClean="0">
-              <a:solidFill>
-                <a:prstClr val="white"/>
-              </a:solidFill>
-              <a:latin typeface="Times New Roman" panose="02020603050405020304" pitchFamily="18" charset="0"/>
-              <a:cs typeface="Times New Roman" panose="02020603050405020304" pitchFamily="18" charset="0"/>
-            </a:endParaRPr>
+              <a:t>   Processi stocastici markoviani</a:t>
+            </a:r>
           </a:p>
         </p:txBody>
       </p:sp>
@@ -5390,7 +5340,7 @@
       </p:pic>
       <p:pic>
         <p:nvPicPr>
-          <p:cNvPr id="5" name="Picture 4"/>
+          <p:cNvPr id="3" name="Picture 2"/>
           <p:cNvPicPr>
             <a:picLocks noChangeAspect="1"/>
           </p:cNvPicPr>
@@ -5404,32 +5354,8 @@
         </p:blipFill>
         <p:spPr>
           <a:xfrm>
-            <a:off x="2351431" y="2314160"/>
-            <a:ext cx="7429500" cy="381000"/>
-          </a:xfrm>
-          <a:prstGeom prst="rect">
-            <a:avLst/>
-          </a:prstGeom>
-        </p:spPr>
-      </p:pic>
-      <p:pic>
-        <p:nvPicPr>
-          <p:cNvPr id="6" name="Picture 5"/>
-          <p:cNvPicPr>
-            <a:picLocks noChangeAspect="1"/>
-          </p:cNvPicPr>
-          <p:nvPr/>
-        </p:nvPicPr>
-        <p:blipFill>
-          <a:blip r:embed="rId4"/>
-          <a:stretch>
-            <a:fillRect/>
-          </a:stretch>
-        </p:blipFill>
-        <p:spPr>
-          <a:xfrm>
-            <a:off x="1435790" y="2679426"/>
-            <a:ext cx="9201150" cy="2552700"/>
+            <a:off x="1140518" y="2052014"/>
+            <a:ext cx="9334500" cy="4781550"/>
           </a:xfrm>
           <a:prstGeom prst="rect">
             <a:avLst/>
@@ -5439,7 +5365,7 @@
     </p:spTree>
     <p:extLst>
       <p:ext uri="{BB962C8B-B14F-4D97-AF65-F5344CB8AC3E}">
-        <p14:creationId xmlns:p14="http://schemas.microsoft.com/office/powerpoint/2010/main" val="1596180627"/>
+        <p14:creationId xmlns:p14="http://schemas.microsoft.com/office/powerpoint/2010/main" val="2174178721"/>
       </p:ext>
     </p:extLst>
   </p:cSld>
@@ -5584,8 +5510,25 @@
                 <a:latin typeface="Times New Roman" panose="02020603050405020304" pitchFamily="18" charset="0"/>
                 <a:cs typeface="Times New Roman" panose="02020603050405020304" pitchFamily="18" charset="0"/>
               </a:rPr>
-              <a:t>   Moto Browniano - 1</a:t>
-            </a:r>
+              <a:t>   Processo di </a:t>
+            </a:r>
+            <a:r>
+              <a:rPr lang="it-IT" altLang="it-IT" sz="3600" b="1" kern="0" dirty="0" err="1" smtClean="0">
+                <a:solidFill>
+                  <a:prstClr val="white"/>
+                </a:solidFill>
+                <a:latin typeface="Times New Roman" panose="02020603050405020304" pitchFamily="18" charset="0"/>
+                <a:cs typeface="Times New Roman" panose="02020603050405020304" pitchFamily="18" charset="0"/>
+              </a:rPr>
+              <a:t>Poisson</a:t>
+            </a:r>
+            <a:endParaRPr lang="it-IT" altLang="it-IT" sz="3600" b="1" kern="0" dirty="0" smtClean="0">
+              <a:solidFill>
+                <a:prstClr val="white"/>
+              </a:solidFill>
+              <a:latin typeface="Times New Roman" panose="02020603050405020304" pitchFamily="18" charset="0"/>
+              <a:cs typeface="Times New Roman" panose="02020603050405020304" pitchFamily="18" charset="0"/>
+            </a:endParaRPr>
           </a:p>
         </p:txBody>
       </p:sp>
@@ -5638,7 +5581,7 @@
       </p:pic>
       <p:pic>
         <p:nvPicPr>
-          <p:cNvPr id="3" name="Picture 2"/>
+          <p:cNvPr id="5" name="Picture 4"/>
           <p:cNvPicPr>
             <a:picLocks noChangeAspect="1"/>
           </p:cNvPicPr>
@@ -5652,8 +5595,32 @@
         </p:blipFill>
         <p:spPr>
           <a:xfrm>
-            <a:off x="1214439" y="2117034"/>
-            <a:ext cx="9305925" cy="2743200"/>
+            <a:off x="2351431" y="2314160"/>
+            <a:ext cx="7429500" cy="381000"/>
+          </a:xfrm>
+          <a:prstGeom prst="rect">
+            <a:avLst/>
+          </a:prstGeom>
+        </p:spPr>
+      </p:pic>
+      <p:pic>
+        <p:nvPicPr>
+          <p:cNvPr id="6" name="Picture 5"/>
+          <p:cNvPicPr>
+            <a:picLocks noChangeAspect="1"/>
+          </p:cNvPicPr>
+          <p:nvPr/>
+        </p:nvPicPr>
+        <p:blipFill>
+          <a:blip r:embed="rId4"/>
+          <a:stretch>
+            <a:fillRect/>
+          </a:stretch>
+        </p:blipFill>
+        <p:spPr>
+          <a:xfrm>
+            <a:off x="1435790" y="2679426"/>
+            <a:ext cx="9201150" cy="2552700"/>
           </a:xfrm>
           <a:prstGeom prst="rect">
             <a:avLst/>
@@ -5663,7 +5630,7 @@
     </p:spTree>
     <p:extLst>
       <p:ext uri="{BB962C8B-B14F-4D97-AF65-F5344CB8AC3E}">
-        <p14:creationId xmlns:p14="http://schemas.microsoft.com/office/powerpoint/2010/main" val="4182561215"/>
+        <p14:creationId xmlns:p14="http://schemas.microsoft.com/office/powerpoint/2010/main" val="1596180627"/>
       </p:ext>
     </p:extLst>
   </p:cSld>
@@ -5808,7 +5775,7 @@
                 <a:latin typeface="Times New Roman" panose="02020603050405020304" pitchFamily="18" charset="0"/>
                 <a:cs typeface="Times New Roman" panose="02020603050405020304" pitchFamily="18" charset="0"/>
               </a:rPr>
-              <a:t>   Moto Browniano - 2</a:t>
+              <a:t>   Moto Browniano - 1</a:t>
             </a:r>
           </a:p>
         </p:txBody>
@@ -5862,7 +5829,7 @@
       </p:pic>
       <p:pic>
         <p:nvPicPr>
-          <p:cNvPr id="4" name="Picture 3"/>
+          <p:cNvPr id="3" name="Picture 2"/>
           <p:cNvPicPr>
             <a:picLocks noChangeAspect="1"/>
           </p:cNvPicPr>
@@ -5876,8 +5843,8 @@
         </p:blipFill>
         <p:spPr>
           <a:xfrm>
-            <a:off x="1087714" y="2246069"/>
-            <a:ext cx="9363075" cy="2886075"/>
+            <a:off x="1214439" y="2117034"/>
+            <a:ext cx="9305925" cy="2743200"/>
           </a:xfrm>
           <a:prstGeom prst="rect">
             <a:avLst/>
@@ -5887,7 +5854,7 @@
     </p:spTree>
     <p:extLst>
       <p:ext uri="{BB962C8B-B14F-4D97-AF65-F5344CB8AC3E}">
-        <p14:creationId xmlns:p14="http://schemas.microsoft.com/office/powerpoint/2010/main" val="3671722586"/>
+        <p14:creationId xmlns:p14="http://schemas.microsoft.com/office/powerpoint/2010/main" val="4182561215"/>
       </p:ext>
     </p:extLst>
   </p:cSld>
@@ -6327,7 +6294,7 @@
                 <a:latin typeface="Times New Roman" panose="02020603050405020304" pitchFamily="18" charset="0"/>
                 <a:cs typeface="Times New Roman" panose="02020603050405020304" pitchFamily="18" charset="0"/>
               </a:rPr>
-              <a:t>   Caratterizzazione del Moto Browniano</a:t>
+              <a:t>   Moto Browniano - 2</a:t>
             </a:r>
           </a:p>
         </p:txBody>
@@ -6381,7 +6348,7 @@
       </p:pic>
       <p:pic>
         <p:nvPicPr>
-          <p:cNvPr id="5" name="Picture 4"/>
+          <p:cNvPr id="4" name="Picture 3"/>
           <p:cNvPicPr>
             <a:picLocks noChangeAspect="1"/>
           </p:cNvPicPr>
@@ -6395,56 +6362,8 @@
         </p:blipFill>
         <p:spPr>
           <a:xfrm>
-            <a:off x="1194561" y="2123865"/>
-            <a:ext cx="9305925" cy="4200525"/>
-          </a:xfrm>
-          <a:prstGeom prst="rect">
-            <a:avLst/>
-          </a:prstGeom>
-        </p:spPr>
-      </p:pic>
-      <p:pic>
-        <p:nvPicPr>
-          <p:cNvPr id="6" name="Picture 5"/>
-          <p:cNvPicPr>
-            <a:picLocks noChangeAspect="1"/>
-          </p:cNvPicPr>
-          <p:nvPr/>
-        </p:nvPicPr>
-        <p:blipFill>
-          <a:blip r:embed="rId4"/>
-          <a:stretch>
-            <a:fillRect/>
-          </a:stretch>
-        </p:blipFill>
-        <p:spPr>
-          <a:xfrm>
-            <a:off x="1704355" y="2144367"/>
-            <a:ext cx="1209675" cy="342900"/>
-          </a:xfrm>
-          <a:prstGeom prst="rect">
-            <a:avLst/>
-          </a:prstGeom>
-        </p:spPr>
-      </p:pic>
-      <p:pic>
-        <p:nvPicPr>
-          <p:cNvPr id="10" name="Picture 9"/>
-          <p:cNvPicPr>
-            <a:picLocks noChangeAspect="1"/>
-          </p:cNvPicPr>
-          <p:nvPr/>
-        </p:nvPicPr>
-        <p:blipFill>
-          <a:blip r:embed="rId5"/>
-          <a:stretch>
-            <a:fillRect/>
-          </a:stretch>
-        </p:blipFill>
-        <p:spPr>
-          <a:xfrm>
-            <a:off x="1211549" y="2072103"/>
-            <a:ext cx="485775" cy="447675"/>
+            <a:off x="1087714" y="2246069"/>
+            <a:ext cx="9363075" cy="2886075"/>
           </a:xfrm>
           <a:prstGeom prst="rect">
             <a:avLst/>
@@ -6454,7 +6373,7 @@
     </p:spTree>
     <p:extLst>
       <p:ext uri="{BB962C8B-B14F-4D97-AF65-F5344CB8AC3E}">
-        <p14:creationId xmlns:p14="http://schemas.microsoft.com/office/powerpoint/2010/main" val="3794719064"/>
+        <p14:creationId xmlns:p14="http://schemas.microsoft.com/office/powerpoint/2010/main" val="3671722586"/>
       </p:ext>
     </p:extLst>
   </p:cSld>
@@ -6599,7 +6518,7 @@
                 <a:latin typeface="Times New Roman" panose="02020603050405020304" pitchFamily="18" charset="0"/>
                 <a:cs typeface="Times New Roman" panose="02020603050405020304" pitchFamily="18" charset="0"/>
               </a:rPr>
-              <a:t>   Moto Browniano non standard</a:t>
+              <a:t>   Caratterizzazione del Moto Browniano</a:t>
             </a:r>
           </a:p>
         </p:txBody>
@@ -6653,6 +6572,30 @@
       </p:pic>
       <p:pic>
         <p:nvPicPr>
+          <p:cNvPr id="5" name="Picture 4"/>
+          <p:cNvPicPr>
+            <a:picLocks noChangeAspect="1"/>
+          </p:cNvPicPr>
+          <p:nvPr/>
+        </p:nvPicPr>
+        <p:blipFill>
+          <a:blip r:embed="rId3"/>
+          <a:stretch>
+            <a:fillRect/>
+          </a:stretch>
+        </p:blipFill>
+        <p:spPr>
+          <a:xfrm>
+            <a:off x="1194561" y="2123865"/>
+            <a:ext cx="9305925" cy="4200525"/>
+          </a:xfrm>
+          <a:prstGeom prst="rect">
+            <a:avLst/>
+          </a:prstGeom>
+        </p:spPr>
+      </p:pic>
+      <p:pic>
+        <p:nvPicPr>
           <p:cNvPr id="6" name="Picture 5"/>
           <p:cNvPicPr>
             <a:picLocks noChangeAspect="1"/>
@@ -6660,7 +6603,7 @@
           <p:nvPr/>
         </p:nvPicPr>
         <p:blipFill>
-          <a:blip r:embed="rId3"/>
+          <a:blip r:embed="rId4"/>
           <a:stretch>
             <a:fillRect/>
           </a:stretch>
@@ -6684,7 +6627,7 @@
           <p:nvPr/>
         </p:nvPicPr>
         <p:blipFill>
-          <a:blip r:embed="rId4"/>
+          <a:blip r:embed="rId5"/>
           <a:stretch>
             <a:fillRect/>
           </a:stretch>
@@ -6693,78 +6636,6 @@
           <a:xfrm>
             <a:off x="1211549" y="2072103"/>
             <a:ext cx="485775" cy="447675"/>
-          </a:xfrm>
-          <a:prstGeom prst="rect">
-            <a:avLst/>
-          </a:prstGeom>
-        </p:spPr>
-      </p:pic>
-      <p:pic>
-        <p:nvPicPr>
-          <p:cNvPr id="3" name="Picture 2"/>
-          <p:cNvPicPr>
-            <a:picLocks noChangeAspect="1"/>
-          </p:cNvPicPr>
-          <p:nvPr/>
-        </p:nvPicPr>
-        <p:blipFill>
-          <a:blip r:embed="rId5"/>
-          <a:stretch>
-            <a:fillRect/>
-          </a:stretch>
-        </p:blipFill>
-        <p:spPr>
-          <a:xfrm>
-            <a:off x="1089993" y="2185987"/>
-            <a:ext cx="9296400" cy="2486025"/>
-          </a:xfrm>
-          <a:prstGeom prst="rect">
-            <a:avLst/>
-          </a:prstGeom>
-        </p:spPr>
-      </p:pic>
-      <p:pic>
-        <p:nvPicPr>
-          <p:cNvPr id="4" name="Picture 3"/>
-          <p:cNvPicPr>
-            <a:picLocks noChangeAspect="1"/>
-          </p:cNvPicPr>
-          <p:nvPr/>
-        </p:nvPicPr>
-        <p:blipFill>
-          <a:blip r:embed="rId6"/>
-          <a:stretch>
-            <a:fillRect/>
-          </a:stretch>
-        </p:blipFill>
-        <p:spPr>
-          <a:xfrm>
-            <a:off x="3018184" y="2266744"/>
-            <a:ext cx="609600" cy="257175"/>
-          </a:xfrm>
-          <a:prstGeom prst="rect">
-            <a:avLst/>
-          </a:prstGeom>
-        </p:spPr>
-      </p:pic>
-      <p:pic>
-        <p:nvPicPr>
-          <p:cNvPr id="11" name="Picture 10"/>
-          <p:cNvPicPr>
-            <a:picLocks noChangeAspect="1"/>
-          </p:cNvPicPr>
-          <p:nvPr/>
-        </p:nvPicPr>
-        <p:blipFill>
-          <a:blip r:embed="rId7"/>
-          <a:stretch>
-            <a:fillRect/>
-          </a:stretch>
-        </p:blipFill>
-        <p:spPr>
-          <a:xfrm>
-            <a:off x="1123751" y="4658552"/>
-            <a:ext cx="1019175" cy="323850"/>
           </a:xfrm>
           <a:prstGeom prst="rect">
             <a:avLst/>
@@ -6774,7 +6645,7 @@
     </p:spTree>
     <p:extLst>
       <p:ext uri="{BB962C8B-B14F-4D97-AF65-F5344CB8AC3E}">
-        <p14:creationId xmlns:p14="http://schemas.microsoft.com/office/powerpoint/2010/main" val="2250619743"/>
+        <p14:creationId xmlns:p14="http://schemas.microsoft.com/office/powerpoint/2010/main" val="3794719064"/>
       </p:ext>
     </p:extLst>
   </p:cSld>
@@ -6919,7 +6790,7 @@
                 <a:latin typeface="Times New Roman" panose="02020603050405020304" pitchFamily="18" charset="0"/>
                 <a:cs typeface="Times New Roman" panose="02020603050405020304" pitchFamily="18" charset="0"/>
               </a:rPr>
-              <a:t>   Moto Browniano - 3</a:t>
+              <a:t>   Moto Browniano non standard</a:t>
             </a:r>
           </a:p>
         </p:txBody>
@@ -6973,6 +6844,30 @@
       </p:pic>
       <p:pic>
         <p:nvPicPr>
+          <p:cNvPr id="6" name="Picture 5"/>
+          <p:cNvPicPr>
+            <a:picLocks noChangeAspect="1"/>
+          </p:cNvPicPr>
+          <p:nvPr/>
+        </p:nvPicPr>
+        <p:blipFill>
+          <a:blip r:embed="rId3"/>
+          <a:stretch>
+            <a:fillRect/>
+          </a:stretch>
+        </p:blipFill>
+        <p:spPr>
+          <a:xfrm>
+            <a:off x="1704355" y="2144367"/>
+            <a:ext cx="1209675" cy="342900"/>
+          </a:xfrm>
+          <a:prstGeom prst="rect">
+            <a:avLst/>
+          </a:prstGeom>
+        </p:spPr>
+      </p:pic>
+      <p:pic>
+        <p:nvPicPr>
           <p:cNvPr id="10" name="Picture 9"/>
           <p:cNvPicPr>
             <a:picLocks noChangeAspect="1"/>
@@ -6980,7 +6875,7 @@
           <p:nvPr/>
         </p:nvPicPr>
         <p:blipFill>
-          <a:blip r:embed="rId3"/>
+          <a:blip r:embed="rId4"/>
           <a:stretch>
             <a:fillRect/>
           </a:stretch>
@@ -6997,6 +6892,30 @@
       </p:pic>
       <p:pic>
         <p:nvPicPr>
+          <p:cNvPr id="3" name="Picture 2"/>
+          <p:cNvPicPr>
+            <a:picLocks noChangeAspect="1"/>
+          </p:cNvPicPr>
+          <p:nvPr/>
+        </p:nvPicPr>
+        <p:blipFill>
+          <a:blip r:embed="rId5"/>
+          <a:stretch>
+            <a:fillRect/>
+          </a:stretch>
+        </p:blipFill>
+        <p:spPr>
+          <a:xfrm>
+            <a:off x="1089993" y="2185987"/>
+            <a:ext cx="9296400" cy="2486025"/>
+          </a:xfrm>
+          <a:prstGeom prst="rect">
+            <a:avLst/>
+          </a:prstGeom>
+        </p:spPr>
+      </p:pic>
+      <p:pic>
+        <p:nvPicPr>
           <p:cNvPr id="4" name="Picture 3"/>
           <p:cNvPicPr>
             <a:picLocks noChangeAspect="1"/>
@@ -7004,7 +6923,7 @@
           <p:nvPr/>
         </p:nvPicPr>
         <p:blipFill>
-          <a:blip r:embed="rId4"/>
+          <a:blip r:embed="rId6"/>
           <a:stretch>
             <a:fillRect/>
           </a:stretch>
@@ -7021,22 +6940,22 @@
       </p:pic>
       <p:pic>
         <p:nvPicPr>
-          <p:cNvPr id="12" name="Picture 11"/>
-          <p:cNvPicPr>
-            <a:picLocks noChangeAspect="1"/>
-          </p:cNvPicPr>
-          <p:nvPr/>
-        </p:nvPicPr>
-        <p:blipFill>
-          <a:blip r:embed="rId5"/>
-          <a:stretch>
-            <a:fillRect/>
-          </a:stretch>
-        </p:blipFill>
-        <p:spPr>
-          <a:xfrm>
-            <a:off x="1079640" y="2127182"/>
-            <a:ext cx="9277350" cy="2981325"/>
+          <p:cNvPr id="11" name="Picture 10"/>
+          <p:cNvPicPr>
+            <a:picLocks noChangeAspect="1"/>
+          </p:cNvPicPr>
+          <p:nvPr/>
+        </p:nvPicPr>
+        <p:blipFill>
+          <a:blip r:embed="rId7"/>
+          <a:stretch>
+            <a:fillRect/>
+          </a:stretch>
+        </p:blipFill>
+        <p:spPr>
+          <a:xfrm>
+            <a:off x="1123751" y="4658552"/>
+            <a:ext cx="1019175" cy="323850"/>
           </a:xfrm>
           <a:prstGeom prst="rect">
             <a:avLst/>
@@ -7046,7 +6965,7 @@
     </p:spTree>
     <p:extLst>
       <p:ext uri="{BB962C8B-B14F-4D97-AF65-F5344CB8AC3E}">
-        <p14:creationId xmlns:p14="http://schemas.microsoft.com/office/powerpoint/2010/main" val="1813140011"/>
+        <p14:creationId xmlns:p14="http://schemas.microsoft.com/office/powerpoint/2010/main" val="2250619743"/>
       </p:ext>
     </p:extLst>
   </p:cSld>
@@ -7191,25 +7110,8 @@
                 <a:latin typeface="Times New Roman" panose="02020603050405020304" pitchFamily="18" charset="0"/>
                 <a:cs typeface="Times New Roman" panose="02020603050405020304" pitchFamily="18" charset="0"/>
               </a:rPr>
-              <a:t>   Moto Browniano - </a:t>
-            </a:r>
-            <a:r>
-              <a:rPr lang="it-IT" altLang="it-IT" sz="3600" b="1" kern="0" dirty="0" smtClean="0">
-                <a:solidFill>
-                  <a:prstClr val="white"/>
-                </a:solidFill>
-                <a:latin typeface="Times New Roman" panose="02020603050405020304" pitchFamily="18" charset="0"/>
-                <a:cs typeface="Times New Roman" panose="02020603050405020304" pitchFamily="18" charset="0"/>
-              </a:rPr>
-              <a:t>4</a:t>
-            </a:r>
-            <a:endParaRPr lang="it-IT" altLang="it-IT" sz="3600" b="1" kern="0" dirty="0" smtClean="0">
-              <a:solidFill>
-                <a:prstClr val="white"/>
-              </a:solidFill>
-              <a:latin typeface="Times New Roman" panose="02020603050405020304" pitchFamily="18" charset="0"/>
-              <a:cs typeface="Times New Roman" panose="02020603050405020304" pitchFamily="18" charset="0"/>
-            </a:endParaRPr>
+              <a:t>   Moto Browniano - 3</a:t>
+            </a:r>
           </a:p>
         </p:txBody>
       </p:sp>
@@ -7310,7 +7212,7 @@
       </p:pic>
       <p:pic>
         <p:nvPicPr>
-          <p:cNvPr id="3" name="Picture 2"/>
+          <p:cNvPr id="12" name="Picture 11"/>
           <p:cNvPicPr>
             <a:picLocks noChangeAspect="1"/>
           </p:cNvPicPr>
@@ -7324,8 +7226,8 @@
         </p:blipFill>
         <p:spPr>
           <a:xfrm>
-            <a:off x="1018137" y="2174806"/>
-            <a:ext cx="9420225" cy="2428875"/>
+            <a:off x="1079640" y="2127182"/>
+            <a:ext cx="9277350" cy="2981325"/>
           </a:xfrm>
           <a:prstGeom prst="rect">
             <a:avLst/>
@@ -7335,7 +7237,7 @@
     </p:spTree>
     <p:extLst>
       <p:ext uri="{BB962C8B-B14F-4D97-AF65-F5344CB8AC3E}">
-        <p14:creationId xmlns:p14="http://schemas.microsoft.com/office/powerpoint/2010/main" val="3674425608"/>
+        <p14:creationId xmlns:p14="http://schemas.microsoft.com/office/powerpoint/2010/main" val="1813140011"/>
       </p:ext>
     </p:extLst>
   </p:cSld>
@@ -7480,7 +7382,7 @@
                 <a:latin typeface="Times New Roman" panose="02020603050405020304" pitchFamily="18" charset="0"/>
                 <a:cs typeface="Times New Roman" panose="02020603050405020304" pitchFamily="18" charset="0"/>
               </a:rPr>
-              <a:t>   Variazione illimitata - 1</a:t>
+              <a:t>   Moto Browniano - 4</a:t>
             </a:r>
           </a:p>
         </p:txBody>
@@ -7582,7 +7484,7 @@
       </p:pic>
       <p:pic>
         <p:nvPicPr>
-          <p:cNvPr id="11" name="Picture 10"/>
+          <p:cNvPr id="3" name="Picture 2"/>
           <p:cNvPicPr>
             <a:picLocks noChangeAspect="1"/>
           </p:cNvPicPr>
@@ -7596,56 +7498,8 @@
         </p:blipFill>
         <p:spPr>
           <a:xfrm>
-            <a:off x="1002613" y="2091978"/>
-            <a:ext cx="9391650" cy="3190875"/>
-          </a:xfrm>
-          <a:prstGeom prst="rect">
-            <a:avLst/>
-          </a:prstGeom>
-        </p:spPr>
-      </p:pic>
-      <p:pic>
-        <p:nvPicPr>
-          <p:cNvPr id="12" name="Picture 11"/>
-          <p:cNvPicPr>
-            <a:picLocks noChangeAspect="1"/>
-          </p:cNvPicPr>
-          <p:nvPr/>
-        </p:nvPicPr>
-        <p:blipFill>
-          <a:blip r:embed="rId6"/>
-          <a:stretch>
-            <a:fillRect/>
-          </a:stretch>
-        </p:blipFill>
-        <p:spPr>
-          <a:xfrm>
-            <a:off x="1838323" y="2123247"/>
-            <a:ext cx="1657350" cy="285750"/>
-          </a:xfrm>
-          <a:prstGeom prst="rect">
-            <a:avLst/>
-          </a:prstGeom>
-        </p:spPr>
-      </p:pic>
-      <p:pic>
-        <p:nvPicPr>
-          <p:cNvPr id="13" name="Picture 12"/>
-          <p:cNvPicPr>
-            <a:picLocks noChangeAspect="1"/>
-          </p:cNvPicPr>
-          <p:nvPr/>
-        </p:nvPicPr>
-        <p:blipFill>
-          <a:blip r:embed="rId7"/>
-          <a:stretch>
-            <a:fillRect/>
-          </a:stretch>
-        </p:blipFill>
-        <p:spPr>
-          <a:xfrm>
-            <a:off x="1196432" y="2108958"/>
-            <a:ext cx="933450" cy="314325"/>
+            <a:off x="1018137" y="2174806"/>
+            <a:ext cx="9420225" cy="2428875"/>
           </a:xfrm>
           <a:prstGeom prst="rect">
             <a:avLst/>
@@ -7655,7 +7509,7 @@
     </p:spTree>
     <p:extLst>
       <p:ext uri="{BB962C8B-B14F-4D97-AF65-F5344CB8AC3E}">
-        <p14:creationId xmlns:p14="http://schemas.microsoft.com/office/powerpoint/2010/main" val="3751056695"/>
+        <p14:creationId xmlns:p14="http://schemas.microsoft.com/office/powerpoint/2010/main" val="3674425608"/>
       </p:ext>
     </p:extLst>
   </p:cSld>
@@ -7800,7 +7654,7 @@
                 <a:latin typeface="Times New Roman" panose="02020603050405020304" pitchFamily="18" charset="0"/>
                 <a:cs typeface="Times New Roman" panose="02020603050405020304" pitchFamily="18" charset="0"/>
               </a:rPr>
-              <a:t>   Derivata in media quadratica</a:t>
+              <a:t>   Variazione illimitata - 1</a:t>
             </a:r>
           </a:p>
         </p:txBody>
@@ -7902,6 +7756,54 @@
       </p:pic>
       <p:pic>
         <p:nvPicPr>
+          <p:cNvPr id="11" name="Picture 10"/>
+          <p:cNvPicPr>
+            <a:picLocks noChangeAspect="1"/>
+          </p:cNvPicPr>
+          <p:nvPr/>
+        </p:nvPicPr>
+        <p:blipFill>
+          <a:blip r:embed="rId5"/>
+          <a:stretch>
+            <a:fillRect/>
+          </a:stretch>
+        </p:blipFill>
+        <p:spPr>
+          <a:xfrm>
+            <a:off x="1002613" y="2091978"/>
+            <a:ext cx="9391650" cy="3190875"/>
+          </a:xfrm>
+          <a:prstGeom prst="rect">
+            <a:avLst/>
+          </a:prstGeom>
+        </p:spPr>
+      </p:pic>
+      <p:pic>
+        <p:nvPicPr>
+          <p:cNvPr id="12" name="Picture 11"/>
+          <p:cNvPicPr>
+            <a:picLocks noChangeAspect="1"/>
+          </p:cNvPicPr>
+          <p:nvPr/>
+        </p:nvPicPr>
+        <p:blipFill>
+          <a:blip r:embed="rId6"/>
+          <a:stretch>
+            <a:fillRect/>
+          </a:stretch>
+        </p:blipFill>
+        <p:spPr>
+          <a:xfrm>
+            <a:off x="1838323" y="2123247"/>
+            <a:ext cx="1657350" cy="285750"/>
+          </a:xfrm>
+          <a:prstGeom prst="rect">
+            <a:avLst/>
+          </a:prstGeom>
+        </p:spPr>
+      </p:pic>
+      <p:pic>
+        <p:nvPicPr>
           <p:cNvPr id="13" name="Picture 12"/>
           <p:cNvPicPr>
             <a:picLocks noChangeAspect="1"/>
@@ -7909,7 +7811,7 @@
           <p:nvPr/>
         </p:nvPicPr>
         <p:blipFill>
-          <a:blip r:embed="rId5"/>
+          <a:blip r:embed="rId7"/>
           <a:stretch>
             <a:fillRect/>
           </a:stretch>
@@ -7918,30 +7820,6 @@
           <a:xfrm>
             <a:off x="1196432" y="2108958"/>
             <a:ext cx="933450" cy="314325"/>
-          </a:xfrm>
-          <a:prstGeom prst="rect">
-            <a:avLst/>
-          </a:prstGeom>
-        </p:spPr>
-      </p:pic>
-      <p:pic>
-        <p:nvPicPr>
-          <p:cNvPr id="5" name="Picture 4"/>
-          <p:cNvPicPr>
-            <a:picLocks noChangeAspect="1"/>
-          </p:cNvPicPr>
-          <p:nvPr/>
-        </p:nvPicPr>
-        <p:blipFill>
-          <a:blip r:embed="rId6"/>
-          <a:stretch>
-            <a:fillRect/>
-          </a:stretch>
-        </p:blipFill>
-        <p:spPr>
-          <a:xfrm>
-            <a:off x="1017313" y="2099851"/>
-            <a:ext cx="9382125" cy="3552825"/>
           </a:xfrm>
           <a:prstGeom prst="rect">
             <a:avLst/>
@@ -7951,7 +7829,7 @@
     </p:spTree>
     <p:extLst>
       <p:ext uri="{BB962C8B-B14F-4D97-AF65-F5344CB8AC3E}">
-        <p14:creationId xmlns:p14="http://schemas.microsoft.com/office/powerpoint/2010/main" val="1934490967"/>
+        <p14:creationId xmlns:p14="http://schemas.microsoft.com/office/powerpoint/2010/main" val="3751056695"/>
       </p:ext>
     </p:extLst>
   </p:cSld>
@@ -8096,7 +7974,7 @@
                 <a:latin typeface="Times New Roman" panose="02020603050405020304" pitchFamily="18" charset="0"/>
                 <a:cs typeface="Times New Roman" panose="02020603050405020304" pitchFamily="18" charset="0"/>
               </a:rPr>
-              <a:t>   Derivata in probabilità</a:t>
+              <a:t>   Derivata in media quadratica</a:t>
             </a:r>
           </a:p>
         </p:txBody>
@@ -8222,7 +8100,7 @@
       </p:pic>
       <p:pic>
         <p:nvPicPr>
-          <p:cNvPr id="3" name="Picture 2"/>
+          <p:cNvPr id="5" name="Picture 4"/>
           <p:cNvPicPr>
             <a:picLocks noChangeAspect="1"/>
           </p:cNvPicPr>
@@ -8236,32 +8114,8 @@
         </p:blipFill>
         <p:spPr>
           <a:xfrm>
-            <a:off x="1038021" y="1995697"/>
-            <a:ext cx="9420225" cy="3562350"/>
-          </a:xfrm>
-          <a:prstGeom prst="rect">
-            <a:avLst/>
-          </a:prstGeom>
-        </p:spPr>
-      </p:pic>
-      <p:pic>
-        <p:nvPicPr>
-          <p:cNvPr id="6" name="Picture 5"/>
-          <p:cNvPicPr>
-            <a:picLocks noChangeAspect="1"/>
-          </p:cNvPicPr>
-          <p:nvPr/>
-        </p:nvPicPr>
-        <p:blipFill>
-          <a:blip r:embed="rId7"/>
-          <a:stretch>
-            <a:fillRect/>
-          </a:stretch>
-        </p:blipFill>
-        <p:spPr>
-          <a:xfrm>
-            <a:off x="1086272" y="5534023"/>
-            <a:ext cx="2724150" cy="361950"/>
+            <a:off x="1017313" y="2099851"/>
+            <a:ext cx="9382125" cy="3552825"/>
           </a:xfrm>
           <a:prstGeom prst="rect">
             <a:avLst/>
@@ -8271,7 +8125,7 @@
     </p:spTree>
     <p:extLst>
       <p:ext uri="{BB962C8B-B14F-4D97-AF65-F5344CB8AC3E}">
-        <p14:creationId xmlns:p14="http://schemas.microsoft.com/office/powerpoint/2010/main" val="2527952704"/>
+        <p14:creationId xmlns:p14="http://schemas.microsoft.com/office/powerpoint/2010/main" val="1934490967"/>
       </p:ext>
     </p:extLst>
   </p:cSld>
@@ -8416,27 +8270,7 @@
                 <a:latin typeface="Times New Roman" panose="02020603050405020304" pitchFamily="18" charset="0"/>
                 <a:cs typeface="Times New Roman" panose="02020603050405020304" pitchFamily="18" charset="0"/>
               </a:rPr>
-              <a:t>   Scomposizione di </a:t>
-            </a:r>
-            <a:r>
-              <a:rPr lang="it-IT" altLang="it-IT" sz="3600" b="1" kern="0" dirty="0" err="1" smtClean="0">
-                <a:solidFill>
-                  <a:prstClr val="white"/>
-                </a:solidFill>
-                <a:latin typeface="Times New Roman" panose="02020603050405020304" pitchFamily="18" charset="0"/>
-                <a:cs typeface="Times New Roman" panose="02020603050405020304" pitchFamily="18" charset="0"/>
-              </a:rPr>
-              <a:t>Doob</a:t>
-            </a:r>
-            <a:r>
-              <a:rPr lang="it-IT" altLang="it-IT" sz="3600" b="1" kern="0" dirty="0" smtClean="0">
-                <a:solidFill>
-                  <a:prstClr val="white"/>
-                </a:solidFill>
-                <a:latin typeface="Times New Roman" panose="02020603050405020304" pitchFamily="18" charset="0"/>
-                <a:cs typeface="Times New Roman" panose="02020603050405020304" pitchFamily="18" charset="0"/>
-              </a:rPr>
-              <a:t>-Mayer</a:t>
+              <a:t>   Derivata in probabilità</a:t>
             </a:r>
           </a:p>
         </p:txBody>
@@ -8562,7 +8396,7 @@
       </p:pic>
       <p:pic>
         <p:nvPicPr>
-          <p:cNvPr id="5" name="Picture 4"/>
+          <p:cNvPr id="3" name="Picture 2"/>
           <p:cNvPicPr>
             <a:picLocks noChangeAspect="1"/>
           </p:cNvPicPr>
@@ -8576,17 +8410,17 @@
         </p:blipFill>
         <p:spPr>
           <a:xfrm>
-            <a:off x="918747" y="2067340"/>
-            <a:ext cx="9420225" cy="914400"/>
-          </a:xfrm>
-          <a:prstGeom prst="rect">
-            <a:avLst/>
-          </a:prstGeom>
-        </p:spPr>
-      </p:pic>
-      <p:pic>
-        <p:nvPicPr>
-          <p:cNvPr id="11" name="Picture 10"/>
+            <a:off x="1038021" y="1995697"/>
+            <a:ext cx="9420225" cy="3562350"/>
+          </a:xfrm>
+          <a:prstGeom prst="rect">
+            <a:avLst/>
+          </a:prstGeom>
+        </p:spPr>
+      </p:pic>
+      <p:pic>
+        <p:nvPicPr>
+          <p:cNvPr id="6" name="Picture 5"/>
           <p:cNvPicPr>
             <a:picLocks noChangeAspect="1"/>
           </p:cNvPicPr>
@@ -8600,32 +8434,8 @@
         </p:blipFill>
         <p:spPr>
           <a:xfrm>
-            <a:off x="684567" y="2153891"/>
-            <a:ext cx="2076450" cy="323850"/>
-          </a:xfrm>
-          <a:prstGeom prst="rect">
-            <a:avLst/>
-          </a:prstGeom>
-        </p:spPr>
-      </p:pic>
-      <p:pic>
-        <p:nvPicPr>
-          <p:cNvPr id="12" name="Picture 11"/>
-          <p:cNvPicPr>
-            <a:picLocks noChangeAspect="1"/>
-          </p:cNvPicPr>
-          <p:nvPr/>
-        </p:nvPicPr>
-        <p:blipFill>
-          <a:blip r:embed="rId8"/>
-          <a:stretch>
-            <a:fillRect/>
-          </a:stretch>
-        </p:blipFill>
-        <p:spPr>
-          <a:xfrm>
-            <a:off x="1003025" y="2894770"/>
-            <a:ext cx="9410700" cy="3771900"/>
+            <a:off x="1086272" y="5534023"/>
+            <a:ext cx="2724150" cy="361950"/>
           </a:xfrm>
           <a:prstGeom prst="rect">
             <a:avLst/>
@@ -8635,7 +8445,7 @@
     </p:spTree>
     <p:extLst>
       <p:ext uri="{BB962C8B-B14F-4D97-AF65-F5344CB8AC3E}">
-        <p14:creationId xmlns:p14="http://schemas.microsoft.com/office/powerpoint/2010/main" val="270352889"/>
+        <p14:creationId xmlns:p14="http://schemas.microsoft.com/office/powerpoint/2010/main" val="2527952704"/>
       </p:ext>
     </p:extLst>
   </p:cSld>
@@ -8780,7 +8590,17 @@
                 <a:latin typeface="Times New Roman" panose="02020603050405020304" pitchFamily="18" charset="0"/>
                 <a:cs typeface="Times New Roman" panose="02020603050405020304" pitchFamily="18" charset="0"/>
               </a:rPr>
-              <a:t>   </a:t>
+              <a:t>   Scomposizione di </a:t>
+            </a:r>
+            <a:r>
+              <a:rPr lang="it-IT" altLang="it-IT" sz="3600" b="1" kern="0" dirty="0" err="1" smtClean="0">
+                <a:solidFill>
+                  <a:prstClr val="white"/>
+                </a:solidFill>
+                <a:latin typeface="Times New Roman" panose="02020603050405020304" pitchFamily="18" charset="0"/>
+                <a:cs typeface="Times New Roman" panose="02020603050405020304" pitchFamily="18" charset="0"/>
+              </a:rPr>
+              <a:t>Doob</a:t>
             </a:r>
             <a:r>
               <a:rPr lang="it-IT" altLang="it-IT" sz="3600" b="1" kern="0" dirty="0" smtClean="0">
@@ -8790,15 +8610,8 @@
                 <a:latin typeface="Times New Roman" panose="02020603050405020304" pitchFamily="18" charset="0"/>
                 <a:cs typeface="Times New Roman" panose="02020603050405020304" pitchFamily="18" charset="0"/>
               </a:rPr>
-              <a:t>Variazione quadratica</a:t>
-            </a:r>
-            <a:endParaRPr lang="it-IT" altLang="it-IT" sz="3600" b="1" kern="0" dirty="0" smtClean="0">
-              <a:solidFill>
-                <a:prstClr val="white"/>
-              </a:solidFill>
-              <a:latin typeface="Times New Roman" panose="02020603050405020304" pitchFamily="18" charset="0"/>
-              <a:cs typeface="Times New Roman" panose="02020603050405020304" pitchFamily="18" charset="0"/>
-            </a:endParaRPr>
+              <a:t>-Mayer</a:t>
+            </a:r>
           </a:p>
         </p:txBody>
       </p:sp>
@@ -8923,7 +8736,7 @@
       </p:pic>
       <p:pic>
         <p:nvPicPr>
-          <p:cNvPr id="3" name="Picture 2"/>
+          <p:cNvPr id="5" name="Picture 4"/>
           <p:cNvPicPr>
             <a:picLocks noChangeAspect="1"/>
           </p:cNvPicPr>
@@ -8937,8 +8750,56 @@
         </p:blipFill>
         <p:spPr>
           <a:xfrm>
-            <a:off x="1269340" y="2063594"/>
-            <a:ext cx="8997782" cy="4783516"/>
+            <a:off x="918747" y="2067340"/>
+            <a:ext cx="9420225" cy="914400"/>
+          </a:xfrm>
+          <a:prstGeom prst="rect">
+            <a:avLst/>
+          </a:prstGeom>
+        </p:spPr>
+      </p:pic>
+      <p:pic>
+        <p:nvPicPr>
+          <p:cNvPr id="11" name="Picture 10"/>
+          <p:cNvPicPr>
+            <a:picLocks noChangeAspect="1"/>
+          </p:cNvPicPr>
+          <p:nvPr/>
+        </p:nvPicPr>
+        <p:blipFill>
+          <a:blip r:embed="rId7"/>
+          <a:stretch>
+            <a:fillRect/>
+          </a:stretch>
+        </p:blipFill>
+        <p:spPr>
+          <a:xfrm>
+            <a:off x="684567" y="2153891"/>
+            <a:ext cx="2076450" cy="323850"/>
+          </a:xfrm>
+          <a:prstGeom prst="rect">
+            <a:avLst/>
+          </a:prstGeom>
+        </p:spPr>
+      </p:pic>
+      <p:pic>
+        <p:nvPicPr>
+          <p:cNvPr id="12" name="Picture 11"/>
+          <p:cNvPicPr>
+            <a:picLocks noChangeAspect="1"/>
+          </p:cNvPicPr>
+          <p:nvPr/>
+        </p:nvPicPr>
+        <p:blipFill>
+          <a:blip r:embed="rId8"/>
+          <a:stretch>
+            <a:fillRect/>
+          </a:stretch>
+        </p:blipFill>
+        <p:spPr>
+          <a:xfrm>
+            <a:off x="1003025" y="2894770"/>
+            <a:ext cx="9410700" cy="3771900"/>
           </a:xfrm>
           <a:prstGeom prst="rect">
             <a:avLst/>
@@ -8948,7 +8809,7 @@
     </p:spTree>
     <p:extLst>
       <p:ext uri="{BB962C8B-B14F-4D97-AF65-F5344CB8AC3E}">
-        <p14:creationId xmlns:p14="http://schemas.microsoft.com/office/powerpoint/2010/main" val="3413897340"/>
+        <p14:creationId xmlns:p14="http://schemas.microsoft.com/office/powerpoint/2010/main" val="270352889"/>
       </p:ext>
     </p:extLst>
   </p:cSld>
@@ -9093,7 +8954,7 @@
                 <a:latin typeface="Times New Roman" panose="02020603050405020304" pitchFamily="18" charset="0"/>
                 <a:cs typeface="Times New Roman" panose="02020603050405020304" pitchFamily="18" charset="0"/>
               </a:rPr>
-              <a:t>   Integrale stocastico - 1</a:t>
+              <a:t>   Variazione quadratica</a:t>
             </a:r>
           </a:p>
         </p:txBody>
@@ -9219,7 +9080,7 @@
       </p:pic>
       <p:pic>
         <p:nvPicPr>
-          <p:cNvPr id="5" name="Picture 4"/>
+          <p:cNvPr id="3" name="Picture 2"/>
           <p:cNvPicPr>
             <a:picLocks noChangeAspect="1"/>
           </p:cNvPicPr>
@@ -9233,8 +9094,8 @@
         </p:blipFill>
         <p:spPr>
           <a:xfrm>
-            <a:off x="1096827" y="2052434"/>
-            <a:ext cx="9382125" cy="4343400"/>
+            <a:off x="1269340" y="2063594"/>
+            <a:ext cx="8997782" cy="4783516"/>
           </a:xfrm>
           <a:prstGeom prst="rect">
             <a:avLst/>
@@ -9244,7 +9105,7 @@
     </p:spTree>
     <p:extLst>
       <p:ext uri="{BB962C8B-B14F-4D97-AF65-F5344CB8AC3E}">
-        <p14:creationId xmlns:p14="http://schemas.microsoft.com/office/powerpoint/2010/main" val="350369921"/>
+        <p14:creationId xmlns:p14="http://schemas.microsoft.com/office/powerpoint/2010/main" val="3413897340"/>
       </p:ext>
     </p:extLst>
   </p:cSld>
@@ -9610,25 +9471,8 @@
                 <a:latin typeface="Times New Roman" panose="02020603050405020304" pitchFamily="18" charset="0"/>
                 <a:cs typeface="Times New Roman" panose="02020603050405020304" pitchFamily="18" charset="0"/>
               </a:rPr>
-              <a:t>   Integrale stocastico - </a:t>
-            </a:r>
-            <a:r>
-              <a:rPr lang="it-IT" altLang="it-IT" sz="3600" b="1" kern="0" dirty="0" smtClean="0">
-                <a:solidFill>
-                  <a:prstClr val="white"/>
-                </a:solidFill>
-                <a:latin typeface="Times New Roman" panose="02020603050405020304" pitchFamily="18" charset="0"/>
-                <a:cs typeface="Times New Roman" panose="02020603050405020304" pitchFamily="18" charset="0"/>
-              </a:rPr>
-              <a:t>2</a:t>
-            </a:r>
-            <a:endParaRPr lang="it-IT" altLang="it-IT" sz="3600" b="1" kern="0" dirty="0" smtClean="0">
-              <a:solidFill>
-                <a:prstClr val="white"/>
-              </a:solidFill>
-              <a:latin typeface="Times New Roman" panose="02020603050405020304" pitchFamily="18" charset="0"/>
-              <a:cs typeface="Times New Roman" panose="02020603050405020304" pitchFamily="18" charset="0"/>
-            </a:endParaRPr>
+              <a:t>   Integrale stocastico - 1</a:t>
+            </a:r>
           </a:p>
         </p:txBody>
       </p:sp>
@@ -9753,7 +9597,7 @@
       </p:pic>
       <p:pic>
         <p:nvPicPr>
-          <p:cNvPr id="3" name="Picture 2"/>
+          <p:cNvPr id="5" name="Picture 4"/>
           <p:cNvPicPr>
             <a:picLocks noChangeAspect="1"/>
           </p:cNvPicPr>
@@ -9767,56 +9611,8 @@
         </p:blipFill>
         <p:spPr>
           <a:xfrm>
-            <a:off x="1045890" y="2176047"/>
-            <a:ext cx="9324975" cy="1114425"/>
-          </a:xfrm>
-          <a:prstGeom prst="rect">
-            <a:avLst/>
-          </a:prstGeom>
-        </p:spPr>
-      </p:pic>
-      <p:pic>
-        <p:nvPicPr>
-          <p:cNvPr id="6" name="Picture 5"/>
-          <p:cNvPicPr>
-            <a:picLocks noChangeAspect="1"/>
-          </p:cNvPicPr>
-          <p:nvPr/>
-        </p:nvPicPr>
-        <p:blipFill>
-          <a:blip r:embed="rId7"/>
-          <a:stretch>
-            <a:fillRect/>
-          </a:stretch>
-        </p:blipFill>
-        <p:spPr>
-          <a:xfrm>
-            <a:off x="1090823" y="3273492"/>
-            <a:ext cx="9334500" cy="2676525"/>
-          </a:xfrm>
-          <a:prstGeom prst="rect">
-            <a:avLst/>
-          </a:prstGeom>
-        </p:spPr>
-      </p:pic>
-      <p:pic>
-        <p:nvPicPr>
-          <p:cNvPr id="11" name="Picture 10"/>
-          <p:cNvPicPr>
-            <a:picLocks noChangeAspect="1"/>
-          </p:cNvPicPr>
-          <p:nvPr/>
-        </p:nvPicPr>
-        <p:blipFill>
-          <a:blip r:embed="rId8"/>
-          <a:stretch>
-            <a:fillRect/>
-          </a:stretch>
-        </p:blipFill>
-        <p:spPr>
-          <a:xfrm>
-            <a:off x="642533" y="3356942"/>
-            <a:ext cx="2200275" cy="342900"/>
+            <a:off x="1096827" y="2052434"/>
+            <a:ext cx="9382125" cy="4343400"/>
           </a:xfrm>
           <a:prstGeom prst="rect">
             <a:avLst/>
@@ -9826,7 +9622,7 @@
     </p:spTree>
     <p:extLst>
       <p:ext uri="{BB962C8B-B14F-4D97-AF65-F5344CB8AC3E}">
-        <p14:creationId xmlns:p14="http://schemas.microsoft.com/office/powerpoint/2010/main" val="1841415305"/>
+        <p14:creationId xmlns:p14="http://schemas.microsoft.com/office/powerpoint/2010/main" val="350369921"/>
       </p:ext>
     </p:extLst>
   </p:cSld>
@@ -9971,7 +9767,7 @@
                 <a:latin typeface="Times New Roman" panose="02020603050405020304" pitchFamily="18" charset="0"/>
                 <a:cs typeface="Times New Roman" panose="02020603050405020304" pitchFamily="18" charset="0"/>
               </a:rPr>
-              <a:t>   Proprietà dell’integrale stocastico - 1</a:t>
+              <a:t>   Integrale stocastico - 2</a:t>
             </a:r>
           </a:p>
         </p:txBody>
@@ -10097,7 +9893,7 @@
       </p:pic>
       <p:pic>
         <p:nvPicPr>
-          <p:cNvPr id="5" name="Picture 4"/>
+          <p:cNvPr id="3" name="Picture 2"/>
           <p:cNvPicPr>
             <a:picLocks noChangeAspect="1"/>
           </p:cNvPicPr>
@@ -10111,8 +9907,56 @@
         </p:blipFill>
         <p:spPr>
           <a:xfrm>
-            <a:off x="1073429" y="2012262"/>
-            <a:ext cx="9486900" cy="3752850"/>
+            <a:off x="1045890" y="2176047"/>
+            <a:ext cx="9324975" cy="1114425"/>
+          </a:xfrm>
+          <a:prstGeom prst="rect">
+            <a:avLst/>
+          </a:prstGeom>
+        </p:spPr>
+      </p:pic>
+      <p:pic>
+        <p:nvPicPr>
+          <p:cNvPr id="6" name="Picture 5"/>
+          <p:cNvPicPr>
+            <a:picLocks noChangeAspect="1"/>
+          </p:cNvPicPr>
+          <p:nvPr/>
+        </p:nvPicPr>
+        <p:blipFill>
+          <a:blip r:embed="rId7"/>
+          <a:stretch>
+            <a:fillRect/>
+          </a:stretch>
+        </p:blipFill>
+        <p:spPr>
+          <a:xfrm>
+            <a:off x="1090823" y="3273492"/>
+            <a:ext cx="9334500" cy="2676525"/>
+          </a:xfrm>
+          <a:prstGeom prst="rect">
+            <a:avLst/>
+          </a:prstGeom>
+        </p:spPr>
+      </p:pic>
+      <p:pic>
+        <p:nvPicPr>
+          <p:cNvPr id="11" name="Picture 10"/>
+          <p:cNvPicPr>
+            <a:picLocks noChangeAspect="1"/>
+          </p:cNvPicPr>
+          <p:nvPr/>
+        </p:nvPicPr>
+        <p:blipFill>
+          <a:blip r:embed="rId8"/>
+          <a:stretch>
+            <a:fillRect/>
+          </a:stretch>
+        </p:blipFill>
+        <p:spPr>
+          <a:xfrm>
+            <a:off x="642533" y="3356942"/>
+            <a:ext cx="2200275" cy="342900"/>
           </a:xfrm>
           <a:prstGeom prst="rect">
             <a:avLst/>
@@ -10122,7 +9966,7 @@
     </p:spTree>
     <p:extLst>
       <p:ext uri="{BB962C8B-B14F-4D97-AF65-F5344CB8AC3E}">
-        <p14:creationId xmlns:p14="http://schemas.microsoft.com/office/powerpoint/2010/main" val="3757651773"/>
+        <p14:creationId xmlns:p14="http://schemas.microsoft.com/office/powerpoint/2010/main" val="1841415305"/>
       </p:ext>
     </p:extLst>
   </p:cSld>
@@ -10267,7 +10111,7 @@
                 <a:latin typeface="Times New Roman" panose="02020603050405020304" pitchFamily="18" charset="0"/>
                 <a:cs typeface="Times New Roman" panose="02020603050405020304" pitchFamily="18" charset="0"/>
               </a:rPr>
-              <a:t>   Proprietà dell’integrale stocastico - 2</a:t>
+              <a:t>   Proprietà dell’integrale stocastico - 1</a:t>
             </a:r>
           </a:p>
         </p:txBody>
@@ -10393,7 +10237,7 @@
       </p:pic>
       <p:pic>
         <p:nvPicPr>
-          <p:cNvPr id="3" name="Picture 2"/>
+          <p:cNvPr id="5" name="Picture 4"/>
           <p:cNvPicPr>
             <a:picLocks noChangeAspect="1"/>
           </p:cNvPicPr>
@@ -10407,8 +10251,8 @@
         </p:blipFill>
         <p:spPr>
           <a:xfrm>
-            <a:off x="968033" y="2113310"/>
-            <a:ext cx="9401175" cy="4400550"/>
+            <a:off x="1073429" y="2012262"/>
+            <a:ext cx="9486900" cy="3752850"/>
           </a:xfrm>
           <a:prstGeom prst="rect">
             <a:avLst/>
@@ -10418,7 +10262,7 @@
     </p:spTree>
     <p:extLst>
       <p:ext uri="{BB962C8B-B14F-4D97-AF65-F5344CB8AC3E}">
-        <p14:creationId xmlns:p14="http://schemas.microsoft.com/office/powerpoint/2010/main" val="3146222539"/>
+        <p14:creationId xmlns:p14="http://schemas.microsoft.com/office/powerpoint/2010/main" val="3757651773"/>
       </p:ext>
     </p:extLst>
   </p:cSld>
@@ -10563,7 +10407,7 @@
                 <a:latin typeface="Times New Roman" panose="02020603050405020304" pitchFamily="18" charset="0"/>
                 <a:cs typeface="Times New Roman" panose="02020603050405020304" pitchFamily="18" charset="0"/>
               </a:rPr>
-              <a:t>   Teorema di rappresentazione delle martingale</a:t>
+              <a:t>   Proprietà dell’integrale stocastico - 2</a:t>
             </a:r>
           </a:p>
         </p:txBody>
@@ -10689,7 +10533,7 @@
       </p:pic>
       <p:pic>
         <p:nvPicPr>
-          <p:cNvPr id="11" name="Picture 10"/>
+          <p:cNvPr id="3" name="Picture 2"/>
           <p:cNvPicPr>
             <a:picLocks noChangeAspect="1"/>
           </p:cNvPicPr>
@@ -10703,32 +10547,8 @@
         </p:blipFill>
         <p:spPr>
           <a:xfrm>
-            <a:off x="1249022" y="2063046"/>
-            <a:ext cx="9117492" cy="4739612"/>
-          </a:xfrm>
-          <a:prstGeom prst="rect">
-            <a:avLst/>
-          </a:prstGeom>
-        </p:spPr>
-      </p:pic>
-      <p:pic>
-        <p:nvPicPr>
-          <p:cNvPr id="12" name="Picture 11"/>
-          <p:cNvPicPr>
-            <a:picLocks noChangeAspect="1"/>
-          </p:cNvPicPr>
-          <p:nvPr/>
-        </p:nvPicPr>
-        <p:blipFill>
-          <a:blip r:embed="rId7"/>
-          <a:stretch>
-            <a:fillRect/>
-          </a:stretch>
-        </p:blipFill>
-        <p:spPr>
-          <a:xfrm>
-            <a:off x="699476" y="2108130"/>
-            <a:ext cx="2305050" cy="276225"/>
+            <a:off x="968033" y="2113310"/>
+            <a:ext cx="9401175" cy="4400550"/>
           </a:xfrm>
           <a:prstGeom prst="rect">
             <a:avLst/>
@@ -10738,7 +10558,7 @@
     </p:spTree>
     <p:extLst>
       <p:ext uri="{BB962C8B-B14F-4D97-AF65-F5344CB8AC3E}">
-        <p14:creationId xmlns:p14="http://schemas.microsoft.com/office/powerpoint/2010/main" val="2129056254"/>
+        <p14:creationId xmlns:p14="http://schemas.microsoft.com/office/powerpoint/2010/main" val="3146222539"/>
       </p:ext>
     </p:extLst>
   </p:cSld>
@@ -10883,35 +10703,8 @@
                 <a:latin typeface="Times New Roman" panose="02020603050405020304" pitchFamily="18" charset="0"/>
                 <a:cs typeface="Times New Roman" panose="02020603050405020304" pitchFamily="18" charset="0"/>
               </a:rPr>
-              <a:t>   </a:t>
-            </a:r>
-            <a:r>
-              <a:rPr lang="it-IT" altLang="it-IT" sz="3600" b="1" kern="0" dirty="0" smtClean="0">
-                <a:solidFill>
-                  <a:prstClr val="white"/>
-                </a:solidFill>
-                <a:latin typeface="Times New Roman" panose="02020603050405020304" pitchFamily="18" charset="0"/>
-                <a:cs typeface="Times New Roman" panose="02020603050405020304" pitchFamily="18" charset="0"/>
-              </a:rPr>
-              <a:t>Processi di </a:t>
-            </a:r>
-            <a:r>
-              <a:rPr lang="it-IT" altLang="it-IT" sz="3600" b="1" kern="0" dirty="0" err="1" smtClean="0">
-                <a:solidFill>
-                  <a:prstClr val="white"/>
-                </a:solidFill>
-                <a:latin typeface="Times New Roman" panose="02020603050405020304" pitchFamily="18" charset="0"/>
-                <a:cs typeface="Times New Roman" panose="02020603050405020304" pitchFamily="18" charset="0"/>
-              </a:rPr>
-              <a:t>Ito</a:t>
-            </a:r>
-            <a:endParaRPr lang="it-IT" altLang="it-IT" sz="3600" b="1" kern="0" dirty="0" smtClean="0">
-              <a:solidFill>
-                <a:prstClr val="white"/>
-              </a:solidFill>
-              <a:latin typeface="Times New Roman" panose="02020603050405020304" pitchFamily="18" charset="0"/>
-              <a:cs typeface="Times New Roman" panose="02020603050405020304" pitchFamily="18" charset="0"/>
-            </a:endParaRPr>
+              <a:t>   Teorema di rappresentazione delle martingale</a:t>
+            </a:r>
           </a:p>
         </p:txBody>
       </p:sp>
@@ -11036,7 +10829,7 @@
       </p:pic>
       <p:pic>
         <p:nvPicPr>
-          <p:cNvPr id="3" name="Picture 2"/>
+          <p:cNvPr id="11" name="Picture 10"/>
           <p:cNvPicPr>
             <a:picLocks noChangeAspect="1"/>
           </p:cNvPicPr>
@@ -11050,17 +10843,17 @@
         </p:blipFill>
         <p:spPr>
           <a:xfrm>
-            <a:off x="1119813" y="2327825"/>
-            <a:ext cx="9037978" cy="4528100"/>
-          </a:xfrm>
-          <a:prstGeom prst="rect">
-            <a:avLst/>
-          </a:prstGeom>
-        </p:spPr>
-      </p:pic>
-      <p:pic>
-        <p:nvPicPr>
-          <p:cNvPr id="5" name="Picture 4"/>
+            <a:off x="1249022" y="2063046"/>
+            <a:ext cx="9117492" cy="4739612"/>
+          </a:xfrm>
+          <a:prstGeom prst="rect">
+            <a:avLst/>
+          </a:prstGeom>
+        </p:spPr>
+      </p:pic>
+      <p:pic>
+        <p:nvPicPr>
+          <p:cNvPr id="12" name="Picture 11"/>
           <p:cNvPicPr>
             <a:picLocks noChangeAspect="1"/>
           </p:cNvPicPr>
@@ -11074,8 +10867,8 @@
         </p:blipFill>
         <p:spPr>
           <a:xfrm>
-            <a:off x="1358360" y="2043460"/>
-            <a:ext cx="3313032" cy="425444"/>
+            <a:off x="699476" y="2108130"/>
+            <a:ext cx="2305050" cy="276225"/>
           </a:xfrm>
           <a:prstGeom prst="rect">
             <a:avLst/>
@@ -11085,7 +10878,7 @@
     </p:spTree>
     <p:extLst>
       <p:ext uri="{BB962C8B-B14F-4D97-AF65-F5344CB8AC3E}">
-        <p14:creationId xmlns:p14="http://schemas.microsoft.com/office/powerpoint/2010/main" val="1117463062"/>
+        <p14:creationId xmlns:p14="http://schemas.microsoft.com/office/powerpoint/2010/main" val="2129056254"/>
       </p:ext>
     </p:extLst>
   </p:cSld>
@@ -11230,8 +11023,25 @@
                 <a:latin typeface="Times New Roman" panose="02020603050405020304" pitchFamily="18" charset="0"/>
                 <a:cs typeface="Times New Roman" panose="02020603050405020304" pitchFamily="18" charset="0"/>
               </a:rPr>
-              <a:t>   Esistenza ed unicità della soluzione della SDE</a:t>
-            </a:r>
+              <a:t>   Processi di </a:t>
+            </a:r>
+            <a:r>
+              <a:rPr lang="it-IT" altLang="it-IT" sz="3600" b="1" kern="0" dirty="0" err="1" smtClean="0">
+                <a:solidFill>
+                  <a:prstClr val="white"/>
+                </a:solidFill>
+                <a:latin typeface="Times New Roman" panose="02020603050405020304" pitchFamily="18" charset="0"/>
+                <a:cs typeface="Times New Roman" panose="02020603050405020304" pitchFamily="18" charset="0"/>
+              </a:rPr>
+              <a:t>Ito</a:t>
+            </a:r>
+            <a:endParaRPr lang="it-IT" altLang="it-IT" sz="3600" b="1" kern="0" dirty="0" smtClean="0">
+              <a:solidFill>
+                <a:prstClr val="white"/>
+              </a:solidFill>
+              <a:latin typeface="Times New Roman" panose="02020603050405020304" pitchFamily="18" charset="0"/>
+              <a:cs typeface="Times New Roman" panose="02020603050405020304" pitchFamily="18" charset="0"/>
+            </a:endParaRPr>
           </a:p>
         </p:txBody>
       </p:sp>
@@ -11356,7 +11166,7 @@
       </p:pic>
       <p:pic>
         <p:nvPicPr>
-          <p:cNvPr id="11" name="Picture 10"/>
+          <p:cNvPr id="3" name="Picture 2"/>
           <p:cNvPicPr>
             <a:picLocks noChangeAspect="1"/>
           </p:cNvPicPr>
@@ -11370,17 +11180,17 @@
         </p:blipFill>
         <p:spPr>
           <a:xfrm>
-            <a:off x="1334347" y="2046101"/>
-            <a:ext cx="8982470" cy="4454270"/>
-          </a:xfrm>
-          <a:prstGeom prst="rect">
-            <a:avLst/>
-          </a:prstGeom>
-        </p:spPr>
-      </p:pic>
-      <p:pic>
-        <p:nvPicPr>
-          <p:cNvPr id="12" name="Picture 11"/>
+            <a:off x="1119813" y="2327825"/>
+            <a:ext cx="9037978" cy="4528100"/>
+          </a:xfrm>
+          <a:prstGeom prst="rect">
+            <a:avLst/>
+          </a:prstGeom>
+        </p:spPr>
+      </p:pic>
+      <p:pic>
+        <p:nvPicPr>
+          <p:cNvPr id="5" name="Picture 4"/>
           <p:cNvPicPr>
             <a:picLocks noChangeAspect="1"/>
           </p:cNvPicPr>
@@ -11394,8 +11204,8 @@
         </p:blipFill>
         <p:spPr>
           <a:xfrm>
-            <a:off x="714591" y="2108132"/>
-            <a:ext cx="2314575" cy="276225"/>
+            <a:off x="1358360" y="2043460"/>
+            <a:ext cx="3313032" cy="425444"/>
           </a:xfrm>
           <a:prstGeom prst="rect">
             <a:avLst/>
@@ -11405,7 +11215,7 @@
     </p:spTree>
     <p:extLst>
       <p:ext uri="{BB962C8B-B14F-4D97-AF65-F5344CB8AC3E}">
-        <p14:creationId xmlns:p14="http://schemas.microsoft.com/office/powerpoint/2010/main" val="1319887524"/>
+        <p14:creationId xmlns:p14="http://schemas.microsoft.com/office/powerpoint/2010/main" val="1117463062"/>
       </p:ext>
     </p:extLst>
   </p:cSld>
@@ -11550,27 +11360,7 @@
                 <a:latin typeface="Times New Roman" panose="02020603050405020304" pitchFamily="18" charset="0"/>
                 <a:cs typeface="Times New Roman" panose="02020603050405020304" pitchFamily="18" charset="0"/>
               </a:rPr>
-              <a:t>   </a:t>
-            </a:r>
-            <a:r>
-              <a:rPr lang="it-IT" altLang="it-IT" sz="3600" b="1" kern="0" dirty="0" err="1" smtClean="0">
-                <a:solidFill>
-                  <a:prstClr val="white"/>
-                </a:solidFill>
-                <a:latin typeface="Times New Roman" panose="02020603050405020304" pitchFamily="18" charset="0"/>
-                <a:cs typeface="Times New Roman" panose="02020603050405020304" pitchFamily="18" charset="0"/>
-              </a:rPr>
-              <a:t>Drift</a:t>
-            </a:r>
-            <a:r>
-              <a:rPr lang="it-IT" altLang="it-IT" sz="3600" b="1" kern="0" dirty="0" smtClean="0">
-                <a:solidFill>
-                  <a:prstClr val="white"/>
-                </a:solidFill>
-                <a:latin typeface="Times New Roman" panose="02020603050405020304" pitchFamily="18" charset="0"/>
-                <a:cs typeface="Times New Roman" panose="02020603050405020304" pitchFamily="18" charset="0"/>
-              </a:rPr>
-              <a:t> e diffusione della SDE</a:t>
+              <a:t>   Esistenza ed unicità della soluzione della SDE</a:t>
             </a:r>
           </a:p>
         </p:txBody>
@@ -11696,7 +11486,7 @@
       </p:pic>
       <p:pic>
         <p:nvPicPr>
-          <p:cNvPr id="3" name="Picture 2"/>
+          <p:cNvPr id="11" name="Picture 10"/>
           <p:cNvPicPr>
             <a:picLocks noChangeAspect="1"/>
           </p:cNvPicPr>
@@ -11710,17 +11500,17 @@
         </p:blipFill>
         <p:spPr>
           <a:xfrm>
-            <a:off x="1114219" y="2039384"/>
-            <a:ext cx="9267825" cy="771525"/>
-          </a:xfrm>
-          <a:prstGeom prst="rect">
-            <a:avLst/>
-          </a:prstGeom>
-        </p:spPr>
-      </p:pic>
-      <p:pic>
-        <p:nvPicPr>
-          <p:cNvPr id="5" name="Picture 4"/>
+            <a:off x="1334347" y="2046101"/>
+            <a:ext cx="8982470" cy="4454270"/>
+          </a:xfrm>
+          <a:prstGeom prst="rect">
+            <a:avLst/>
+          </a:prstGeom>
+        </p:spPr>
+      </p:pic>
+      <p:pic>
+        <p:nvPicPr>
+          <p:cNvPr id="12" name="Picture 11"/>
           <p:cNvPicPr>
             <a:picLocks noChangeAspect="1"/>
           </p:cNvPicPr>
@@ -11734,32 +11524,8 @@
         </p:blipFill>
         <p:spPr>
           <a:xfrm>
-            <a:off x="1106560" y="2770120"/>
-            <a:ext cx="1371600" cy="323850"/>
-          </a:xfrm>
-          <a:prstGeom prst="rect">
-            <a:avLst/>
-          </a:prstGeom>
-        </p:spPr>
-      </p:pic>
-      <p:pic>
-        <p:nvPicPr>
-          <p:cNvPr id="14" name="Picture 13"/>
-          <p:cNvPicPr>
-            <a:picLocks noChangeAspect="1"/>
-          </p:cNvPicPr>
-          <p:nvPr/>
-        </p:nvPicPr>
-        <p:blipFill>
-          <a:blip r:embed="rId8"/>
-          <a:stretch>
-            <a:fillRect/>
-          </a:stretch>
-        </p:blipFill>
-        <p:spPr>
-          <a:xfrm>
-            <a:off x="1099515" y="3092106"/>
-            <a:ext cx="9277350" cy="3476625"/>
+            <a:off x="714591" y="2108132"/>
+            <a:ext cx="2314575" cy="276225"/>
           </a:xfrm>
           <a:prstGeom prst="rect">
             <a:avLst/>
@@ -11769,7 +11535,7 @@
     </p:spTree>
     <p:extLst>
       <p:ext uri="{BB962C8B-B14F-4D97-AF65-F5344CB8AC3E}">
-        <p14:creationId xmlns:p14="http://schemas.microsoft.com/office/powerpoint/2010/main" val="2066626853"/>
+        <p14:creationId xmlns:p14="http://schemas.microsoft.com/office/powerpoint/2010/main" val="1319887524"/>
       </p:ext>
     </p:extLst>
   </p:cSld>
@@ -11914,7 +11680,17 @@
                 <a:latin typeface="Times New Roman" panose="02020603050405020304" pitchFamily="18" charset="0"/>
                 <a:cs typeface="Times New Roman" panose="02020603050405020304" pitchFamily="18" charset="0"/>
               </a:rPr>
-              <a:t>   Esempi di processi </a:t>
+              <a:t>   </a:t>
+            </a:r>
+            <a:r>
+              <a:rPr lang="it-IT" altLang="it-IT" sz="3600" b="1" kern="0" dirty="0" err="1" smtClean="0">
+                <a:solidFill>
+                  <a:prstClr val="white"/>
+                </a:solidFill>
+                <a:latin typeface="Times New Roman" panose="02020603050405020304" pitchFamily="18" charset="0"/>
+                <a:cs typeface="Times New Roman" panose="02020603050405020304" pitchFamily="18" charset="0"/>
+              </a:rPr>
+              <a:t>Drift</a:t>
             </a:r>
             <a:r>
               <a:rPr lang="it-IT" altLang="it-IT" sz="3600" b="1" kern="0" dirty="0" smtClean="0">
@@ -11924,15 +11700,8 @@
                 <a:latin typeface="Times New Roman" panose="02020603050405020304" pitchFamily="18" charset="0"/>
                 <a:cs typeface="Times New Roman" panose="02020603050405020304" pitchFamily="18" charset="0"/>
               </a:rPr>
-              <a:t>stocastici - 1</a:t>
-            </a:r>
-            <a:endParaRPr lang="it-IT" altLang="it-IT" sz="3600" b="1" kern="0" dirty="0" smtClean="0">
-              <a:solidFill>
-                <a:prstClr val="white"/>
-              </a:solidFill>
-              <a:latin typeface="Times New Roman" panose="02020603050405020304" pitchFamily="18" charset="0"/>
-              <a:cs typeface="Times New Roman" panose="02020603050405020304" pitchFamily="18" charset="0"/>
-            </a:endParaRPr>
+              <a:t> e diffusione della SDE</a:t>
+            </a:r>
           </a:p>
         </p:txBody>
       </p:sp>
@@ -12057,7 +11826,7 @@
       </p:pic>
       <p:pic>
         <p:nvPicPr>
-          <p:cNvPr id="6" name="Picture 5"/>
+          <p:cNvPr id="3" name="Picture 2"/>
           <p:cNvPicPr>
             <a:picLocks noChangeAspect="1"/>
           </p:cNvPicPr>
@@ -12071,17 +11840,17 @@
         </p:blipFill>
         <p:spPr>
           <a:xfrm>
-            <a:off x="966369" y="2011637"/>
-            <a:ext cx="9324975" cy="866775"/>
-          </a:xfrm>
-          <a:prstGeom prst="rect">
-            <a:avLst/>
-          </a:prstGeom>
-        </p:spPr>
-      </p:pic>
-      <p:pic>
-        <p:nvPicPr>
-          <p:cNvPr id="11" name="Picture 10"/>
+            <a:off x="1114219" y="2039384"/>
+            <a:ext cx="9267825" cy="771525"/>
+          </a:xfrm>
+          <a:prstGeom prst="rect">
+            <a:avLst/>
+          </a:prstGeom>
+        </p:spPr>
+      </p:pic>
+      <p:pic>
+        <p:nvPicPr>
+          <p:cNvPr id="5" name="Picture 4"/>
           <p:cNvPicPr>
             <a:picLocks noChangeAspect="1"/>
           </p:cNvPicPr>
@@ -12095,17 +11864,17 @@
         </p:blipFill>
         <p:spPr>
           <a:xfrm>
-            <a:off x="2511303" y="2177419"/>
-            <a:ext cx="376481" cy="245864"/>
-          </a:xfrm>
-          <a:prstGeom prst="rect">
-            <a:avLst/>
-          </a:prstGeom>
-        </p:spPr>
-      </p:pic>
-      <p:pic>
-        <p:nvPicPr>
-          <p:cNvPr id="12" name="Picture 11"/>
+            <a:off x="1106560" y="2770120"/>
+            <a:ext cx="1371600" cy="323850"/>
+          </a:xfrm>
+          <a:prstGeom prst="rect">
+            <a:avLst/>
+          </a:prstGeom>
+        </p:spPr>
+      </p:pic>
+      <p:pic>
+        <p:nvPicPr>
+          <p:cNvPr id="14" name="Picture 13"/>
           <p:cNvPicPr>
             <a:picLocks noChangeAspect="1"/>
           </p:cNvPicPr>
@@ -12119,32 +11888,8 @@
         </p:blipFill>
         <p:spPr>
           <a:xfrm>
-            <a:off x="990603" y="2747522"/>
-            <a:ext cx="6791738" cy="4046522"/>
-          </a:xfrm>
-          <a:prstGeom prst="rect">
-            <a:avLst/>
-          </a:prstGeom>
-        </p:spPr>
-      </p:pic>
-      <p:pic>
-        <p:nvPicPr>
-          <p:cNvPr id="15" name="Picture 14"/>
-          <p:cNvPicPr>
-            <a:picLocks noChangeAspect="1"/>
-          </p:cNvPicPr>
-          <p:nvPr/>
-        </p:nvPicPr>
-        <p:blipFill>
-          <a:blip r:embed="rId9"/>
-          <a:stretch>
-            <a:fillRect/>
-          </a:stretch>
-        </p:blipFill>
-        <p:spPr>
-          <a:xfrm>
-            <a:off x="2033173" y="2742271"/>
-            <a:ext cx="646052" cy="476038"/>
+            <a:off x="1099515" y="3092106"/>
+            <a:ext cx="9277350" cy="3476625"/>
           </a:xfrm>
           <a:prstGeom prst="rect">
             <a:avLst/>
@@ -12154,7 +11899,7 @@
     </p:spTree>
     <p:extLst>
       <p:ext uri="{BB962C8B-B14F-4D97-AF65-F5344CB8AC3E}">
-        <p14:creationId xmlns:p14="http://schemas.microsoft.com/office/powerpoint/2010/main" val="237486653"/>
+        <p14:creationId xmlns:p14="http://schemas.microsoft.com/office/powerpoint/2010/main" val="2066626853"/>
       </p:ext>
     </p:extLst>
   </p:cSld>
@@ -12299,25 +12044,8 @@
                 <a:latin typeface="Times New Roman" panose="02020603050405020304" pitchFamily="18" charset="0"/>
                 <a:cs typeface="Times New Roman" panose="02020603050405020304" pitchFamily="18" charset="0"/>
               </a:rPr>
-              <a:t>   Esempi di processi </a:t>
-            </a:r>
-            <a:r>
-              <a:rPr lang="it-IT" altLang="it-IT" sz="3600" b="1" kern="0" dirty="0" smtClean="0">
-                <a:solidFill>
-                  <a:prstClr val="white"/>
-                </a:solidFill>
-                <a:latin typeface="Times New Roman" panose="02020603050405020304" pitchFamily="18" charset="0"/>
-                <a:cs typeface="Times New Roman" panose="02020603050405020304" pitchFamily="18" charset="0"/>
-              </a:rPr>
-              <a:t>stocastici - 2</a:t>
-            </a:r>
-            <a:endParaRPr lang="it-IT" altLang="it-IT" sz="3600" b="1" kern="0" dirty="0" smtClean="0">
-              <a:solidFill>
-                <a:prstClr val="white"/>
-              </a:solidFill>
-              <a:latin typeface="Times New Roman" panose="02020603050405020304" pitchFamily="18" charset="0"/>
-              <a:cs typeface="Times New Roman" panose="02020603050405020304" pitchFamily="18" charset="0"/>
-            </a:endParaRPr>
+              <a:t>   Esempi di processi stocastici - 1</a:t>
+            </a:r>
           </a:p>
         </p:txBody>
       </p:sp>
@@ -12346,7 +12074,7 @@
       </p:sp>
       <p:pic>
         <p:nvPicPr>
-          <p:cNvPr id="5" name="Picture 4"/>
+          <p:cNvPr id="7" name="Picture 6"/>
           <p:cNvPicPr>
             <a:picLocks noChangeAspect="1"/>
           </p:cNvPicPr>
@@ -12360,8 +12088,176 @@
         </p:blipFill>
         <p:spPr>
           <a:xfrm>
-            <a:off x="1063694" y="2027375"/>
-            <a:ext cx="6943725" cy="3876675"/>
+            <a:off x="1147348" y="1996243"/>
+            <a:ext cx="885825" cy="609600"/>
+          </a:xfrm>
+          <a:prstGeom prst="rect">
+            <a:avLst/>
+          </a:prstGeom>
+        </p:spPr>
+      </p:pic>
+      <p:pic>
+        <p:nvPicPr>
+          <p:cNvPr id="10" name="Picture 9"/>
+          <p:cNvPicPr>
+            <a:picLocks noChangeAspect="1"/>
+          </p:cNvPicPr>
+          <p:nvPr/>
+        </p:nvPicPr>
+        <p:blipFill>
+          <a:blip r:embed="rId3"/>
+          <a:stretch>
+            <a:fillRect/>
+          </a:stretch>
+        </p:blipFill>
+        <p:spPr>
+          <a:xfrm>
+            <a:off x="1211549" y="2072103"/>
+            <a:ext cx="485775" cy="447675"/>
+          </a:xfrm>
+          <a:prstGeom prst="rect">
+            <a:avLst/>
+          </a:prstGeom>
+        </p:spPr>
+      </p:pic>
+      <p:pic>
+        <p:nvPicPr>
+          <p:cNvPr id="4" name="Picture 3"/>
+          <p:cNvPicPr>
+            <a:picLocks noChangeAspect="1"/>
+          </p:cNvPicPr>
+          <p:nvPr/>
+        </p:nvPicPr>
+        <p:blipFill>
+          <a:blip r:embed="rId4"/>
+          <a:stretch>
+            <a:fillRect/>
+          </a:stretch>
+        </p:blipFill>
+        <p:spPr>
+          <a:xfrm>
+            <a:off x="3018184" y="2266744"/>
+            <a:ext cx="609600" cy="257175"/>
+          </a:xfrm>
+          <a:prstGeom prst="rect">
+            <a:avLst/>
+          </a:prstGeom>
+        </p:spPr>
+      </p:pic>
+      <p:pic>
+        <p:nvPicPr>
+          <p:cNvPr id="13" name="Picture 12"/>
+          <p:cNvPicPr>
+            <a:picLocks noChangeAspect="1"/>
+          </p:cNvPicPr>
+          <p:nvPr/>
+        </p:nvPicPr>
+        <p:blipFill>
+          <a:blip r:embed="rId5"/>
+          <a:stretch>
+            <a:fillRect/>
+          </a:stretch>
+        </p:blipFill>
+        <p:spPr>
+          <a:xfrm>
+            <a:off x="1196432" y="2108958"/>
+            <a:ext cx="933450" cy="314325"/>
+          </a:xfrm>
+          <a:prstGeom prst="rect">
+            <a:avLst/>
+          </a:prstGeom>
+        </p:spPr>
+      </p:pic>
+      <p:pic>
+        <p:nvPicPr>
+          <p:cNvPr id="6" name="Picture 5"/>
+          <p:cNvPicPr>
+            <a:picLocks noChangeAspect="1"/>
+          </p:cNvPicPr>
+          <p:nvPr/>
+        </p:nvPicPr>
+        <p:blipFill>
+          <a:blip r:embed="rId6"/>
+          <a:stretch>
+            <a:fillRect/>
+          </a:stretch>
+        </p:blipFill>
+        <p:spPr>
+          <a:xfrm>
+            <a:off x="966369" y="2011637"/>
+            <a:ext cx="9324975" cy="866775"/>
+          </a:xfrm>
+          <a:prstGeom prst="rect">
+            <a:avLst/>
+          </a:prstGeom>
+        </p:spPr>
+      </p:pic>
+      <p:pic>
+        <p:nvPicPr>
+          <p:cNvPr id="11" name="Picture 10"/>
+          <p:cNvPicPr>
+            <a:picLocks noChangeAspect="1"/>
+          </p:cNvPicPr>
+          <p:nvPr/>
+        </p:nvPicPr>
+        <p:blipFill>
+          <a:blip r:embed="rId7"/>
+          <a:stretch>
+            <a:fillRect/>
+          </a:stretch>
+        </p:blipFill>
+        <p:spPr>
+          <a:xfrm>
+            <a:off x="2511303" y="2177419"/>
+            <a:ext cx="376481" cy="245864"/>
+          </a:xfrm>
+          <a:prstGeom prst="rect">
+            <a:avLst/>
+          </a:prstGeom>
+        </p:spPr>
+      </p:pic>
+      <p:pic>
+        <p:nvPicPr>
+          <p:cNvPr id="12" name="Picture 11"/>
+          <p:cNvPicPr>
+            <a:picLocks noChangeAspect="1"/>
+          </p:cNvPicPr>
+          <p:nvPr/>
+        </p:nvPicPr>
+        <p:blipFill>
+          <a:blip r:embed="rId8"/>
+          <a:stretch>
+            <a:fillRect/>
+          </a:stretch>
+        </p:blipFill>
+        <p:spPr>
+          <a:xfrm>
+            <a:off x="990603" y="2747522"/>
+            <a:ext cx="6791738" cy="4046522"/>
+          </a:xfrm>
+          <a:prstGeom prst="rect">
+            <a:avLst/>
+          </a:prstGeom>
+        </p:spPr>
+      </p:pic>
+      <p:pic>
+        <p:nvPicPr>
+          <p:cNvPr id="15" name="Picture 14"/>
+          <p:cNvPicPr>
+            <a:picLocks noChangeAspect="1"/>
+          </p:cNvPicPr>
+          <p:nvPr/>
+        </p:nvPicPr>
+        <p:blipFill>
+          <a:blip r:embed="rId9"/>
+          <a:stretch>
+            <a:fillRect/>
+          </a:stretch>
+        </p:blipFill>
+        <p:spPr>
+          <a:xfrm>
+            <a:off x="2033173" y="2742271"/>
+            <a:ext cx="646052" cy="476038"/>
           </a:xfrm>
           <a:prstGeom prst="rect">
             <a:avLst/>
@@ -12371,7 +12267,7 @@
     </p:spTree>
     <p:extLst>
       <p:ext uri="{BB962C8B-B14F-4D97-AF65-F5344CB8AC3E}">
-        <p14:creationId xmlns:p14="http://schemas.microsoft.com/office/powerpoint/2010/main" val="2107973668"/>
+        <p14:creationId xmlns:p14="http://schemas.microsoft.com/office/powerpoint/2010/main" val="237486653"/>
       </p:ext>
     </p:extLst>
   </p:cSld>
@@ -12516,25 +12412,8 @@
                 <a:latin typeface="Times New Roman" panose="02020603050405020304" pitchFamily="18" charset="0"/>
                 <a:cs typeface="Times New Roman" panose="02020603050405020304" pitchFamily="18" charset="0"/>
               </a:rPr>
-              <a:t>   Calcolo stocastico di </a:t>
-            </a:r>
-            <a:r>
-              <a:rPr lang="it-IT" altLang="it-IT" sz="3600" b="1" kern="0" dirty="0" err="1" smtClean="0">
-                <a:solidFill>
-                  <a:prstClr val="white"/>
-                </a:solidFill>
-                <a:latin typeface="Times New Roman" panose="02020603050405020304" pitchFamily="18" charset="0"/>
-                <a:cs typeface="Times New Roman" panose="02020603050405020304" pitchFamily="18" charset="0"/>
-              </a:rPr>
-              <a:t>Ito</a:t>
-            </a:r>
-            <a:endParaRPr lang="it-IT" altLang="it-IT" sz="3600" b="1" kern="0" dirty="0" smtClean="0">
-              <a:solidFill>
-                <a:prstClr val="white"/>
-              </a:solidFill>
-              <a:latin typeface="Times New Roman" panose="02020603050405020304" pitchFamily="18" charset="0"/>
-              <a:cs typeface="Times New Roman" panose="02020603050405020304" pitchFamily="18" charset="0"/>
-            </a:endParaRPr>
+              <a:t>   Esempi di processi stocastici - 2</a:t>
+            </a:r>
           </a:p>
         </p:txBody>
       </p:sp>
@@ -12563,7 +12442,7 @@
       </p:sp>
       <p:pic>
         <p:nvPicPr>
-          <p:cNvPr id="3" name="Picture 2"/>
+          <p:cNvPr id="5" name="Picture 4"/>
           <p:cNvPicPr>
             <a:picLocks noChangeAspect="1"/>
           </p:cNvPicPr>
@@ -12577,8 +12456,8 @@
         </p:blipFill>
         <p:spPr>
           <a:xfrm>
-            <a:off x="1088338" y="2075001"/>
-            <a:ext cx="9220200" cy="1952625"/>
+            <a:off x="1063694" y="2027375"/>
+            <a:ext cx="6943725" cy="3876675"/>
           </a:xfrm>
           <a:prstGeom prst="rect">
             <a:avLst/>
@@ -12588,7 +12467,7 @@
     </p:spTree>
     <p:extLst>
       <p:ext uri="{BB962C8B-B14F-4D97-AF65-F5344CB8AC3E}">
-        <p14:creationId xmlns:p14="http://schemas.microsoft.com/office/powerpoint/2010/main" val="772051016"/>
+        <p14:creationId xmlns:p14="http://schemas.microsoft.com/office/powerpoint/2010/main" val="2107973668"/>
       </p:ext>
     </p:extLst>
   </p:cSld>
@@ -12923,7 +12802,7 @@
                 <a:latin typeface="Times New Roman" panose="02020603050405020304" pitchFamily="18" charset="0"/>
                 <a:cs typeface="Times New Roman" panose="02020603050405020304" pitchFamily="18" charset="0"/>
               </a:rPr>
-              <a:t>   Lemma di </a:t>
+              <a:t>   Calcolo stocastico di </a:t>
             </a:r>
             <a:r>
               <a:rPr lang="it-IT" altLang="it-IT" sz="3600" b="1" kern="0" dirty="0" err="1" smtClean="0">
@@ -12935,16 +12814,13 @@
               </a:rPr>
               <a:t>Ito</a:t>
             </a:r>
-            <a:r>
-              <a:rPr lang="it-IT" altLang="it-IT" sz="3600" b="1" kern="0" dirty="0" smtClean="0">
-                <a:solidFill>
-                  <a:prstClr val="white"/>
-                </a:solidFill>
-                <a:latin typeface="Times New Roman" panose="02020603050405020304" pitchFamily="18" charset="0"/>
-                <a:cs typeface="Times New Roman" panose="02020603050405020304" pitchFamily="18" charset="0"/>
-              </a:rPr>
-              <a:t> - 1</a:t>
-            </a:r>
+            <a:endParaRPr lang="it-IT" altLang="it-IT" sz="3600" b="1" kern="0" dirty="0" smtClean="0">
+              <a:solidFill>
+                <a:prstClr val="white"/>
+              </a:solidFill>
+              <a:latin typeface="Times New Roman" panose="02020603050405020304" pitchFamily="18" charset="0"/>
+              <a:cs typeface="Times New Roman" panose="02020603050405020304" pitchFamily="18" charset="0"/>
+            </a:endParaRPr>
           </a:p>
         </p:txBody>
       </p:sp>
@@ -12973,7 +12849,7 @@
       </p:sp>
       <p:pic>
         <p:nvPicPr>
-          <p:cNvPr id="5" name="Picture 4"/>
+          <p:cNvPr id="3" name="Picture 2"/>
           <p:cNvPicPr>
             <a:picLocks noChangeAspect="1"/>
           </p:cNvPicPr>
@@ -12987,32 +12863,8 @@
         </p:blipFill>
         <p:spPr>
           <a:xfrm>
-            <a:off x="1119811" y="2065063"/>
-            <a:ext cx="9296400" cy="4238625"/>
-          </a:xfrm>
-          <a:prstGeom prst="rect">
-            <a:avLst/>
-          </a:prstGeom>
-        </p:spPr>
-      </p:pic>
-      <p:pic>
-        <p:nvPicPr>
-          <p:cNvPr id="6" name="Picture 5"/>
-          <p:cNvPicPr>
-            <a:picLocks noChangeAspect="1"/>
-          </p:cNvPicPr>
-          <p:nvPr/>
-        </p:nvPicPr>
-        <p:blipFill>
-          <a:blip r:embed="rId3"/>
-          <a:stretch>
-            <a:fillRect/>
-          </a:stretch>
-        </p:blipFill>
-        <p:spPr>
-          <a:xfrm>
-            <a:off x="890181" y="2098605"/>
-            <a:ext cx="1704975" cy="295275"/>
+            <a:off x="1088338" y="2075001"/>
+            <a:ext cx="9220200" cy="1952625"/>
           </a:xfrm>
           <a:prstGeom prst="rect">
             <a:avLst/>
@@ -13022,7 +12874,7 @@
     </p:spTree>
     <p:extLst>
       <p:ext uri="{BB962C8B-B14F-4D97-AF65-F5344CB8AC3E}">
-        <p14:creationId xmlns:p14="http://schemas.microsoft.com/office/powerpoint/2010/main" val="81372185"/>
+        <p14:creationId xmlns:p14="http://schemas.microsoft.com/office/powerpoint/2010/main" val="772051016"/>
       </p:ext>
     </p:extLst>
   </p:cSld>
@@ -13187,7 +13039,7 @@
                 <a:latin typeface="Times New Roman" panose="02020603050405020304" pitchFamily="18" charset="0"/>
                 <a:cs typeface="Times New Roman" panose="02020603050405020304" pitchFamily="18" charset="0"/>
               </a:rPr>
-              <a:t> - 2</a:t>
+              <a:t> - 1</a:t>
             </a:r>
           </a:p>
         </p:txBody>
@@ -13217,7 +13069,7 @@
       </p:sp>
       <p:pic>
         <p:nvPicPr>
-          <p:cNvPr id="4" name="Picture 3"/>
+          <p:cNvPr id="5" name="Picture 4"/>
           <p:cNvPicPr>
             <a:picLocks noChangeAspect="1"/>
           </p:cNvPicPr>
@@ -13231,8 +13083,32 @@
         </p:blipFill>
         <p:spPr>
           <a:xfrm>
-            <a:off x="1138862" y="2346046"/>
-            <a:ext cx="9258300" cy="2762250"/>
+            <a:off x="1119811" y="2065063"/>
+            <a:ext cx="9296400" cy="4238625"/>
+          </a:xfrm>
+          <a:prstGeom prst="rect">
+            <a:avLst/>
+          </a:prstGeom>
+        </p:spPr>
+      </p:pic>
+      <p:pic>
+        <p:nvPicPr>
+          <p:cNvPr id="6" name="Picture 5"/>
+          <p:cNvPicPr>
+            <a:picLocks noChangeAspect="1"/>
+          </p:cNvPicPr>
+          <p:nvPr/>
+        </p:nvPicPr>
+        <p:blipFill>
+          <a:blip r:embed="rId3"/>
+          <a:stretch>
+            <a:fillRect/>
+          </a:stretch>
+        </p:blipFill>
+        <p:spPr>
+          <a:xfrm>
+            <a:off x="890181" y="2098605"/>
+            <a:ext cx="1704975" cy="295275"/>
           </a:xfrm>
           <a:prstGeom prst="rect">
             <a:avLst/>
@@ -13242,7 +13118,7 @@
     </p:spTree>
     <p:extLst>
       <p:ext uri="{BB962C8B-B14F-4D97-AF65-F5344CB8AC3E}">
-        <p14:creationId xmlns:p14="http://schemas.microsoft.com/office/powerpoint/2010/main" val="855320267"/>
+        <p14:creationId xmlns:p14="http://schemas.microsoft.com/office/powerpoint/2010/main" val="81372185"/>
       </p:ext>
     </p:extLst>
   </p:cSld>
@@ -13407,25 +13283,8 @@
                 <a:latin typeface="Times New Roman" panose="02020603050405020304" pitchFamily="18" charset="0"/>
                 <a:cs typeface="Times New Roman" panose="02020603050405020304" pitchFamily="18" charset="0"/>
               </a:rPr>
-              <a:t> - </a:t>
-            </a:r>
-            <a:r>
-              <a:rPr lang="it-IT" altLang="it-IT" sz="3600" b="1" kern="0" dirty="0" smtClean="0">
-                <a:solidFill>
-                  <a:prstClr val="white"/>
-                </a:solidFill>
-                <a:latin typeface="Times New Roman" panose="02020603050405020304" pitchFamily="18" charset="0"/>
-                <a:cs typeface="Times New Roman" panose="02020603050405020304" pitchFamily="18" charset="0"/>
-              </a:rPr>
-              <a:t>3</a:t>
-            </a:r>
-            <a:endParaRPr lang="it-IT" altLang="it-IT" sz="3600" b="1" kern="0" dirty="0" smtClean="0">
-              <a:solidFill>
-                <a:prstClr val="white"/>
-              </a:solidFill>
-              <a:latin typeface="Times New Roman" panose="02020603050405020304" pitchFamily="18" charset="0"/>
-              <a:cs typeface="Times New Roman" panose="02020603050405020304" pitchFamily="18" charset="0"/>
-            </a:endParaRPr>
+              <a:t> - 2</a:t>
+            </a:r>
           </a:p>
         </p:txBody>
       </p:sp>
@@ -13454,7 +13313,7 @@
       </p:sp>
       <p:pic>
         <p:nvPicPr>
-          <p:cNvPr id="3" name="Picture 2"/>
+          <p:cNvPr id="4" name="Picture 3"/>
           <p:cNvPicPr>
             <a:picLocks noChangeAspect="1"/>
           </p:cNvPicPr>
@@ -13468,8 +13327,8 @@
         </p:blipFill>
         <p:spPr>
           <a:xfrm>
-            <a:off x="1083571" y="2028828"/>
-            <a:ext cx="8315325" cy="3257550"/>
+            <a:off x="1138862" y="2346046"/>
+            <a:ext cx="9258300" cy="2762250"/>
           </a:xfrm>
           <a:prstGeom prst="rect">
             <a:avLst/>
@@ -13479,7 +13338,7 @@
     </p:spTree>
     <p:extLst>
       <p:ext uri="{BB962C8B-B14F-4D97-AF65-F5344CB8AC3E}">
-        <p14:creationId xmlns:p14="http://schemas.microsoft.com/office/powerpoint/2010/main" val="1941926920"/>
+        <p14:creationId xmlns:p14="http://schemas.microsoft.com/office/powerpoint/2010/main" val="855320267"/>
       </p:ext>
     </p:extLst>
   </p:cSld>
@@ -13624,7 +13483,7 @@
                 <a:latin typeface="Times New Roman" panose="02020603050405020304" pitchFamily="18" charset="0"/>
                 <a:cs typeface="Times New Roman" panose="02020603050405020304" pitchFamily="18" charset="0"/>
               </a:rPr>
-              <a:t>   Teorema di </a:t>
+              <a:t>   Lemma di </a:t>
             </a:r>
             <a:r>
               <a:rPr lang="it-IT" altLang="it-IT" sz="3600" b="1" kern="0" dirty="0" err="1" smtClean="0">
@@ -13634,7 +13493,7 @@
                 <a:latin typeface="Times New Roman" panose="02020603050405020304" pitchFamily="18" charset="0"/>
                 <a:cs typeface="Times New Roman" panose="02020603050405020304" pitchFamily="18" charset="0"/>
               </a:rPr>
-              <a:t>Fubini</a:t>
+              <a:t>Ito</a:t>
             </a:r>
             <a:r>
               <a:rPr lang="it-IT" altLang="it-IT" sz="3600" b="1" kern="0" dirty="0" smtClean="0">
@@ -13644,7 +13503,7 @@
                 <a:latin typeface="Times New Roman" panose="02020603050405020304" pitchFamily="18" charset="0"/>
                 <a:cs typeface="Times New Roman" panose="02020603050405020304" pitchFamily="18" charset="0"/>
               </a:rPr>
-              <a:t> - 1</a:t>
+              <a:t> - 3</a:t>
             </a:r>
           </a:p>
         </p:txBody>
@@ -13674,7 +13533,7 @@
       </p:sp>
       <p:pic>
         <p:nvPicPr>
-          <p:cNvPr id="4" name="Picture 3"/>
+          <p:cNvPr id="3" name="Picture 2"/>
           <p:cNvPicPr>
             <a:picLocks noChangeAspect="1"/>
           </p:cNvPicPr>
@@ -13688,56 +13547,8 @@
         </p:blipFill>
         <p:spPr>
           <a:xfrm>
-            <a:off x="1040295" y="2029109"/>
-            <a:ext cx="8739814" cy="2541366"/>
-          </a:xfrm>
-          <a:prstGeom prst="rect">
-            <a:avLst/>
-          </a:prstGeom>
-        </p:spPr>
-      </p:pic>
-      <p:pic>
-        <p:nvPicPr>
-          <p:cNvPr id="5" name="Picture 4"/>
-          <p:cNvPicPr>
-            <a:picLocks noChangeAspect="1"/>
-          </p:cNvPicPr>
-          <p:nvPr/>
-        </p:nvPicPr>
-        <p:blipFill>
-          <a:blip r:embed="rId3"/>
-          <a:stretch>
-            <a:fillRect/>
-          </a:stretch>
-        </p:blipFill>
-        <p:spPr>
-          <a:xfrm>
-            <a:off x="657854" y="2118897"/>
-            <a:ext cx="1990725" cy="314325"/>
-          </a:xfrm>
-          <a:prstGeom prst="rect">
-            <a:avLst/>
-          </a:prstGeom>
-        </p:spPr>
-      </p:pic>
-      <p:pic>
-        <p:nvPicPr>
-          <p:cNvPr id="6" name="Picture 5"/>
-          <p:cNvPicPr>
-            <a:picLocks noChangeAspect="1"/>
-          </p:cNvPicPr>
-          <p:nvPr/>
-        </p:nvPicPr>
-        <p:blipFill>
-          <a:blip r:embed="rId4"/>
-          <a:stretch>
-            <a:fillRect/>
-          </a:stretch>
-        </p:blipFill>
-        <p:spPr>
-          <a:xfrm>
-            <a:off x="1726100" y="4830248"/>
-            <a:ext cx="8143458" cy="1689976"/>
+            <a:off x="1083571" y="2028828"/>
+            <a:ext cx="8315325" cy="3257550"/>
           </a:xfrm>
           <a:prstGeom prst="rect">
             <a:avLst/>
@@ -13747,7 +13558,7 @@
     </p:spTree>
     <p:extLst>
       <p:ext uri="{BB962C8B-B14F-4D97-AF65-F5344CB8AC3E}">
-        <p14:creationId xmlns:p14="http://schemas.microsoft.com/office/powerpoint/2010/main" val="462055492"/>
+        <p14:creationId xmlns:p14="http://schemas.microsoft.com/office/powerpoint/2010/main" val="1941926920"/>
       </p:ext>
     </p:extLst>
   </p:cSld>
@@ -13912,7 +13723,7 @@
                 <a:latin typeface="Times New Roman" panose="02020603050405020304" pitchFamily="18" charset="0"/>
                 <a:cs typeface="Times New Roman" panose="02020603050405020304" pitchFamily="18" charset="0"/>
               </a:rPr>
-              <a:t> - 2</a:t>
+              <a:t> - 1</a:t>
             </a:r>
           </a:p>
         </p:txBody>
@@ -13942,7 +13753,7 @@
       </p:sp>
       <p:pic>
         <p:nvPicPr>
-          <p:cNvPr id="3" name="Picture 2"/>
+          <p:cNvPr id="4" name="Picture 3"/>
           <p:cNvPicPr>
             <a:picLocks noChangeAspect="1"/>
           </p:cNvPicPr>
@@ -13956,8 +13767,56 @@
         </p:blipFill>
         <p:spPr>
           <a:xfrm>
-            <a:off x="966581" y="2142507"/>
-            <a:ext cx="9105900" cy="1857375"/>
+            <a:off x="1040295" y="2029109"/>
+            <a:ext cx="8739814" cy="2541366"/>
+          </a:xfrm>
+          <a:prstGeom prst="rect">
+            <a:avLst/>
+          </a:prstGeom>
+        </p:spPr>
+      </p:pic>
+      <p:pic>
+        <p:nvPicPr>
+          <p:cNvPr id="5" name="Picture 4"/>
+          <p:cNvPicPr>
+            <a:picLocks noChangeAspect="1"/>
+          </p:cNvPicPr>
+          <p:nvPr/>
+        </p:nvPicPr>
+        <p:blipFill>
+          <a:blip r:embed="rId3"/>
+          <a:stretch>
+            <a:fillRect/>
+          </a:stretch>
+        </p:blipFill>
+        <p:spPr>
+          <a:xfrm>
+            <a:off x="657854" y="2118897"/>
+            <a:ext cx="1990725" cy="314325"/>
+          </a:xfrm>
+          <a:prstGeom prst="rect">
+            <a:avLst/>
+          </a:prstGeom>
+        </p:spPr>
+      </p:pic>
+      <p:pic>
+        <p:nvPicPr>
+          <p:cNvPr id="6" name="Picture 5"/>
+          <p:cNvPicPr>
+            <a:picLocks noChangeAspect="1"/>
+          </p:cNvPicPr>
+          <p:nvPr/>
+        </p:nvPicPr>
+        <p:blipFill>
+          <a:blip r:embed="rId4"/>
+          <a:stretch>
+            <a:fillRect/>
+          </a:stretch>
+        </p:blipFill>
+        <p:spPr>
+          <a:xfrm>
+            <a:off x="1726100" y="4830248"/>
+            <a:ext cx="8143458" cy="1689976"/>
           </a:xfrm>
           <a:prstGeom prst="rect">
             <a:avLst/>
@@ -13967,7 +13826,7 @@
     </p:spTree>
     <p:extLst>
       <p:ext uri="{BB962C8B-B14F-4D97-AF65-F5344CB8AC3E}">
-        <p14:creationId xmlns:p14="http://schemas.microsoft.com/office/powerpoint/2010/main" val="8594545"/>
+        <p14:creationId xmlns:p14="http://schemas.microsoft.com/office/powerpoint/2010/main" val="462055492"/>
       </p:ext>
     </p:extLst>
   </p:cSld>
@@ -14122,7 +13981,7 @@
                 <a:latin typeface="Times New Roman" panose="02020603050405020304" pitchFamily="18" charset="0"/>
                 <a:cs typeface="Times New Roman" panose="02020603050405020304" pitchFamily="18" charset="0"/>
               </a:rPr>
-              <a:t>Feynman</a:t>
+              <a:t>Fubini</a:t>
             </a:r>
             <a:r>
               <a:rPr lang="it-IT" altLang="it-IT" sz="3600" b="1" kern="0" dirty="0" smtClean="0">
@@ -14132,27 +13991,7 @@
                 <a:latin typeface="Times New Roman" panose="02020603050405020304" pitchFamily="18" charset="0"/>
                 <a:cs typeface="Times New Roman" panose="02020603050405020304" pitchFamily="18" charset="0"/>
               </a:rPr>
-              <a:t> - </a:t>
-            </a:r>
-            <a:r>
-              <a:rPr lang="it-IT" altLang="it-IT" sz="3600" b="1" kern="0" dirty="0" err="1" smtClean="0">
-                <a:solidFill>
-                  <a:prstClr val="white"/>
-                </a:solidFill>
-                <a:latin typeface="Times New Roman" panose="02020603050405020304" pitchFamily="18" charset="0"/>
-                <a:cs typeface="Times New Roman" panose="02020603050405020304" pitchFamily="18" charset="0"/>
-              </a:rPr>
-              <a:t>Kac</a:t>
-            </a:r>
-            <a:r>
-              <a:rPr lang="it-IT" altLang="it-IT" sz="3600" b="1" kern="0" dirty="0" smtClean="0">
-                <a:solidFill>
-                  <a:prstClr val="white"/>
-                </a:solidFill>
-                <a:latin typeface="Times New Roman" panose="02020603050405020304" pitchFamily="18" charset="0"/>
-                <a:cs typeface="Times New Roman" panose="02020603050405020304" pitchFamily="18" charset="0"/>
-              </a:rPr>
-              <a:t> - 1</a:t>
+              <a:t> - 2</a:t>
             </a:r>
           </a:p>
         </p:txBody>
@@ -14182,7 +14021,7 @@
       </p:sp>
       <p:pic>
         <p:nvPicPr>
-          <p:cNvPr id="5" name="Picture 4"/>
+          <p:cNvPr id="3" name="Picture 2"/>
           <p:cNvPicPr>
             <a:picLocks noChangeAspect="1"/>
           </p:cNvPicPr>
@@ -14196,32 +14035,8 @@
         </p:blipFill>
         <p:spPr>
           <a:xfrm>
-            <a:off x="1065145" y="2163005"/>
-            <a:ext cx="9525000" cy="3943350"/>
-          </a:xfrm>
-          <a:prstGeom prst="rect">
-            <a:avLst/>
-          </a:prstGeom>
-        </p:spPr>
-      </p:pic>
-      <p:pic>
-        <p:nvPicPr>
-          <p:cNvPr id="6" name="Picture 5"/>
-          <p:cNvPicPr>
-            <a:picLocks noChangeAspect="1"/>
-          </p:cNvPicPr>
-          <p:nvPr/>
-        </p:nvPicPr>
-        <p:blipFill>
-          <a:blip r:embed="rId3"/>
-          <a:stretch>
-            <a:fillRect/>
-          </a:stretch>
-        </p:blipFill>
-        <p:spPr>
-          <a:xfrm>
-            <a:off x="979013" y="2278337"/>
-            <a:ext cx="1905000" cy="333375"/>
+            <a:off x="966581" y="2142507"/>
+            <a:ext cx="9105900" cy="1857375"/>
           </a:xfrm>
           <a:prstGeom prst="rect">
             <a:avLst/>
@@ -14231,7 +14046,7 @@
     </p:spTree>
     <p:extLst>
       <p:ext uri="{BB962C8B-B14F-4D97-AF65-F5344CB8AC3E}">
-        <p14:creationId xmlns:p14="http://schemas.microsoft.com/office/powerpoint/2010/main" val="781775279"/>
+        <p14:creationId xmlns:p14="http://schemas.microsoft.com/office/powerpoint/2010/main" val="8594545"/>
       </p:ext>
     </p:extLst>
   </p:cSld>
@@ -14495,7 +14310,7 @@
     </p:spTree>
     <p:extLst>
       <p:ext uri="{BB962C8B-B14F-4D97-AF65-F5344CB8AC3E}">
-        <p14:creationId xmlns:p14="http://schemas.microsoft.com/office/powerpoint/2010/main" val="2490366928"/>
+        <p14:creationId xmlns:p14="http://schemas.microsoft.com/office/powerpoint/2010/main" val="781775279"/>
       </p:ext>
     </p:extLst>
   </p:cSld>
@@ -14680,7 +14495,7 @@
                 <a:latin typeface="Times New Roman" panose="02020603050405020304" pitchFamily="18" charset="0"/>
                 <a:cs typeface="Times New Roman" panose="02020603050405020304" pitchFamily="18" charset="0"/>
               </a:rPr>
-              <a:t> - 2</a:t>
+              <a:t> - 1</a:t>
             </a:r>
           </a:p>
         </p:txBody>
@@ -14710,7 +14525,7 @@
       </p:sp>
       <p:pic>
         <p:nvPicPr>
-          <p:cNvPr id="3" name="Picture 2"/>
+          <p:cNvPr id="5" name="Picture 4"/>
           <p:cNvPicPr>
             <a:picLocks noChangeAspect="1"/>
           </p:cNvPicPr>
@@ -14724,8 +14539,32 @@
         </p:blipFill>
         <p:spPr>
           <a:xfrm>
-            <a:off x="1129335" y="2184743"/>
-            <a:ext cx="9277350" cy="2428875"/>
+            <a:off x="1065145" y="2163005"/>
+            <a:ext cx="9525000" cy="3943350"/>
+          </a:xfrm>
+          <a:prstGeom prst="rect">
+            <a:avLst/>
+          </a:prstGeom>
+        </p:spPr>
+      </p:pic>
+      <p:pic>
+        <p:nvPicPr>
+          <p:cNvPr id="6" name="Picture 5"/>
+          <p:cNvPicPr>
+            <a:picLocks noChangeAspect="1"/>
+          </p:cNvPicPr>
+          <p:nvPr/>
+        </p:nvPicPr>
+        <p:blipFill>
+          <a:blip r:embed="rId3"/>
+          <a:stretch>
+            <a:fillRect/>
+          </a:stretch>
+        </p:blipFill>
+        <p:spPr>
+          <a:xfrm>
+            <a:off x="979013" y="2278337"/>
+            <a:ext cx="1905000" cy="333375"/>
           </a:xfrm>
           <a:prstGeom prst="rect">
             <a:avLst/>
@@ -14735,7 +14574,7 @@
     </p:spTree>
     <p:extLst>
       <p:ext uri="{BB962C8B-B14F-4D97-AF65-F5344CB8AC3E}">
-        <p14:creationId xmlns:p14="http://schemas.microsoft.com/office/powerpoint/2010/main" val="3217529588"/>
+        <p14:creationId xmlns:p14="http://schemas.microsoft.com/office/powerpoint/2010/main" val="2490366928"/>
       </p:ext>
     </p:extLst>
   </p:cSld>
@@ -14880,7 +14719,47 @@
                 <a:latin typeface="Times New Roman" panose="02020603050405020304" pitchFamily="18" charset="0"/>
                 <a:cs typeface="Times New Roman" panose="02020603050405020304" pitchFamily="18" charset="0"/>
               </a:rPr>
-              <a:t>   Misure di probabilità equivalenti</a:t>
+              <a:t>   Teorema di </a:t>
+            </a:r>
+            <a:r>
+              <a:rPr lang="it-IT" altLang="it-IT" sz="3600" b="1" kern="0" dirty="0" err="1" smtClean="0">
+                <a:solidFill>
+                  <a:prstClr val="white"/>
+                </a:solidFill>
+                <a:latin typeface="Times New Roman" panose="02020603050405020304" pitchFamily="18" charset="0"/>
+                <a:cs typeface="Times New Roman" panose="02020603050405020304" pitchFamily="18" charset="0"/>
+              </a:rPr>
+              <a:t>Feynman</a:t>
+            </a:r>
+            <a:r>
+              <a:rPr lang="it-IT" altLang="it-IT" sz="3600" b="1" kern="0" dirty="0" smtClean="0">
+                <a:solidFill>
+                  <a:prstClr val="white"/>
+                </a:solidFill>
+                <a:latin typeface="Times New Roman" panose="02020603050405020304" pitchFamily="18" charset="0"/>
+                <a:cs typeface="Times New Roman" panose="02020603050405020304" pitchFamily="18" charset="0"/>
+              </a:rPr>
+              <a:t> - </a:t>
+            </a:r>
+            <a:r>
+              <a:rPr lang="it-IT" altLang="it-IT" sz="3600" b="1" kern="0" dirty="0" err="1" smtClean="0">
+                <a:solidFill>
+                  <a:prstClr val="white"/>
+                </a:solidFill>
+                <a:latin typeface="Times New Roman" panose="02020603050405020304" pitchFamily="18" charset="0"/>
+                <a:cs typeface="Times New Roman" panose="02020603050405020304" pitchFamily="18" charset="0"/>
+              </a:rPr>
+              <a:t>Kac</a:t>
+            </a:r>
+            <a:r>
+              <a:rPr lang="it-IT" altLang="it-IT" sz="3600" b="1" kern="0" dirty="0" smtClean="0">
+                <a:solidFill>
+                  <a:prstClr val="white"/>
+                </a:solidFill>
+                <a:latin typeface="Times New Roman" panose="02020603050405020304" pitchFamily="18" charset="0"/>
+                <a:cs typeface="Times New Roman" panose="02020603050405020304" pitchFamily="18" charset="0"/>
+              </a:rPr>
+              <a:t> - 2</a:t>
             </a:r>
           </a:p>
         </p:txBody>
@@ -14910,7 +14789,7 @@
       </p:sp>
       <p:pic>
         <p:nvPicPr>
-          <p:cNvPr id="4" name="Picture 3"/>
+          <p:cNvPr id="3" name="Picture 2"/>
           <p:cNvPicPr>
             <a:picLocks noChangeAspect="1"/>
           </p:cNvPicPr>
@@ -14924,8 +14803,8 @@
         </p:blipFill>
         <p:spPr>
           <a:xfrm>
-            <a:off x="1030769" y="2076658"/>
-            <a:ext cx="9315450" cy="2486025"/>
+            <a:off x="1129335" y="2184743"/>
+            <a:ext cx="9277350" cy="2428875"/>
           </a:xfrm>
           <a:prstGeom prst="rect">
             <a:avLst/>
@@ -14935,7 +14814,7 @@
     </p:spTree>
     <p:extLst>
       <p:ext uri="{BB962C8B-B14F-4D97-AF65-F5344CB8AC3E}">
-        <p14:creationId xmlns:p14="http://schemas.microsoft.com/office/powerpoint/2010/main" val="1200850676"/>
+        <p14:creationId xmlns:p14="http://schemas.microsoft.com/office/powerpoint/2010/main" val="3217529588"/>
       </p:ext>
     </p:extLst>
   </p:cSld>
@@ -15080,27 +14959,7 @@
                 <a:latin typeface="Times New Roman" panose="02020603050405020304" pitchFamily="18" charset="0"/>
                 <a:cs typeface="Times New Roman" panose="02020603050405020304" pitchFamily="18" charset="0"/>
               </a:rPr>
-              <a:t>   Teorema di Radon-</a:t>
-            </a:r>
-            <a:r>
-              <a:rPr lang="it-IT" altLang="it-IT" sz="3600" b="1" kern="0" dirty="0" err="1" smtClean="0">
-                <a:solidFill>
-                  <a:prstClr val="white"/>
-                </a:solidFill>
-                <a:latin typeface="Times New Roman" panose="02020603050405020304" pitchFamily="18" charset="0"/>
-                <a:cs typeface="Times New Roman" panose="02020603050405020304" pitchFamily="18" charset="0"/>
-              </a:rPr>
-              <a:t>Nikodym</a:t>
-            </a:r>
-            <a:r>
-              <a:rPr lang="it-IT" altLang="it-IT" sz="3600" b="1" kern="0" dirty="0" smtClean="0">
-                <a:solidFill>
-                  <a:prstClr val="white"/>
-                </a:solidFill>
-                <a:latin typeface="Times New Roman" panose="02020603050405020304" pitchFamily="18" charset="0"/>
-                <a:cs typeface="Times New Roman" panose="02020603050405020304" pitchFamily="18" charset="0"/>
-              </a:rPr>
-              <a:t> - 1</a:t>
+              <a:t>   Misure di probabilità equivalenti</a:t>
             </a:r>
           </a:p>
         </p:txBody>
@@ -15130,7 +14989,7 @@
       </p:sp>
       <p:pic>
         <p:nvPicPr>
-          <p:cNvPr id="3" name="Picture 2"/>
+          <p:cNvPr id="4" name="Picture 3"/>
           <p:cNvPicPr>
             <a:picLocks noChangeAspect="1"/>
           </p:cNvPicPr>
@@ -15144,32 +15003,8 @@
         </p:blipFill>
         <p:spPr>
           <a:xfrm>
-            <a:off x="1357212" y="2031150"/>
-            <a:ext cx="9458325" cy="4791075"/>
-          </a:xfrm>
-          <a:prstGeom prst="rect">
-            <a:avLst/>
-          </a:prstGeom>
-        </p:spPr>
-      </p:pic>
-      <p:pic>
-        <p:nvPicPr>
-          <p:cNvPr id="6" name="Picture 5"/>
-          <p:cNvPicPr>
-            <a:picLocks noChangeAspect="1"/>
-          </p:cNvPicPr>
-          <p:nvPr/>
-        </p:nvPicPr>
-        <p:blipFill>
-          <a:blip r:embed="rId3"/>
-          <a:stretch>
-            <a:fillRect/>
-          </a:stretch>
-        </p:blipFill>
-        <p:spPr>
-          <a:xfrm>
-            <a:off x="843798" y="2083904"/>
-            <a:ext cx="2314575" cy="304800"/>
+            <a:off x="1030769" y="2076658"/>
+            <a:ext cx="9315450" cy="2486025"/>
           </a:xfrm>
           <a:prstGeom prst="rect">
             <a:avLst/>
@@ -15179,7 +15014,7 @@
     </p:spTree>
     <p:extLst>
       <p:ext uri="{BB962C8B-B14F-4D97-AF65-F5344CB8AC3E}">
-        <p14:creationId xmlns:p14="http://schemas.microsoft.com/office/powerpoint/2010/main" val="3959465257"/>
+        <p14:creationId xmlns:p14="http://schemas.microsoft.com/office/powerpoint/2010/main" val="1200850676"/>
       </p:ext>
     </p:extLst>
   </p:cSld>
@@ -15314,25 +15149,8 @@
                 <a:latin typeface="Times New Roman" panose="02020603050405020304" pitchFamily="18" charset="0"/>
                 <a:cs typeface="Times New Roman" panose="02020603050405020304" pitchFamily="18" charset="0"/>
               </a:rPr>
-              <a:t>	     Variabili </a:t>
-            </a:r>
-            <a:r>
-              <a:rPr lang="it-IT" altLang="it-IT" sz="3600" b="1" kern="0" dirty="0" smtClean="0">
-                <a:solidFill>
-                  <a:prstClr val="white"/>
-                </a:solidFill>
-                <a:latin typeface="Times New Roman" panose="02020603050405020304" pitchFamily="18" charset="0"/>
-                <a:cs typeface="Times New Roman" panose="02020603050405020304" pitchFamily="18" charset="0"/>
-              </a:rPr>
-              <a:t>Aleatorie - 1</a:t>
-            </a:r>
-            <a:endParaRPr lang="it-IT" altLang="it-IT" sz="3600" b="1" kern="0" dirty="0" smtClean="0">
-              <a:solidFill>
-                <a:prstClr val="white"/>
-              </a:solidFill>
-              <a:latin typeface="Times New Roman" panose="02020603050405020304" pitchFamily="18" charset="0"/>
-              <a:cs typeface="Times New Roman" panose="02020603050405020304" pitchFamily="18" charset="0"/>
-            </a:endParaRPr>
+              <a:t>	     Variabili Aleatorie - 1</a:t>
+            </a:r>
           </a:p>
         </p:txBody>
       </p:sp>
@@ -15531,47 +15349,27 @@
                 <a:latin typeface="Times New Roman" panose="02020603050405020304" pitchFamily="18" charset="0"/>
                 <a:cs typeface="Times New Roman" panose="02020603050405020304" pitchFamily="18" charset="0"/>
               </a:rPr>
-              <a:t>   Teorema </a:t>
-            </a:r>
-            <a:r>
-              <a:rPr lang="it-IT" altLang="it-IT" sz="3600" b="1" kern="0" dirty="0">
+              <a:t>   Teorema di Radon-</a:t>
+            </a:r>
+            <a:r>
+              <a:rPr lang="it-IT" altLang="it-IT" sz="3600" b="1" kern="0" dirty="0" err="1" smtClean="0">
                 <a:solidFill>
                   <a:prstClr val="white"/>
                 </a:solidFill>
                 <a:latin typeface="Times New Roman" panose="02020603050405020304" pitchFamily="18" charset="0"/>
                 <a:cs typeface="Times New Roman" panose="02020603050405020304" pitchFamily="18" charset="0"/>
               </a:rPr>
-              <a:t>di Radon-</a:t>
-            </a:r>
-            <a:r>
-              <a:rPr lang="it-IT" altLang="it-IT" sz="3600" b="1" kern="0" dirty="0" err="1">
+              <a:t>Nikodym</a:t>
+            </a:r>
+            <a:r>
+              <a:rPr lang="it-IT" altLang="it-IT" sz="3600" b="1" kern="0" dirty="0" smtClean="0">
                 <a:solidFill>
                   <a:prstClr val="white"/>
                 </a:solidFill>
                 <a:latin typeface="Times New Roman" panose="02020603050405020304" pitchFamily="18" charset="0"/>
                 <a:cs typeface="Times New Roman" panose="02020603050405020304" pitchFamily="18" charset="0"/>
               </a:rPr>
-              <a:t>Nikodym</a:t>
-            </a:r>
-            <a:r>
-              <a:rPr lang="it-IT" altLang="it-IT" sz="3600" b="1" kern="0" dirty="0">
-                <a:solidFill>
-                  <a:prstClr val="white"/>
-                </a:solidFill>
-                <a:latin typeface="Times New Roman" panose="02020603050405020304" pitchFamily="18" charset="0"/>
-                <a:cs typeface="Times New Roman" panose="02020603050405020304" pitchFamily="18" charset="0"/>
-              </a:rPr>
-              <a:t> </a:t>
-            </a:r>
-            <a:r>
-              <a:rPr lang="it-IT" altLang="it-IT" sz="3600" b="1" kern="0" dirty="0" smtClean="0">
-                <a:solidFill>
-                  <a:prstClr val="white"/>
-                </a:solidFill>
-                <a:latin typeface="Times New Roman" panose="02020603050405020304" pitchFamily="18" charset="0"/>
-                <a:cs typeface="Times New Roman" panose="02020603050405020304" pitchFamily="18" charset="0"/>
-              </a:rPr>
-              <a:t>- 2</a:t>
+              <a:t> - 1</a:t>
             </a:r>
           </a:p>
         </p:txBody>
@@ -15601,7 +15399,7 @@
       </p:sp>
       <p:pic>
         <p:nvPicPr>
-          <p:cNvPr id="4" name="Picture 3"/>
+          <p:cNvPr id="3" name="Picture 2"/>
           <p:cNvPicPr>
             <a:picLocks noChangeAspect="1"/>
           </p:cNvPicPr>
@@ -15615,17 +15413,17 @@
         </p:blipFill>
         <p:spPr>
           <a:xfrm>
-            <a:off x="1093719" y="2072723"/>
-            <a:ext cx="7639050" cy="2990850"/>
-          </a:xfrm>
-          <a:prstGeom prst="rect">
-            <a:avLst/>
-          </a:prstGeom>
-        </p:spPr>
-      </p:pic>
-      <p:pic>
-        <p:nvPicPr>
-          <p:cNvPr id="10" name="Picture 9"/>
+            <a:off x="1357212" y="2031150"/>
+            <a:ext cx="9458325" cy="4791075"/>
+          </a:xfrm>
+          <a:prstGeom prst="rect">
+            <a:avLst/>
+          </a:prstGeom>
+        </p:spPr>
+      </p:pic>
+      <p:pic>
+        <p:nvPicPr>
+          <p:cNvPr id="6" name="Picture 5"/>
           <p:cNvPicPr>
             <a:picLocks noChangeAspect="1"/>
           </p:cNvPicPr>
@@ -15639,8 +15437,8 @@
         </p:blipFill>
         <p:spPr>
           <a:xfrm>
-            <a:off x="1141964" y="5445808"/>
-            <a:ext cx="5057775" cy="419100"/>
+            <a:off x="843798" y="2083904"/>
+            <a:ext cx="2314575" cy="304800"/>
           </a:xfrm>
           <a:prstGeom prst="rect">
             <a:avLst/>
@@ -15650,7 +15448,7 @@
     </p:spTree>
     <p:extLst>
       <p:ext uri="{BB962C8B-B14F-4D97-AF65-F5344CB8AC3E}">
-        <p14:creationId xmlns:p14="http://schemas.microsoft.com/office/powerpoint/2010/main" val="3002419617"/>
+        <p14:creationId xmlns:p14="http://schemas.microsoft.com/office/powerpoint/2010/main" val="3959465257"/>
       </p:ext>
     </p:extLst>
   </p:cSld>
@@ -15835,7 +15633,7 @@
                 <a:latin typeface="Times New Roman" panose="02020603050405020304" pitchFamily="18" charset="0"/>
                 <a:cs typeface="Times New Roman" panose="02020603050405020304" pitchFamily="18" charset="0"/>
               </a:rPr>
-              <a:t>- 3</a:t>
+              <a:t>- 2</a:t>
             </a:r>
           </a:p>
         </p:txBody>
@@ -15865,7 +15663,7 @@
       </p:sp>
       <p:pic>
         <p:nvPicPr>
-          <p:cNvPr id="5" name="Picture 4"/>
+          <p:cNvPr id="4" name="Picture 3"/>
           <p:cNvPicPr>
             <a:picLocks noChangeAspect="1"/>
           </p:cNvPicPr>
@@ -15879,8 +15677,32 @@
         </p:blipFill>
         <p:spPr>
           <a:xfrm>
-            <a:off x="1128540" y="1996243"/>
-            <a:ext cx="8921122" cy="4851818"/>
+            <a:off x="1093719" y="2072723"/>
+            <a:ext cx="7639050" cy="2990850"/>
+          </a:xfrm>
+          <a:prstGeom prst="rect">
+            <a:avLst/>
+          </a:prstGeom>
+        </p:spPr>
+      </p:pic>
+      <p:pic>
+        <p:nvPicPr>
+          <p:cNvPr id="10" name="Picture 9"/>
+          <p:cNvPicPr>
+            <a:picLocks noChangeAspect="1"/>
+          </p:cNvPicPr>
+          <p:nvPr/>
+        </p:nvPicPr>
+        <p:blipFill>
+          <a:blip r:embed="rId3"/>
+          <a:stretch>
+            <a:fillRect/>
+          </a:stretch>
+        </p:blipFill>
+        <p:spPr>
+          <a:xfrm>
+            <a:off x="1141964" y="5445808"/>
+            <a:ext cx="5057775" cy="419100"/>
           </a:xfrm>
           <a:prstGeom prst="rect">
             <a:avLst/>
@@ -15890,7 +15712,7 @@
     </p:spTree>
     <p:extLst>
       <p:ext uri="{BB962C8B-B14F-4D97-AF65-F5344CB8AC3E}">
-        <p14:creationId xmlns:p14="http://schemas.microsoft.com/office/powerpoint/2010/main" val="4110537918"/>
+        <p14:creationId xmlns:p14="http://schemas.microsoft.com/office/powerpoint/2010/main" val="3002419617"/>
       </p:ext>
     </p:extLst>
   </p:cSld>
@@ -16075,7 +15897,7 @@
                 <a:latin typeface="Times New Roman" panose="02020603050405020304" pitchFamily="18" charset="0"/>
                 <a:cs typeface="Times New Roman" panose="02020603050405020304" pitchFamily="18" charset="0"/>
               </a:rPr>
-              <a:t>- 4</a:t>
+              <a:t>- 3</a:t>
             </a:r>
           </a:p>
         </p:txBody>
@@ -16105,7 +15927,7 @@
       </p:sp>
       <p:pic>
         <p:nvPicPr>
-          <p:cNvPr id="3" name="Picture 2"/>
+          <p:cNvPr id="5" name="Picture 4"/>
           <p:cNvPicPr>
             <a:picLocks noChangeAspect="1"/>
           </p:cNvPicPr>
@@ -16119,56 +15941,8 @@
         </p:blipFill>
         <p:spPr>
           <a:xfrm>
-            <a:off x="1049824" y="2043114"/>
-            <a:ext cx="9277350" cy="2314575"/>
-          </a:xfrm>
-          <a:prstGeom prst="rect">
-            <a:avLst/>
-          </a:prstGeom>
-        </p:spPr>
-      </p:pic>
-      <p:pic>
-        <p:nvPicPr>
-          <p:cNvPr id="4" name="Picture 3"/>
-          <p:cNvPicPr>
-            <a:picLocks noChangeAspect="1"/>
-          </p:cNvPicPr>
-          <p:nvPr/>
-        </p:nvPicPr>
-        <p:blipFill>
-          <a:blip r:embed="rId3"/>
-          <a:stretch>
-            <a:fillRect/>
-          </a:stretch>
-        </p:blipFill>
-        <p:spPr>
-          <a:xfrm>
-            <a:off x="476048" y="2039798"/>
-            <a:ext cx="2314575" cy="333375"/>
-          </a:xfrm>
-          <a:prstGeom prst="rect">
-            <a:avLst/>
-          </a:prstGeom>
-        </p:spPr>
-      </p:pic>
-      <p:pic>
-        <p:nvPicPr>
-          <p:cNvPr id="6" name="Picture 5"/>
-          <p:cNvPicPr>
-            <a:picLocks noChangeAspect="1"/>
-          </p:cNvPicPr>
-          <p:nvPr/>
-        </p:nvPicPr>
-        <p:blipFill>
-          <a:blip r:embed="rId4"/>
-          <a:stretch>
-            <a:fillRect/>
-          </a:stretch>
-        </p:blipFill>
-        <p:spPr>
-          <a:xfrm>
-            <a:off x="1129746" y="4304496"/>
-            <a:ext cx="7149548" cy="2562590"/>
+            <a:off x="1128540" y="1996243"/>
+            <a:ext cx="8921122" cy="4851818"/>
           </a:xfrm>
           <a:prstGeom prst="rect">
             <a:avLst/>
@@ -16178,7 +15952,7 @@
     </p:spTree>
     <p:extLst>
       <p:ext uri="{BB962C8B-B14F-4D97-AF65-F5344CB8AC3E}">
-        <p14:creationId xmlns:p14="http://schemas.microsoft.com/office/powerpoint/2010/main" val="1260875316"/>
+        <p14:creationId xmlns:p14="http://schemas.microsoft.com/office/powerpoint/2010/main" val="4110537918"/>
       </p:ext>
     </p:extLst>
   </p:cSld>
@@ -16326,6 +16100,36 @@
               <a:t>   Teorema </a:t>
             </a:r>
             <a:r>
+              <a:rPr lang="it-IT" altLang="it-IT" sz="3600" b="1" kern="0" dirty="0">
+                <a:solidFill>
+                  <a:prstClr val="white"/>
+                </a:solidFill>
+                <a:latin typeface="Times New Roman" panose="02020603050405020304" pitchFamily="18" charset="0"/>
+                <a:cs typeface="Times New Roman" panose="02020603050405020304" pitchFamily="18" charset="0"/>
+              </a:rPr>
+              <a:t>di Radon-</a:t>
+            </a:r>
+            <a:r>
+              <a:rPr lang="it-IT" altLang="it-IT" sz="3600" b="1" kern="0" dirty="0" err="1">
+                <a:solidFill>
+                  <a:prstClr val="white"/>
+                </a:solidFill>
+                <a:latin typeface="Times New Roman" panose="02020603050405020304" pitchFamily="18" charset="0"/>
+                <a:cs typeface="Times New Roman" panose="02020603050405020304" pitchFamily="18" charset="0"/>
+              </a:rPr>
+              <a:t>Nikodym</a:t>
+            </a:r>
+            <a:r>
+              <a:rPr lang="it-IT" altLang="it-IT" sz="3600" b="1" kern="0" dirty="0">
+                <a:solidFill>
+                  <a:prstClr val="white"/>
+                </a:solidFill>
+                <a:latin typeface="Times New Roman" panose="02020603050405020304" pitchFamily="18" charset="0"/>
+                <a:cs typeface="Times New Roman" panose="02020603050405020304" pitchFamily="18" charset="0"/>
+              </a:rPr>
+              <a:t> </a:t>
+            </a:r>
+            <a:r>
               <a:rPr lang="it-IT" altLang="it-IT" sz="3600" b="1" kern="0" dirty="0" smtClean="0">
                 <a:solidFill>
                   <a:prstClr val="white"/>
@@ -16333,27 +16137,7 @@
                 <a:latin typeface="Times New Roman" panose="02020603050405020304" pitchFamily="18" charset="0"/>
                 <a:cs typeface="Times New Roman" panose="02020603050405020304" pitchFamily="18" charset="0"/>
               </a:rPr>
-              <a:t>di </a:t>
-            </a:r>
-            <a:r>
-              <a:rPr lang="it-IT" altLang="it-IT" sz="3600" b="1" kern="0" dirty="0" err="1" smtClean="0">
-                <a:solidFill>
-                  <a:prstClr val="white"/>
-                </a:solidFill>
-                <a:latin typeface="Times New Roman" panose="02020603050405020304" pitchFamily="18" charset="0"/>
-                <a:cs typeface="Times New Roman" panose="02020603050405020304" pitchFamily="18" charset="0"/>
-              </a:rPr>
-              <a:t>Girsanov</a:t>
-            </a:r>
-            <a:r>
-              <a:rPr lang="it-IT" altLang="it-IT" sz="3600" b="1" kern="0" dirty="0" smtClean="0">
-                <a:solidFill>
-                  <a:prstClr val="white"/>
-                </a:solidFill>
-                <a:latin typeface="Times New Roman" panose="02020603050405020304" pitchFamily="18" charset="0"/>
-                <a:cs typeface="Times New Roman" panose="02020603050405020304" pitchFamily="18" charset="0"/>
-              </a:rPr>
-              <a:t> - 1</a:t>
+              <a:t>- 4</a:t>
             </a:r>
           </a:p>
         </p:txBody>
@@ -16383,7 +16167,7 @@
       </p:sp>
       <p:pic>
         <p:nvPicPr>
-          <p:cNvPr id="5" name="Picture 4"/>
+          <p:cNvPr id="3" name="Picture 2"/>
           <p:cNvPicPr>
             <a:picLocks noChangeAspect="1"/>
           </p:cNvPicPr>
@@ -16397,17 +16181,17 @@
         </p:blipFill>
         <p:spPr>
           <a:xfrm>
-            <a:off x="904462" y="3362325"/>
-            <a:ext cx="9448800" cy="3495675"/>
-          </a:xfrm>
-          <a:prstGeom prst="rect">
-            <a:avLst/>
-          </a:prstGeom>
-        </p:spPr>
-      </p:pic>
-      <p:pic>
-        <p:nvPicPr>
-          <p:cNvPr id="7" name="Picture 6"/>
+            <a:off x="1049824" y="2043114"/>
+            <a:ext cx="9277350" cy="2314575"/>
+          </a:xfrm>
+          <a:prstGeom prst="rect">
+            <a:avLst/>
+          </a:prstGeom>
+        </p:spPr>
+      </p:pic>
+      <p:pic>
+        <p:nvPicPr>
+          <p:cNvPr id="4" name="Picture 3"/>
           <p:cNvPicPr>
             <a:picLocks noChangeAspect="1"/>
           </p:cNvPicPr>
@@ -16421,17 +16205,17 @@
         </p:blipFill>
         <p:spPr>
           <a:xfrm>
-            <a:off x="1028704" y="1999009"/>
-            <a:ext cx="9220200" cy="1428750"/>
-          </a:xfrm>
-          <a:prstGeom prst="rect">
-            <a:avLst/>
-          </a:prstGeom>
-        </p:spPr>
-      </p:pic>
-      <p:pic>
-        <p:nvPicPr>
-          <p:cNvPr id="10" name="Picture 9"/>
+            <a:off x="476048" y="2039798"/>
+            <a:ext cx="2314575" cy="333375"/>
+          </a:xfrm>
+          <a:prstGeom prst="rect">
+            <a:avLst/>
+          </a:prstGeom>
+        </p:spPr>
+      </p:pic>
+      <p:pic>
+        <p:nvPicPr>
+          <p:cNvPr id="6" name="Picture 5"/>
           <p:cNvPicPr>
             <a:picLocks noChangeAspect="1"/>
           </p:cNvPicPr>
@@ -16445,8 +16229,8 @@
         </p:blipFill>
         <p:spPr>
           <a:xfrm>
-            <a:off x="626173" y="3436039"/>
-            <a:ext cx="2133600" cy="323850"/>
+            <a:off x="1129746" y="4304496"/>
+            <a:ext cx="7149548" cy="2562590"/>
           </a:xfrm>
           <a:prstGeom prst="rect">
             <a:avLst/>
@@ -16456,7 +16240,7 @@
     </p:spTree>
     <p:extLst>
       <p:ext uri="{BB962C8B-B14F-4D97-AF65-F5344CB8AC3E}">
-        <p14:creationId xmlns:p14="http://schemas.microsoft.com/office/powerpoint/2010/main" val="3505921897"/>
+        <p14:creationId xmlns:p14="http://schemas.microsoft.com/office/powerpoint/2010/main" val="1260875316"/>
       </p:ext>
     </p:extLst>
   </p:cSld>
@@ -16601,7 +16385,17 @@
                 <a:latin typeface="Times New Roman" panose="02020603050405020304" pitchFamily="18" charset="0"/>
                 <a:cs typeface="Times New Roman" panose="02020603050405020304" pitchFamily="18" charset="0"/>
               </a:rPr>
-              <a:t>   Teorema </a:t>
+              <a:t>   Teorema di </a:t>
+            </a:r>
+            <a:r>
+              <a:rPr lang="it-IT" altLang="it-IT" sz="3600" b="1" kern="0" dirty="0" err="1" smtClean="0">
+                <a:solidFill>
+                  <a:prstClr val="white"/>
+                </a:solidFill>
+                <a:latin typeface="Times New Roman" panose="02020603050405020304" pitchFamily="18" charset="0"/>
+                <a:cs typeface="Times New Roman" panose="02020603050405020304" pitchFamily="18" charset="0"/>
+              </a:rPr>
+              <a:t>Girsanov</a:t>
             </a:r>
             <a:r>
               <a:rPr lang="it-IT" altLang="it-IT" sz="3600" b="1" kern="0" dirty="0" smtClean="0">
@@ -16611,27 +16405,7 @@
                 <a:latin typeface="Times New Roman" panose="02020603050405020304" pitchFamily="18" charset="0"/>
                 <a:cs typeface="Times New Roman" panose="02020603050405020304" pitchFamily="18" charset="0"/>
               </a:rPr>
-              <a:t>di </a:t>
-            </a:r>
-            <a:r>
-              <a:rPr lang="it-IT" altLang="it-IT" sz="3600" b="1" kern="0" dirty="0" err="1" smtClean="0">
-                <a:solidFill>
-                  <a:prstClr val="white"/>
-                </a:solidFill>
-                <a:latin typeface="Times New Roman" panose="02020603050405020304" pitchFamily="18" charset="0"/>
-                <a:cs typeface="Times New Roman" panose="02020603050405020304" pitchFamily="18" charset="0"/>
-              </a:rPr>
-              <a:t>Girsanov</a:t>
-            </a:r>
-            <a:r>
-              <a:rPr lang="it-IT" altLang="it-IT" sz="3600" b="1" kern="0" dirty="0" smtClean="0">
-                <a:solidFill>
-                  <a:prstClr val="white"/>
-                </a:solidFill>
-                <a:latin typeface="Times New Roman" panose="02020603050405020304" pitchFamily="18" charset="0"/>
-                <a:cs typeface="Times New Roman" panose="02020603050405020304" pitchFamily="18" charset="0"/>
-              </a:rPr>
-              <a:t> - 2</a:t>
+              <a:t> - 1</a:t>
             </a:r>
           </a:p>
         </p:txBody>
@@ -16661,7 +16435,7 @@
       </p:sp>
       <p:pic>
         <p:nvPicPr>
-          <p:cNvPr id="3" name="Picture 2"/>
+          <p:cNvPr id="5" name="Picture 4"/>
           <p:cNvPicPr>
             <a:picLocks noChangeAspect="1"/>
           </p:cNvPicPr>
@@ -16675,8 +16449,56 @@
         </p:blipFill>
         <p:spPr>
           <a:xfrm>
-            <a:off x="1092892" y="2129878"/>
-            <a:ext cx="9429750" cy="3790950"/>
+            <a:off x="904462" y="3362325"/>
+            <a:ext cx="9448800" cy="3495675"/>
+          </a:xfrm>
+          <a:prstGeom prst="rect">
+            <a:avLst/>
+          </a:prstGeom>
+        </p:spPr>
+      </p:pic>
+      <p:pic>
+        <p:nvPicPr>
+          <p:cNvPr id="7" name="Picture 6"/>
+          <p:cNvPicPr>
+            <a:picLocks noChangeAspect="1"/>
+          </p:cNvPicPr>
+          <p:nvPr/>
+        </p:nvPicPr>
+        <p:blipFill>
+          <a:blip r:embed="rId3"/>
+          <a:stretch>
+            <a:fillRect/>
+          </a:stretch>
+        </p:blipFill>
+        <p:spPr>
+          <a:xfrm>
+            <a:off x="1028704" y="1999009"/>
+            <a:ext cx="9220200" cy="1428750"/>
+          </a:xfrm>
+          <a:prstGeom prst="rect">
+            <a:avLst/>
+          </a:prstGeom>
+        </p:spPr>
+      </p:pic>
+      <p:pic>
+        <p:nvPicPr>
+          <p:cNvPr id="10" name="Picture 9"/>
+          <p:cNvPicPr>
+            <a:picLocks noChangeAspect="1"/>
+          </p:cNvPicPr>
+          <p:nvPr/>
+        </p:nvPicPr>
+        <p:blipFill>
+          <a:blip r:embed="rId4"/>
+          <a:stretch>
+            <a:fillRect/>
+          </a:stretch>
+        </p:blipFill>
+        <p:spPr>
+          <a:xfrm>
+            <a:off x="626173" y="3436039"/>
+            <a:ext cx="2133600" cy="323850"/>
           </a:xfrm>
           <a:prstGeom prst="rect">
             <a:avLst/>
@@ -16686,7 +16508,7 @@
     </p:spTree>
     <p:extLst>
       <p:ext uri="{BB962C8B-B14F-4D97-AF65-F5344CB8AC3E}">
-        <p14:creationId xmlns:p14="http://schemas.microsoft.com/office/powerpoint/2010/main" val="3013040911"/>
+        <p14:creationId xmlns:p14="http://schemas.microsoft.com/office/powerpoint/2010/main" val="3505921897"/>
       </p:ext>
     </p:extLst>
   </p:cSld>
@@ -16831,7 +16653,17 @@
                 <a:latin typeface="Times New Roman" panose="02020603050405020304" pitchFamily="18" charset="0"/>
                 <a:cs typeface="Times New Roman" panose="02020603050405020304" pitchFamily="18" charset="0"/>
               </a:rPr>
-              <a:t>   Teorema </a:t>
+              <a:t>   Teorema di </a:t>
+            </a:r>
+            <a:r>
+              <a:rPr lang="it-IT" altLang="it-IT" sz="3600" b="1" kern="0" dirty="0" err="1" smtClean="0">
+                <a:solidFill>
+                  <a:prstClr val="white"/>
+                </a:solidFill>
+                <a:latin typeface="Times New Roman" panose="02020603050405020304" pitchFamily="18" charset="0"/>
+                <a:cs typeface="Times New Roman" panose="02020603050405020304" pitchFamily="18" charset="0"/>
+              </a:rPr>
+              <a:t>Girsanov</a:t>
             </a:r>
             <a:r>
               <a:rPr lang="it-IT" altLang="it-IT" sz="3600" b="1" kern="0" dirty="0" smtClean="0">
@@ -16841,27 +16673,7 @@
                 <a:latin typeface="Times New Roman" panose="02020603050405020304" pitchFamily="18" charset="0"/>
                 <a:cs typeface="Times New Roman" panose="02020603050405020304" pitchFamily="18" charset="0"/>
               </a:rPr>
-              <a:t>di </a:t>
-            </a:r>
-            <a:r>
-              <a:rPr lang="it-IT" altLang="it-IT" sz="3600" b="1" kern="0" dirty="0" err="1" smtClean="0">
-                <a:solidFill>
-                  <a:prstClr val="white"/>
-                </a:solidFill>
-                <a:latin typeface="Times New Roman" panose="02020603050405020304" pitchFamily="18" charset="0"/>
-                <a:cs typeface="Times New Roman" panose="02020603050405020304" pitchFamily="18" charset="0"/>
-              </a:rPr>
-              <a:t>Girsanov</a:t>
-            </a:r>
-            <a:r>
-              <a:rPr lang="it-IT" altLang="it-IT" sz="3600" b="1" kern="0" dirty="0" smtClean="0">
-                <a:solidFill>
-                  <a:prstClr val="white"/>
-                </a:solidFill>
-                <a:latin typeface="Times New Roman" panose="02020603050405020304" pitchFamily="18" charset="0"/>
-                <a:cs typeface="Times New Roman" panose="02020603050405020304" pitchFamily="18" charset="0"/>
-              </a:rPr>
-              <a:t> - 3</a:t>
+              <a:t> - 2</a:t>
             </a:r>
           </a:p>
         </p:txBody>
@@ -16891,7 +16703,7 @@
       </p:sp>
       <p:pic>
         <p:nvPicPr>
-          <p:cNvPr id="4" name="Picture 3"/>
+          <p:cNvPr id="3" name="Picture 2"/>
           <p:cNvPicPr>
             <a:picLocks noChangeAspect="1"/>
           </p:cNvPicPr>
@@ -16905,8 +16717,8 @@
         </p:blipFill>
         <p:spPr>
           <a:xfrm>
-            <a:off x="966224" y="2839226"/>
-            <a:ext cx="9344025" cy="1514475"/>
+            <a:off x="1092892" y="2129878"/>
+            <a:ext cx="9429750" cy="3790950"/>
           </a:xfrm>
           <a:prstGeom prst="rect">
             <a:avLst/>
@@ -16916,7 +16728,7 @@
     </p:spTree>
     <p:extLst>
       <p:ext uri="{BB962C8B-B14F-4D97-AF65-F5344CB8AC3E}">
-        <p14:creationId xmlns:p14="http://schemas.microsoft.com/office/powerpoint/2010/main" val="1286003083"/>
+        <p14:creationId xmlns:p14="http://schemas.microsoft.com/office/powerpoint/2010/main" val="3013040911"/>
       </p:ext>
     </p:extLst>
   </p:cSld>
@@ -17061,7 +16873,17 @@
                 <a:latin typeface="Times New Roman" panose="02020603050405020304" pitchFamily="18" charset="0"/>
                 <a:cs typeface="Times New Roman" panose="02020603050405020304" pitchFamily="18" charset="0"/>
               </a:rPr>
-              <a:t>   Teorema </a:t>
+              <a:t>   Teorema di </a:t>
+            </a:r>
+            <a:r>
+              <a:rPr lang="it-IT" altLang="it-IT" sz="3600" b="1" kern="0" dirty="0" err="1" smtClean="0">
+                <a:solidFill>
+                  <a:prstClr val="white"/>
+                </a:solidFill>
+                <a:latin typeface="Times New Roman" panose="02020603050405020304" pitchFamily="18" charset="0"/>
+                <a:cs typeface="Times New Roman" panose="02020603050405020304" pitchFamily="18" charset="0"/>
+              </a:rPr>
+              <a:t>Girsanov</a:t>
             </a:r>
             <a:r>
               <a:rPr lang="it-IT" altLang="it-IT" sz="3600" b="1" kern="0" dirty="0" smtClean="0">
@@ -17071,27 +16893,7 @@
                 <a:latin typeface="Times New Roman" panose="02020603050405020304" pitchFamily="18" charset="0"/>
                 <a:cs typeface="Times New Roman" panose="02020603050405020304" pitchFamily="18" charset="0"/>
               </a:rPr>
-              <a:t>di </a:t>
-            </a:r>
-            <a:r>
-              <a:rPr lang="it-IT" altLang="it-IT" sz="3600" b="1" kern="0" dirty="0" err="1" smtClean="0">
-                <a:solidFill>
-                  <a:prstClr val="white"/>
-                </a:solidFill>
-                <a:latin typeface="Times New Roman" panose="02020603050405020304" pitchFamily="18" charset="0"/>
-                <a:cs typeface="Times New Roman" panose="02020603050405020304" pitchFamily="18" charset="0"/>
-              </a:rPr>
-              <a:t>Girsanov</a:t>
-            </a:r>
-            <a:r>
-              <a:rPr lang="it-IT" altLang="it-IT" sz="3600" b="1" kern="0" dirty="0" smtClean="0">
-                <a:solidFill>
-                  <a:prstClr val="white"/>
-                </a:solidFill>
-                <a:latin typeface="Times New Roman" panose="02020603050405020304" pitchFamily="18" charset="0"/>
-                <a:cs typeface="Times New Roman" panose="02020603050405020304" pitchFamily="18" charset="0"/>
-              </a:rPr>
-              <a:t> - 4</a:t>
+              <a:t> - 3</a:t>
             </a:r>
           </a:p>
         </p:txBody>
@@ -17121,7 +16923,7 @@
       </p:sp>
       <p:pic>
         <p:nvPicPr>
-          <p:cNvPr id="3" name="Picture 2"/>
+          <p:cNvPr id="4" name="Picture 3"/>
           <p:cNvPicPr>
             <a:picLocks noChangeAspect="1"/>
           </p:cNvPicPr>
@@ -17135,56 +16937,8 @@
         </p:blipFill>
         <p:spPr>
           <a:xfrm>
-            <a:off x="1066647" y="2016120"/>
-            <a:ext cx="9292977" cy="4841879"/>
-          </a:xfrm>
-          <a:prstGeom prst="rect">
-            <a:avLst/>
-          </a:prstGeom>
-        </p:spPr>
-      </p:pic>
-      <p:pic>
-        <p:nvPicPr>
-          <p:cNvPr id="5" name="Picture 4"/>
-          <p:cNvPicPr>
-            <a:picLocks noChangeAspect="1"/>
-          </p:cNvPicPr>
-          <p:nvPr/>
-        </p:nvPicPr>
-        <p:blipFill>
-          <a:blip r:embed="rId3"/>
-          <a:stretch>
-            <a:fillRect/>
-          </a:stretch>
-        </p:blipFill>
-        <p:spPr>
-          <a:xfrm>
-            <a:off x="476876" y="2065268"/>
-            <a:ext cx="2352675" cy="361950"/>
-          </a:xfrm>
-          <a:prstGeom prst="rect">
-            <a:avLst/>
-          </a:prstGeom>
-        </p:spPr>
-      </p:pic>
-      <p:pic>
-        <p:nvPicPr>
-          <p:cNvPr id="4" name="Picture 3"/>
-          <p:cNvPicPr>
-            <a:picLocks noChangeAspect="1"/>
-          </p:cNvPicPr>
-          <p:nvPr/>
-        </p:nvPicPr>
-        <p:blipFill>
-          <a:blip r:embed="rId4"/>
-          <a:stretch>
-            <a:fillRect/>
-          </a:stretch>
-        </p:blipFill>
-        <p:spPr>
-          <a:xfrm>
-            <a:off x="1066647" y="5830466"/>
-            <a:ext cx="9341126" cy="1027533"/>
+            <a:off x="966224" y="2839226"/>
+            <a:ext cx="9344025" cy="1514475"/>
           </a:xfrm>
           <a:prstGeom prst="rect">
             <a:avLst/>
@@ -17194,7 +16948,7 @@
     </p:spTree>
     <p:extLst>
       <p:ext uri="{BB962C8B-B14F-4D97-AF65-F5344CB8AC3E}">
-        <p14:creationId xmlns:p14="http://schemas.microsoft.com/office/powerpoint/2010/main" val="2336940227"/>
+        <p14:creationId xmlns:p14="http://schemas.microsoft.com/office/powerpoint/2010/main" val="1286003083"/>
       </p:ext>
     </p:extLst>
   </p:cSld>
@@ -17339,7 +17093,17 @@
                 <a:latin typeface="Times New Roman" panose="02020603050405020304" pitchFamily="18" charset="0"/>
                 <a:cs typeface="Times New Roman" panose="02020603050405020304" pitchFamily="18" charset="0"/>
               </a:rPr>
-              <a:t>   Teorema </a:t>
+              <a:t>   Teorema di </a:t>
+            </a:r>
+            <a:r>
+              <a:rPr lang="it-IT" altLang="it-IT" sz="3600" b="1" kern="0" dirty="0" err="1" smtClean="0">
+                <a:solidFill>
+                  <a:prstClr val="white"/>
+                </a:solidFill>
+                <a:latin typeface="Times New Roman" panose="02020603050405020304" pitchFamily="18" charset="0"/>
+                <a:cs typeface="Times New Roman" panose="02020603050405020304" pitchFamily="18" charset="0"/>
+              </a:rPr>
+              <a:t>Girsanov</a:t>
             </a:r>
             <a:r>
               <a:rPr lang="it-IT" altLang="it-IT" sz="3600" b="1" kern="0" dirty="0" smtClean="0">
@@ -17349,27 +17113,7 @@
                 <a:latin typeface="Times New Roman" panose="02020603050405020304" pitchFamily="18" charset="0"/>
                 <a:cs typeface="Times New Roman" panose="02020603050405020304" pitchFamily="18" charset="0"/>
               </a:rPr>
-              <a:t>di </a:t>
-            </a:r>
-            <a:r>
-              <a:rPr lang="it-IT" altLang="it-IT" sz="3600" b="1" kern="0" dirty="0" err="1" smtClean="0">
-                <a:solidFill>
-                  <a:prstClr val="white"/>
-                </a:solidFill>
-                <a:latin typeface="Times New Roman" panose="02020603050405020304" pitchFamily="18" charset="0"/>
-                <a:cs typeface="Times New Roman" panose="02020603050405020304" pitchFamily="18" charset="0"/>
-              </a:rPr>
-              <a:t>Girsanov</a:t>
-            </a:r>
-            <a:r>
-              <a:rPr lang="it-IT" altLang="it-IT" sz="3600" b="1" kern="0" dirty="0" smtClean="0">
-                <a:solidFill>
-                  <a:prstClr val="white"/>
-                </a:solidFill>
-                <a:latin typeface="Times New Roman" panose="02020603050405020304" pitchFamily="18" charset="0"/>
-                <a:cs typeface="Times New Roman" panose="02020603050405020304" pitchFamily="18" charset="0"/>
-              </a:rPr>
-              <a:t> - 5</a:t>
+              <a:t> - 4</a:t>
             </a:r>
           </a:p>
         </p:txBody>
@@ -17399,7 +17143,7 @@
       </p:sp>
       <p:pic>
         <p:nvPicPr>
-          <p:cNvPr id="6" name="Picture 5"/>
+          <p:cNvPr id="3" name="Picture 2"/>
           <p:cNvPicPr>
             <a:picLocks noChangeAspect="1"/>
           </p:cNvPicPr>
@@ -17413,17 +17157,17 @@
         </p:blipFill>
         <p:spPr>
           <a:xfrm>
-            <a:off x="1049610" y="2115377"/>
-            <a:ext cx="9039225" cy="381000"/>
-          </a:xfrm>
-          <a:prstGeom prst="rect">
-            <a:avLst/>
-          </a:prstGeom>
-        </p:spPr>
-      </p:pic>
-      <p:pic>
-        <p:nvPicPr>
-          <p:cNvPr id="7" name="Picture 6"/>
+            <a:off x="1066647" y="2016120"/>
+            <a:ext cx="9292977" cy="4841879"/>
+          </a:xfrm>
+          <a:prstGeom prst="rect">
+            <a:avLst/>
+          </a:prstGeom>
+        </p:spPr>
+      </p:pic>
+      <p:pic>
+        <p:nvPicPr>
+          <p:cNvPr id="5" name="Picture 4"/>
           <p:cNvPicPr>
             <a:picLocks noChangeAspect="1"/>
           </p:cNvPicPr>
@@ -17437,17 +17181,17 @@
         </p:blipFill>
         <p:spPr>
           <a:xfrm>
-            <a:off x="1032220" y="2438193"/>
-            <a:ext cx="4124325" cy="371475"/>
-          </a:xfrm>
-          <a:prstGeom prst="rect">
-            <a:avLst/>
-          </a:prstGeom>
-        </p:spPr>
-      </p:pic>
-      <p:pic>
-        <p:nvPicPr>
-          <p:cNvPr id="10" name="Picture 9"/>
+            <a:off x="476876" y="2065268"/>
+            <a:ext cx="2352675" cy="361950"/>
+          </a:xfrm>
+          <a:prstGeom prst="rect">
+            <a:avLst/>
+          </a:prstGeom>
+        </p:spPr>
+      </p:pic>
+      <p:pic>
+        <p:nvPicPr>
+          <p:cNvPr id="4" name="Picture 3"/>
           <p:cNvPicPr>
             <a:picLocks noChangeAspect="1"/>
           </p:cNvPicPr>
@@ -17461,8 +17205,8 @@
         </p:blipFill>
         <p:spPr>
           <a:xfrm>
-            <a:off x="975692" y="2840523"/>
-            <a:ext cx="9525000" cy="2647950"/>
+            <a:off x="1066647" y="5830466"/>
+            <a:ext cx="9341126" cy="1027533"/>
           </a:xfrm>
           <a:prstGeom prst="rect">
             <a:avLst/>
@@ -17472,7 +17216,7 @@
     </p:spTree>
     <p:extLst>
       <p:ext uri="{BB962C8B-B14F-4D97-AF65-F5344CB8AC3E}">
-        <p14:creationId xmlns:p14="http://schemas.microsoft.com/office/powerpoint/2010/main" val="4024752181"/>
+        <p14:creationId xmlns:p14="http://schemas.microsoft.com/office/powerpoint/2010/main" val="2336940227"/>
       </p:ext>
     </p:extLst>
   </p:cSld>
@@ -17617,7 +17361,17 @@
                 <a:latin typeface="Times New Roman" panose="02020603050405020304" pitchFamily="18" charset="0"/>
                 <a:cs typeface="Times New Roman" panose="02020603050405020304" pitchFamily="18" charset="0"/>
               </a:rPr>
-              <a:t>   Cambiamento </a:t>
+              <a:t>   Teorema di </a:t>
+            </a:r>
+            <a:r>
+              <a:rPr lang="it-IT" altLang="it-IT" sz="3600" b="1" kern="0" dirty="0" err="1" smtClean="0">
+                <a:solidFill>
+                  <a:prstClr val="white"/>
+                </a:solidFill>
+                <a:latin typeface="Times New Roman" panose="02020603050405020304" pitchFamily="18" charset="0"/>
+                <a:cs typeface="Times New Roman" panose="02020603050405020304" pitchFamily="18" charset="0"/>
+              </a:rPr>
+              <a:t>Girsanov</a:t>
             </a:r>
             <a:r>
               <a:rPr lang="it-IT" altLang="it-IT" sz="3600" b="1" kern="0" dirty="0" smtClean="0">
@@ -17627,7 +17381,7 @@
                 <a:latin typeface="Times New Roman" panose="02020603050405020304" pitchFamily="18" charset="0"/>
                 <a:cs typeface="Times New Roman" panose="02020603050405020304" pitchFamily="18" charset="0"/>
               </a:rPr>
-              <a:t>del tempo stocastico</a:t>
+              <a:t> - 5</a:t>
             </a:r>
           </a:p>
         </p:txBody>
@@ -17657,7 +17411,7 @@
       </p:sp>
       <p:pic>
         <p:nvPicPr>
-          <p:cNvPr id="3" name="Picture 2"/>
+          <p:cNvPr id="6" name="Picture 5"/>
           <p:cNvPicPr>
             <a:picLocks noChangeAspect="1"/>
           </p:cNvPicPr>
@@ -17671,17 +17425,17 @@
         </p:blipFill>
         <p:spPr>
           <a:xfrm>
-            <a:off x="1145693" y="2144986"/>
-            <a:ext cx="9344025" cy="4257675"/>
-          </a:xfrm>
-          <a:prstGeom prst="rect">
-            <a:avLst/>
-          </a:prstGeom>
-        </p:spPr>
-      </p:pic>
-      <p:pic>
-        <p:nvPicPr>
-          <p:cNvPr id="4" name="Picture 3"/>
+            <a:off x="1049610" y="2115377"/>
+            <a:ext cx="9039225" cy="381000"/>
+          </a:xfrm>
+          <a:prstGeom prst="rect">
+            <a:avLst/>
+          </a:prstGeom>
+        </p:spPr>
+      </p:pic>
+      <p:pic>
+        <p:nvPicPr>
+          <p:cNvPr id="7" name="Picture 6"/>
           <p:cNvPicPr>
             <a:picLocks noChangeAspect="1"/>
           </p:cNvPicPr>
@@ -17695,17 +17449,17 @@
         </p:blipFill>
         <p:spPr>
           <a:xfrm>
-            <a:off x="629486" y="2249348"/>
-            <a:ext cx="2286000" cy="371475"/>
-          </a:xfrm>
-          <a:prstGeom prst="rect">
-            <a:avLst/>
-          </a:prstGeom>
-        </p:spPr>
-      </p:pic>
-      <p:pic>
-        <p:nvPicPr>
-          <p:cNvPr id="5" name="Picture 4"/>
+            <a:off x="1032220" y="2438193"/>
+            <a:ext cx="4124325" cy="371475"/>
+          </a:xfrm>
+          <a:prstGeom prst="rect">
+            <a:avLst/>
+          </a:prstGeom>
+        </p:spPr>
+      </p:pic>
+      <p:pic>
+        <p:nvPicPr>
+          <p:cNvPr id="10" name="Picture 9"/>
           <p:cNvPicPr>
             <a:picLocks noChangeAspect="1"/>
           </p:cNvPicPr>
@@ -17719,8 +17473,8 @@
         </p:blipFill>
         <p:spPr>
           <a:xfrm>
-            <a:off x="2990029" y="5675240"/>
-            <a:ext cx="4800600" cy="457200"/>
+            <a:off x="975692" y="2840523"/>
+            <a:ext cx="9525000" cy="2647950"/>
           </a:xfrm>
           <a:prstGeom prst="rect">
             <a:avLst/>
@@ -17730,7 +17484,7 @@
     </p:spTree>
     <p:extLst>
       <p:ext uri="{BB962C8B-B14F-4D97-AF65-F5344CB8AC3E}">
-        <p14:creationId xmlns:p14="http://schemas.microsoft.com/office/powerpoint/2010/main" val="1368534153"/>
+        <p14:creationId xmlns:p14="http://schemas.microsoft.com/office/powerpoint/2010/main" val="4024752181"/>
       </p:ext>
     </p:extLst>
   </p:cSld>
@@ -17875,37 +17629,7 @@
                 <a:latin typeface="Times New Roman" panose="02020603050405020304" pitchFamily="18" charset="0"/>
                 <a:cs typeface="Times New Roman" panose="02020603050405020304" pitchFamily="18" charset="0"/>
               </a:rPr>
-              <a:t>   Processi </a:t>
-            </a:r>
-            <a:r>
-              <a:rPr lang="it-IT" altLang="it-IT" sz="3600" b="1" kern="0" dirty="0" smtClean="0">
-                <a:solidFill>
-                  <a:prstClr val="white"/>
-                </a:solidFill>
-                <a:latin typeface="Times New Roman" panose="02020603050405020304" pitchFamily="18" charset="0"/>
-                <a:cs typeface="Times New Roman" panose="02020603050405020304" pitchFamily="18" charset="0"/>
-              </a:rPr>
-              <a:t>diffusivi </a:t>
-            </a:r>
-            <a:r>
-              <a:rPr lang="it-IT" altLang="it-IT" sz="3600" b="1" kern="0" dirty="0" err="1" smtClean="0">
-                <a:solidFill>
-                  <a:prstClr val="white"/>
-                </a:solidFill>
-                <a:latin typeface="Times New Roman" panose="02020603050405020304" pitchFamily="18" charset="0"/>
-                <a:cs typeface="Times New Roman" panose="02020603050405020304" pitchFamily="18" charset="0"/>
-              </a:rPr>
-              <a:t>multimensionali</a:t>
-            </a:r>
-            <a:r>
-              <a:rPr lang="it-IT" altLang="it-IT" sz="3600" b="1" kern="0" dirty="0" smtClean="0">
-                <a:solidFill>
-                  <a:prstClr val="white"/>
-                </a:solidFill>
-                <a:latin typeface="Times New Roman" panose="02020603050405020304" pitchFamily="18" charset="0"/>
-                <a:cs typeface="Times New Roman" panose="02020603050405020304" pitchFamily="18" charset="0"/>
-              </a:rPr>
-              <a:t> - 1</a:t>
+              <a:t>   Cambiamento del tempo stocastico</a:t>
             </a:r>
           </a:p>
         </p:txBody>
@@ -17935,6 +17659,54 @@
       </p:sp>
       <p:pic>
         <p:nvPicPr>
+          <p:cNvPr id="3" name="Picture 2"/>
+          <p:cNvPicPr>
+            <a:picLocks noChangeAspect="1"/>
+          </p:cNvPicPr>
+          <p:nvPr/>
+        </p:nvPicPr>
+        <p:blipFill>
+          <a:blip r:embed="rId2"/>
+          <a:stretch>
+            <a:fillRect/>
+          </a:stretch>
+        </p:blipFill>
+        <p:spPr>
+          <a:xfrm>
+            <a:off x="1145693" y="2144986"/>
+            <a:ext cx="9344025" cy="4257675"/>
+          </a:xfrm>
+          <a:prstGeom prst="rect">
+            <a:avLst/>
+          </a:prstGeom>
+        </p:spPr>
+      </p:pic>
+      <p:pic>
+        <p:nvPicPr>
+          <p:cNvPr id="4" name="Picture 3"/>
+          <p:cNvPicPr>
+            <a:picLocks noChangeAspect="1"/>
+          </p:cNvPicPr>
+          <p:nvPr/>
+        </p:nvPicPr>
+        <p:blipFill>
+          <a:blip r:embed="rId3"/>
+          <a:stretch>
+            <a:fillRect/>
+          </a:stretch>
+        </p:blipFill>
+        <p:spPr>
+          <a:xfrm>
+            <a:off x="629486" y="2249348"/>
+            <a:ext cx="2286000" cy="371475"/>
+          </a:xfrm>
+          <a:prstGeom prst="rect">
+            <a:avLst/>
+          </a:prstGeom>
+        </p:spPr>
+      </p:pic>
+      <p:pic>
+        <p:nvPicPr>
           <p:cNvPr id="5" name="Picture 4"/>
           <p:cNvPicPr>
             <a:picLocks noChangeAspect="1"/>
@@ -17942,7 +17714,7 @@
           <p:nvPr/>
         </p:nvPicPr>
         <p:blipFill>
-          <a:blip r:embed="rId2"/>
+          <a:blip r:embed="rId4"/>
           <a:stretch>
             <a:fillRect/>
           </a:stretch>
@@ -17951,54 +17723,6 @@
           <a:xfrm>
             <a:off x="2990029" y="5675240"/>
             <a:ext cx="4800600" cy="457200"/>
-          </a:xfrm>
-          <a:prstGeom prst="rect">
-            <a:avLst/>
-          </a:prstGeom>
-        </p:spPr>
-      </p:pic>
-      <p:pic>
-        <p:nvPicPr>
-          <p:cNvPr id="6" name="Picture 5"/>
-          <p:cNvPicPr>
-            <a:picLocks noChangeAspect="1"/>
-          </p:cNvPicPr>
-          <p:nvPr/>
-        </p:nvPicPr>
-        <p:blipFill>
-          <a:blip r:embed="rId3"/>
-          <a:stretch>
-            <a:fillRect/>
-          </a:stretch>
-        </p:blipFill>
-        <p:spPr>
-          <a:xfrm>
-            <a:off x="1204706" y="2279377"/>
-            <a:ext cx="9544050" cy="4267200"/>
-          </a:xfrm>
-          <a:prstGeom prst="rect">
-            <a:avLst/>
-          </a:prstGeom>
-        </p:spPr>
-      </p:pic>
-      <p:pic>
-        <p:nvPicPr>
-          <p:cNvPr id="7" name="Picture 6"/>
-          <p:cNvPicPr>
-            <a:picLocks noChangeAspect="1"/>
-          </p:cNvPicPr>
-          <p:nvPr/>
-        </p:nvPicPr>
-        <p:blipFill>
-          <a:blip r:embed="rId4"/>
-          <a:stretch>
-            <a:fillRect/>
-          </a:stretch>
-        </p:blipFill>
-        <p:spPr>
-          <a:xfrm>
-            <a:off x="4307369" y="5992464"/>
-            <a:ext cx="1390650" cy="419100"/>
           </a:xfrm>
           <a:prstGeom prst="rect">
             <a:avLst/>
@@ -18008,7 +17732,7 @@
     </p:spTree>
     <p:extLst>
       <p:ext uri="{BB962C8B-B14F-4D97-AF65-F5344CB8AC3E}">
-        <p14:creationId xmlns:p14="http://schemas.microsoft.com/office/powerpoint/2010/main" val="2532552669"/>
+        <p14:creationId xmlns:p14="http://schemas.microsoft.com/office/powerpoint/2010/main" val="1368534153"/>
       </p:ext>
     </p:extLst>
   </p:cSld>
@@ -18367,55 +18091,28 @@
                 <a:latin typeface="Times New Roman" panose="02020603050405020304" pitchFamily="18" charset="0"/>
                 <a:cs typeface="Times New Roman" panose="02020603050405020304" pitchFamily="18" charset="0"/>
               </a:rPr>
-              <a:t>   Processi </a:t>
-            </a:r>
-            <a:r>
-              <a:rPr lang="it-IT" altLang="it-IT" sz="3600" b="1" kern="0" dirty="0">
+              <a:t>   Processi diffusivi </a:t>
+            </a:r>
+            <a:r>
+              <a:rPr lang="it-IT" altLang="it-IT" sz="3600" b="1" kern="0" dirty="0" err="1" smtClean="0">
                 <a:solidFill>
                   <a:prstClr val="white"/>
                 </a:solidFill>
                 <a:latin typeface="Times New Roman" panose="02020603050405020304" pitchFamily="18" charset="0"/>
                 <a:cs typeface="Times New Roman" panose="02020603050405020304" pitchFamily="18" charset="0"/>
               </a:rPr>
-              <a:t>diffusivi </a:t>
-            </a:r>
-            <a:r>
-              <a:rPr lang="it-IT" altLang="it-IT" sz="3600" b="1" kern="0" dirty="0" err="1">
+              <a:t>multimensionali</a:t>
+            </a:r>
+            <a:r>
+              <a:rPr lang="it-IT" altLang="it-IT" sz="3600" b="1" kern="0" dirty="0" smtClean="0">
                 <a:solidFill>
                   <a:prstClr val="white"/>
                 </a:solidFill>
                 <a:latin typeface="Times New Roman" panose="02020603050405020304" pitchFamily="18" charset="0"/>
                 <a:cs typeface="Times New Roman" panose="02020603050405020304" pitchFamily="18" charset="0"/>
               </a:rPr>
-              <a:t>multimensionali</a:t>
-            </a:r>
-            <a:r>
-              <a:rPr lang="it-IT" altLang="it-IT" sz="3600" b="1" kern="0" dirty="0">
-                <a:solidFill>
-                  <a:prstClr val="white"/>
-                </a:solidFill>
-                <a:latin typeface="Times New Roman" panose="02020603050405020304" pitchFamily="18" charset="0"/>
-                <a:cs typeface="Times New Roman" panose="02020603050405020304" pitchFamily="18" charset="0"/>
-              </a:rPr>
-              <a:t> - </a:t>
-            </a:r>
-            <a:r>
-              <a:rPr lang="it-IT" altLang="it-IT" sz="3600" b="1" kern="0" dirty="0" smtClean="0">
-                <a:solidFill>
-                  <a:prstClr val="white"/>
-                </a:solidFill>
-                <a:latin typeface="Times New Roman" panose="02020603050405020304" pitchFamily="18" charset="0"/>
-                <a:cs typeface="Times New Roman" panose="02020603050405020304" pitchFamily="18" charset="0"/>
-              </a:rPr>
-              <a:t>2</a:t>
-            </a:r>
-            <a:endParaRPr lang="it-IT" altLang="it-IT" sz="3600" b="1" kern="0" dirty="0">
-              <a:solidFill>
-                <a:prstClr val="white"/>
-              </a:solidFill>
-              <a:latin typeface="Times New Roman" panose="02020603050405020304" pitchFamily="18" charset="0"/>
-              <a:cs typeface="Times New Roman" panose="02020603050405020304" pitchFamily="18" charset="0"/>
-            </a:endParaRPr>
+              <a:t> - 1</a:t>
+            </a:r>
           </a:p>
         </p:txBody>
       </p:sp>
@@ -18468,6 +18165,30 @@
       </p:pic>
       <p:pic>
         <p:nvPicPr>
+          <p:cNvPr id="6" name="Picture 5"/>
+          <p:cNvPicPr>
+            <a:picLocks noChangeAspect="1"/>
+          </p:cNvPicPr>
+          <p:nvPr/>
+        </p:nvPicPr>
+        <p:blipFill>
+          <a:blip r:embed="rId3"/>
+          <a:stretch>
+            <a:fillRect/>
+          </a:stretch>
+        </p:blipFill>
+        <p:spPr>
+          <a:xfrm>
+            <a:off x="1204706" y="2279377"/>
+            <a:ext cx="9544050" cy="4267200"/>
+          </a:xfrm>
+          <a:prstGeom prst="rect">
+            <a:avLst/>
+          </a:prstGeom>
+        </p:spPr>
+      </p:pic>
+      <p:pic>
+        <p:nvPicPr>
           <p:cNvPr id="7" name="Picture 6"/>
           <p:cNvPicPr>
             <a:picLocks noChangeAspect="1"/>
@@ -18475,7 +18196,7 @@
           <p:nvPr/>
         </p:nvPicPr>
         <p:blipFill>
-          <a:blip r:embed="rId3"/>
+          <a:blip r:embed="rId4"/>
           <a:stretch>
             <a:fillRect/>
           </a:stretch>
@@ -18484,102 +18205,6 @@
           <a:xfrm>
             <a:off x="4307369" y="5992464"/>
             <a:ext cx="1390650" cy="419100"/>
-          </a:xfrm>
-          <a:prstGeom prst="rect">
-            <a:avLst/>
-          </a:prstGeom>
-        </p:spPr>
-      </p:pic>
-      <p:pic>
-        <p:nvPicPr>
-          <p:cNvPr id="4" name="Picture 3"/>
-          <p:cNvPicPr>
-            <a:picLocks noChangeAspect="1"/>
-          </p:cNvPicPr>
-          <p:nvPr/>
-        </p:nvPicPr>
-        <p:blipFill>
-          <a:blip r:embed="rId4"/>
-          <a:stretch>
-            <a:fillRect/>
-          </a:stretch>
-        </p:blipFill>
-        <p:spPr>
-          <a:xfrm>
-            <a:off x="1378230" y="2769476"/>
-            <a:ext cx="8359391" cy="2378994"/>
-          </a:xfrm>
-          <a:prstGeom prst="rect">
-            <a:avLst/>
-          </a:prstGeom>
-        </p:spPr>
-      </p:pic>
-      <p:pic>
-        <p:nvPicPr>
-          <p:cNvPr id="10" name="Picture 9"/>
-          <p:cNvPicPr>
-            <a:picLocks noChangeAspect="1"/>
-          </p:cNvPicPr>
-          <p:nvPr/>
-        </p:nvPicPr>
-        <p:blipFill>
-          <a:blip r:embed="rId5"/>
-          <a:stretch>
-            <a:fillRect/>
-          </a:stretch>
-        </p:blipFill>
-        <p:spPr>
-          <a:xfrm>
-            <a:off x="1420067" y="2207312"/>
-            <a:ext cx="1009650" cy="342900"/>
-          </a:xfrm>
-          <a:prstGeom prst="rect">
-            <a:avLst/>
-          </a:prstGeom>
-        </p:spPr>
-      </p:pic>
-      <p:pic>
-        <p:nvPicPr>
-          <p:cNvPr id="12" name="Picture 11"/>
-          <p:cNvPicPr>
-            <a:picLocks noChangeAspect="1"/>
-          </p:cNvPicPr>
-          <p:nvPr/>
-        </p:nvPicPr>
-        <p:blipFill>
-          <a:blip r:embed="rId6"/>
-          <a:stretch>
-            <a:fillRect/>
-          </a:stretch>
-        </p:blipFill>
-        <p:spPr>
-          <a:xfrm>
-            <a:off x="1417568" y="5361537"/>
-            <a:ext cx="5619750" cy="428625"/>
-          </a:xfrm>
-          <a:prstGeom prst="rect">
-            <a:avLst/>
-          </a:prstGeom>
-        </p:spPr>
-      </p:pic>
-      <p:pic>
-        <p:nvPicPr>
-          <p:cNvPr id="13" name="Picture 12"/>
-          <p:cNvPicPr>
-            <a:picLocks noChangeAspect="1"/>
-          </p:cNvPicPr>
-          <p:nvPr/>
-        </p:nvPicPr>
-        <p:blipFill>
-          <a:blip r:embed="rId2"/>
-          <a:stretch>
-            <a:fillRect/>
-          </a:stretch>
-        </p:blipFill>
-        <p:spPr>
-          <a:xfrm>
-            <a:off x="3142429" y="5827640"/>
-            <a:ext cx="4800600" cy="457200"/>
           </a:xfrm>
           <a:prstGeom prst="rect">
             <a:avLst/>
@@ -18589,7 +18214,7 @@
     </p:spTree>
     <p:extLst>
       <p:ext uri="{BB962C8B-B14F-4D97-AF65-F5344CB8AC3E}">
-        <p14:creationId xmlns:p14="http://schemas.microsoft.com/office/powerpoint/2010/main" val="4282622633"/>
+        <p14:creationId xmlns:p14="http://schemas.microsoft.com/office/powerpoint/2010/main" val="2532552669"/>
       </p:ext>
     </p:extLst>
   </p:cSld>
@@ -18764,8 +18389,25 @@
                 <a:latin typeface="Times New Roman" panose="02020603050405020304" pitchFamily="18" charset="0"/>
                 <a:cs typeface="Times New Roman" panose="02020603050405020304" pitchFamily="18" charset="0"/>
               </a:rPr>
-              <a:t> - 3</a:t>
-            </a:r>
+              <a:t> - </a:t>
+            </a:r>
+            <a:r>
+              <a:rPr lang="it-IT" altLang="it-IT" sz="3600" b="1" kern="0" dirty="0" smtClean="0">
+                <a:solidFill>
+                  <a:prstClr val="white"/>
+                </a:solidFill>
+                <a:latin typeface="Times New Roman" panose="02020603050405020304" pitchFamily="18" charset="0"/>
+                <a:cs typeface="Times New Roman" panose="02020603050405020304" pitchFamily="18" charset="0"/>
+              </a:rPr>
+              <a:t>2</a:t>
+            </a:r>
+            <a:endParaRPr lang="it-IT" altLang="it-IT" sz="3600" b="1" kern="0" dirty="0">
+              <a:solidFill>
+                <a:prstClr val="white"/>
+              </a:solidFill>
+              <a:latin typeface="Times New Roman" panose="02020603050405020304" pitchFamily="18" charset="0"/>
+              <a:cs typeface="Times New Roman" panose="02020603050405020304" pitchFamily="18" charset="0"/>
+            </a:endParaRPr>
           </a:p>
         </p:txBody>
       </p:sp>
@@ -18842,6 +18484,78 @@
       </p:pic>
       <p:pic>
         <p:nvPicPr>
+          <p:cNvPr id="4" name="Picture 3"/>
+          <p:cNvPicPr>
+            <a:picLocks noChangeAspect="1"/>
+          </p:cNvPicPr>
+          <p:nvPr/>
+        </p:nvPicPr>
+        <p:blipFill>
+          <a:blip r:embed="rId4"/>
+          <a:stretch>
+            <a:fillRect/>
+          </a:stretch>
+        </p:blipFill>
+        <p:spPr>
+          <a:xfrm>
+            <a:off x="1378230" y="2769476"/>
+            <a:ext cx="8359391" cy="2378994"/>
+          </a:xfrm>
+          <a:prstGeom prst="rect">
+            <a:avLst/>
+          </a:prstGeom>
+        </p:spPr>
+      </p:pic>
+      <p:pic>
+        <p:nvPicPr>
+          <p:cNvPr id="10" name="Picture 9"/>
+          <p:cNvPicPr>
+            <a:picLocks noChangeAspect="1"/>
+          </p:cNvPicPr>
+          <p:nvPr/>
+        </p:nvPicPr>
+        <p:blipFill>
+          <a:blip r:embed="rId5"/>
+          <a:stretch>
+            <a:fillRect/>
+          </a:stretch>
+        </p:blipFill>
+        <p:spPr>
+          <a:xfrm>
+            <a:off x="1420067" y="2207312"/>
+            <a:ext cx="1009650" cy="342900"/>
+          </a:xfrm>
+          <a:prstGeom prst="rect">
+            <a:avLst/>
+          </a:prstGeom>
+        </p:spPr>
+      </p:pic>
+      <p:pic>
+        <p:nvPicPr>
+          <p:cNvPr id="12" name="Picture 11"/>
+          <p:cNvPicPr>
+            <a:picLocks noChangeAspect="1"/>
+          </p:cNvPicPr>
+          <p:nvPr/>
+        </p:nvPicPr>
+        <p:blipFill>
+          <a:blip r:embed="rId6"/>
+          <a:stretch>
+            <a:fillRect/>
+          </a:stretch>
+        </p:blipFill>
+        <p:spPr>
+          <a:xfrm>
+            <a:off x="1417568" y="5361537"/>
+            <a:ext cx="5619750" cy="428625"/>
+          </a:xfrm>
+          <a:prstGeom prst="rect">
+            <a:avLst/>
+          </a:prstGeom>
+        </p:spPr>
+      </p:pic>
+      <p:pic>
+        <p:nvPicPr>
           <p:cNvPr id="13" name="Picture 12"/>
           <p:cNvPicPr>
             <a:picLocks noChangeAspect="1"/>
@@ -18858,30 +18572,6 @@
           <a:xfrm>
             <a:off x="3142429" y="5827640"/>
             <a:ext cx="4800600" cy="457200"/>
-          </a:xfrm>
-          <a:prstGeom prst="rect">
-            <a:avLst/>
-          </a:prstGeom>
-        </p:spPr>
-      </p:pic>
-      <p:pic>
-        <p:nvPicPr>
-          <p:cNvPr id="3" name="Picture 2"/>
-          <p:cNvPicPr>
-            <a:picLocks noChangeAspect="1"/>
-          </p:cNvPicPr>
-          <p:nvPr/>
-        </p:nvPicPr>
-        <p:blipFill>
-          <a:blip r:embed="rId4"/>
-          <a:stretch>
-            <a:fillRect/>
-          </a:stretch>
-        </p:blipFill>
-        <p:spPr>
-          <a:xfrm>
-            <a:off x="1230178" y="2303188"/>
-            <a:ext cx="8658225" cy="3305175"/>
           </a:xfrm>
           <a:prstGeom prst="rect">
             <a:avLst/>
@@ -18891,7 +18581,7 @@
     </p:spTree>
     <p:extLst>
       <p:ext uri="{BB962C8B-B14F-4D97-AF65-F5344CB8AC3E}">
-        <p14:creationId xmlns:p14="http://schemas.microsoft.com/office/powerpoint/2010/main" val="659200154"/>
+        <p14:creationId xmlns:p14="http://schemas.microsoft.com/office/powerpoint/2010/main" val="4282622633"/>
       </p:ext>
     </p:extLst>
   </p:cSld>
@@ -19019,6 +18709,16 @@
               </a:tabLst>
             </a:pPr>
             <a:r>
+              <a:rPr lang="it-IT" altLang="it-IT" sz="3600" b="1" kern="0" dirty="0">
+                <a:solidFill>
+                  <a:prstClr val="white"/>
+                </a:solidFill>
+                <a:latin typeface="Times New Roman" panose="02020603050405020304" pitchFamily="18" charset="0"/>
+                <a:cs typeface="Times New Roman" panose="02020603050405020304" pitchFamily="18" charset="0"/>
+              </a:rPr>
+              <a:t> </a:t>
+            </a:r>
+            <a:r>
               <a:rPr lang="it-IT" altLang="it-IT" sz="3600" b="1" kern="0" dirty="0" smtClean="0">
                 <a:solidFill>
                   <a:prstClr val="white"/>
@@ -19026,35 +18726,38 @@
                 <a:latin typeface="Times New Roman" panose="02020603050405020304" pitchFamily="18" charset="0"/>
                 <a:cs typeface="Times New Roman" panose="02020603050405020304" pitchFamily="18" charset="0"/>
               </a:rPr>
-              <a:t> </a:t>
-            </a:r>
-            <a:r>
-              <a:rPr lang="it-IT" altLang="it-IT" sz="3600" b="1" kern="0" dirty="0" smtClean="0">
+              <a:t>   Processi </a:t>
+            </a:r>
+            <a:r>
+              <a:rPr lang="it-IT" altLang="it-IT" sz="3600" b="1" kern="0" dirty="0">
                 <a:solidFill>
                   <a:prstClr val="white"/>
                 </a:solidFill>
                 <a:latin typeface="Times New Roman" panose="02020603050405020304" pitchFamily="18" charset="0"/>
                 <a:cs typeface="Times New Roman" panose="02020603050405020304" pitchFamily="18" charset="0"/>
               </a:rPr>
-              <a:t>   Processi </a:t>
-            </a:r>
-            <a:r>
-              <a:rPr lang="it-IT" altLang="it-IT" sz="3600" b="1" kern="0" dirty="0" smtClean="0">
+              <a:t>diffusivi </a:t>
+            </a:r>
+            <a:r>
+              <a:rPr lang="it-IT" altLang="it-IT" sz="3600" b="1" kern="0" dirty="0" err="1">
                 <a:solidFill>
                   <a:prstClr val="white"/>
                 </a:solidFill>
                 <a:latin typeface="Times New Roman" panose="02020603050405020304" pitchFamily="18" charset="0"/>
                 <a:cs typeface="Times New Roman" panose="02020603050405020304" pitchFamily="18" charset="0"/>
               </a:rPr>
-              <a:t>diffusivi con BM indipendenti</a:t>
-            </a:r>
-            <a:endParaRPr lang="it-IT" altLang="it-IT" sz="3600" b="1" kern="0" dirty="0">
-              <a:solidFill>
-                <a:prstClr val="white"/>
-              </a:solidFill>
-              <a:latin typeface="Times New Roman" panose="02020603050405020304" pitchFamily="18" charset="0"/>
-              <a:cs typeface="Times New Roman" panose="02020603050405020304" pitchFamily="18" charset="0"/>
-            </a:endParaRPr>
+              <a:t>multimensionali</a:t>
+            </a:r>
+            <a:r>
+              <a:rPr lang="it-IT" altLang="it-IT" sz="3600" b="1" kern="0" dirty="0">
+                <a:solidFill>
+                  <a:prstClr val="white"/>
+                </a:solidFill>
+                <a:latin typeface="Times New Roman" panose="02020603050405020304" pitchFamily="18" charset="0"/>
+                <a:cs typeface="Times New Roman" panose="02020603050405020304" pitchFamily="18" charset="0"/>
+              </a:rPr>
+              <a:t> - 3</a:t>
+            </a:r>
           </a:p>
         </p:txBody>
       </p:sp>
@@ -19155,7 +18858,7 @@
       </p:pic>
       <p:pic>
         <p:nvPicPr>
-          <p:cNvPr id="4" name="Picture 3"/>
+          <p:cNvPr id="3" name="Picture 2"/>
           <p:cNvPicPr>
             <a:picLocks noChangeAspect="1"/>
           </p:cNvPicPr>
@@ -19169,8 +18872,8 @@
         </p:blipFill>
         <p:spPr>
           <a:xfrm>
-            <a:off x="1189798" y="2305050"/>
-            <a:ext cx="9315450" cy="2247900"/>
+            <a:off x="1230178" y="2303188"/>
+            <a:ext cx="8658225" cy="3305175"/>
           </a:xfrm>
           <a:prstGeom prst="rect">
             <a:avLst/>
@@ -19180,7 +18883,7 @@
     </p:spTree>
     <p:extLst>
       <p:ext uri="{BB962C8B-B14F-4D97-AF65-F5344CB8AC3E}">
-        <p14:creationId xmlns:p14="http://schemas.microsoft.com/office/powerpoint/2010/main" val="4289267165"/>
+        <p14:creationId xmlns:p14="http://schemas.microsoft.com/office/powerpoint/2010/main" val="659200154"/>
       </p:ext>
     </p:extLst>
   </p:cSld>
@@ -19315,27 +19018,7 @@
                 <a:latin typeface="Times New Roman" panose="02020603050405020304" pitchFamily="18" charset="0"/>
                 <a:cs typeface="Times New Roman" panose="02020603050405020304" pitchFamily="18" charset="0"/>
               </a:rPr>
-              <a:t> </a:t>
-            </a:r>
-            <a:r>
-              <a:rPr lang="it-IT" altLang="it-IT" sz="3600" b="1" kern="0" dirty="0" smtClean="0">
-                <a:solidFill>
-                  <a:prstClr val="white"/>
-                </a:solidFill>
-                <a:latin typeface="Times New Roman" panose="02020603050405020304" pitchFamily="18" charset="0"/>
-                <a:cs typeface="Times New Roman" panose="02020603050405020304" pitchFamily="18" charset="0"/>
-              </a:rPr>
-              <a:t>   Processi </a:t>
-            </a:r>
-            <a:r>
-              <a:rPr lang="it-IT" altLang="it-IT" sz="3600" b="1" kern="0" dirty="0" smtClean="0">
-                <a:solidFill>
-                  <a:prstClr val="white"/>
-                </a:solidFill>
-                <a:latin typeface="Times New Roman" panose="02020603050405020304" pitchFamily="18" charset="0"/>
-                <a:cs typeface="Times New Roman" panose="02020603050405020304" pitchFamily="18" charset="0"/>
-              </a:rPr>
-              <a:t>diffusivi con BM correlati - 1</a:t>
+              <a:t>    Processi diffusivi con BM indipendenti</a:t>
             </a:r>
             <a:endParaRPr lang="it-IT" altLang="it-IT" sz="3600" b="1" kern="0" dirty="0">
               <a:solidFill>
@@ -19444,7 +19127,7 @@
       </p:pic>
       <p:pic>
         <p:nvPicPr>
-          <p:cNvPr id="3" name="Picture 2"/>
+          <p:cNvPr id="4" name="Picture 3"/>
           <p:cNvPicPr>
             <a:picLocks noChangeAspect="1"/>
           </p:cNvPicPr>
@@ -19458,8 +19141,8 @@
         </p:blipFill>
         <p:spPr>
           <a:xfrm>
-            <a:off x="1229555" y="2105031"/>
-            <a:ext cx="9315450" cy="3562350"/>
+            <a:off x="1189798" y="2305050"/>
+            <a:ext cx="9315450" cy="2247900"/>
           </a:xfrm>
           <a:prstGeom prst="rect">
             <a:avLst/>
@@ -19469,7 +19152,7 @@
     </p:spTree>
     <p:extLst>
       <p:ext uri="{BB962C8B-B14F-4D97-AF65-F5344CB8AC3E}">
-        <p14:creationId xmlns:p14="http://schemas.microsoft.com/office/powerpoint/2010/main" val="1726030417"/>
+        <p14:creationId xmlns:p14="http://schemas.microsoft.com/office/powerpoint/2010/main" val="4289267165"/>
       </p:ext>
     </p:extLst>
   </p:cSld>
@@ -19604,27 +19287,7 @@
                 <a:latin typeface="Times New Roman" panose="02020603050405020304" pitchFamily="18" charset="0"/>
                 <a:cs typeface="Times New Roman" panose="02020603050405020304" pitchFamily="18" charset="0"/>
               </a:rPr>
-              <a:t> </a:t>
-            </a:r>
-            <a:r>
-              <a:rPr lang="it-IT" altLang="it-IT" sz="3600" b="1" kern="0" dirty="0" smtClean="0">
-                <a:solidFill>
-                  <a:prstClr val="white"/>
-                </a:solidFill>
-                <a:latin typeface="Times New Roman" panose="02020603050405020304" pitchFamily="18" charset="0"/>
-                <a:cs typeface="Times New Roman" panose="02020603050405020304" pitchFamily="18" charset="0"/>
-              </a:rPr>
-              <a:t>   Processi </a:t>
-            </a:r>
-            <a:r>
-              <a:rPr lang="it-IT" altLang="it-IT" sz="3600" b="1" kern="0" dirty="0" smtClean="0">
-                <a:solidFill>
-                  <a:prstClr val="white"/>
-                </a:solidFill>
-                <a:latin typeface="Times New Roman" panose="02020603050405020304" pitchFamily="18" charset="0"/>
-                <a:cs typeface="Times New Roman" panose="02020603050405020304" pitchFamily="18" charset="0"/>
-              </a:rPr>
-              <a:t>diffusivi con BM correlati - 2</a:t>
+              <a:t>    Processi diffusivi con BM correlati - 1</a:t>
             </a:r>
             <a:endParaRPr lang="it-IT" altLang="it-IT" sz="3600" b="1" kern="0" dirty="0">
               <a:solidFill>
@@ -19733,7 +19396,7 @@
       </p:pic>
       <p:pic>
         <p:nvPicPr>
-          <p:cNvPr id="4" name="Picture 3"/>
+          <p:cNvPr id="3" name="Picture 2"/>
           <p:cNvPicPr>
             <a:picLocks noChangeAspect="1"/>
           </p:cNvPicPr>
@@ -19747,32 +19410,8 @@
         </p:blipFill>
         <p:spPr>
           <a:xfrm>
-            <a:off x="1014209" y="2074791"/>
-            <a:ext cx="9467850" cy="3086100"/>
-          </a:xfrm>
-          <a:prstGeom prst="rect">
-            <a:avLst/>
-          </a:prstGeom>
-        </p:spPr>
-      </p:pic>
-      <p:pic>
-        <p:nvPicPr>
-          <p:cNvPr id="6" name="Picture 5"/>
-          <p:cNvPicPr>
-            <a:picLocks noChangeAspect="1"/>
-          </p:cNvPicPr>
-          <p:nvPr/>
-        </p:nvPicPr>
-        <p:blipFill>
-          <a:blip r:embed="rId5"/>
-          <a:stretch>
-            <a:fillRect/>
-          </a:stretch>
-        </p:blipFill>
-        <p:spPr>
-          <a:xfrm>
-            <a:off x="983563" y="5071437"/>
-            <a:ext cx="9429750" cy="1485900"/>
+            <a:off x="1229555" y="2105031"/>
+            <a:ext cx="9315450" cy="3562350"/>
           </a:xfrm>
           <a:prstGeom prst="rect">
             <a:avLst/>
@@ -19782,7 +19421,7 @@
     </p:spTree>
     <p:extLst>
       <p:ext uri="{BB962C8B-B14F-4D97-AF65-F5344CB8AC3E}">
-        <p14:creationId xmlns:p14="http://schemas.microsoft.com/office/powerpoint/2010/main" val="3929678483"/>
+        <p14:creationId xmlns:p14="http://schemas.microsoft.com/office/powerpoint/2010/main" val="1726030417"/>
       </p:ext>
     </p:extLst>
   </p:cSld>
@@ -19917,37 +19556,7 @@
                 <a:latin typeface="Times New Roman" panose="02020603050405020304" pitchFamily="18" charset="0"/>
                 <a:cs typeface="Times New Roman" panose="02020603050405020304" pitchFamily="18" charset="0"/>
               </a:rPr>
-              <a:t> </a:t>
-            </a:r>
-            <a:r>
-              <a:rPr lang="it-IT" altLang="it-IT" sz="3600" b="1" kern="0" dirty="0" smtClean="0">
-                <a:solidFill>
-                  <a:prstClr val="white"/>
-                </a:solidFill>
-                <a:latin typeface="Times New Roman" panose="02020603050405020304" pitchFamily="18" charset="0"/>
-                <a:cs typeface="Times New Roman" panose="02020603050405020304" pitchFamily="18" charset="0"/>
-              </a:rPr>
-              <a:t>   Scomposizione </a:t>
-            </a:r>
-            <a:r>
-              <a:rPr lang="it-IT" altLang="it-IT" sz="3600" b="1" kern="0" dirty="0" smtClean="0">
-                <a:solidFill>
-                  <a:prstClr val="white"/>
-                </a:solidFill>
-                <a:latin typeface="Times New Roman" panose="02020603050405020304" pitchFamily="18" charset="0"/>
-                <a:cs typeface="Times New Roman" panose="02020603050405020304" pitchFamily="18" charset="0"/>
-              </a:rPr>
-              <a:t>di </a:t>
-            </a:r>
-            <a:r>
-              <a:rPr lang="it-IT" altLang="it-IT" sz="3600" b="1" kern="0" dirty="0" err="1" smtClean="0">
-                <a:solidFill>
-                  <a:prstClr val="white"/>
-                </a:solidFill>
-                <a:latin typeface="Times New Roman" panose="02020603050405020304" pitchFamily="18" charset="0"/>
-                <a:cs typeface="Times New Roman" panose="02020603050405020304" pitchFamily="18" charset="0"/>
-              </a:rPr>
-              <a:t>Cholesky</a:t>
+              <a:t>    Processi diffusivi con BM correlati - 2</a:t>
             </a:r>
             <a:endParaRPr lang="it-IT" altLang="it-IT" sz="3600" b="1" kern="0" dirty="0">
               <a:solidFill>
@@ -20056,7 +19665,7 @@
       </p:pic>
       <p:pic>
         <p:nvPicPr>
-          <p:cNvPr id="3" name="Picture 2"/>
+          <p:cNvPr id="4" name="Picture 3"/>
           <p:cNvPicPr>
             <a:picLocks noChangeAspect="1"/>
           </p:cNvPicPr>
@@ -20070,8 +19679,32 @@
         </p:blipFill>
         <p:spPr>
           <a:xfrm>
-            <a:off x="1159561" y="2065377"/>
-            <a:ext cx="8918716" cy="4536166"/>
+            <a:off x="1014209" y="2074791"/>
+            <a:ext cx="9467850" cy="3086100"/>
+          </a:xfrm>
+          <a:prstGeom prst="rect">
+            <a:avLst/>
+          </a:prstGeom>
+        </p:spPr>
+      </p:pic>
+      <p:pic>
+        <p:nvPicPr>
+          <p:cNvPr id="6" name="Picture 5"/>
+          <p:cNvPicPr>
+            <a:picLocks noChangeAspect="1"/>
+          </p:cNvPicPr>
+          <p:nvPr/>
+        </p:nvPicPr>
+        <p:blipFill>
+          <a:blip r:embed="rId5"/>
+          <a:stretch>
+            <a:fillRect/>
+          </a:stretch>
+        </p:blipFill>
+        <p:spPr>
+          <a:xfrm>
+            <a:off x="983563" y="5071437"/>
+            <a:ext cx="9429750" cy="1485900"/>
           </a:xfrm>
           <a:prstGeom prst="rect">
             <a:avLst/>
@@ -20081,7 +19714,7 @@
     </p:spTree>
     <p:extLst>
       <p:ext uri="{BB962C8B-B14F-4D97-AF65-F5344CB8AC3E}">
-        <p14:creationId xmlns:p14="http://schemas.microsoft.com/office/powerpoint/2010/main" val="2040645858"/>
+        <p14:creationId xmlns:p14="http://schemas.microsoft.com/office/powerpoint/2010/main" val="3929678483"/>
       </p:ext>
     </p:extLst>
   </p:cSld>
@@ -20216,47 +19849,17 @@
                 <a:latin typeface="Times New Roman" panose="02020603050405020304" pitchFamily="18" charset="0"/>
                 <a:cs typeface="Times New Roman" panose="02020603050405020304" pitchFamily="18" charset="0"/>
               </a:rPr>
-              <a:t> </a:t>
-            </a:r>
-            <a:r>
-              <a:rPr lang="it-IT" altLang="it-IT" sz="3600" b="1" kern="0" dirty="0" smtClean="0">
+              <a:t>    Scomposizione di </a:t>
+            </a:r>
+            <a:r>
+              <a:rPr lang="it-IT" altLang="it-IT" sz="3600" b="1" kern="0" dirty="0" err="1" smtClean="0">
                 <a:solidFill>
                   <a:prstClr val="white"/>
                 </a:solidFill>
                 <a:latin typeface="Times New Roman" panose="02020603050405020304" pitchFamily="18" charset="0"/>
                 <a:cs typeface="Times New Roman" panose="02020603050405020304" pitchFamily="18" charset="0"/>
               </a:rPr>
-              <a:t>   Esempio </a:t>
-            </a:r>
-            <a:r>
-              <a:rPr lang="it-IT" altLang="it-IT" sz="3600" b="1" kern="0" dirty="0" smtClean="0">
-                <a:solidFill>
-                  <a:prstClr val="white"/>
-                </a:solidFill>
-                <a:latin typeface="Times New Roman" panose="02020603050405020304" pitchFamily="18" charset="0"/>
-                <a:cs typeface="Times New Roman" panose="02020603050405020304" pitchFamily="18" charset="0"/>
-              </a:rPr>
-              <a:t>di </a:t>
-            </a:r>
-            <a:r>
-              <a:rPr lang="it-IT" altLang="it-IT" sz="3600" b="1" kern="0" dirty="0" err="1" smtClean="0">
-                <a:solidFill>
-                  <a:prstClr val="white"/>
-                </a:solidFill>
-                <a:latin typeface="Times New Roman" panose="02020603050405020304" pitchFamily="18" charset="0"/>
-                <a:cs typeface="Times New Roman" panose="02020603050405020304" pitchFamily="18" charset="0"/>
-              </a:rPr>
-              <a:t>diagonalizzazione</a:t>
-            </a:r>
-            <a:r>
-              <a:rPr lang="it-IT" altLang="it-IT" sz="3600" b="1" kern="0" dirty="0" smtClean="0">
-                <a:solidFill>
-                  <a:prstClr val="white"/>
-                </a:solidFill>
-                <a:latin typeface="Times New Roman" panose="02020603050405020304" pitchFamily="18" charset="0"/>
-                <a:cs typeface="Times New Roman" panose="02020603050405020304" pitchFamily="18" charset="0"/>
-              </a:rPr>
-              <a:t> - 1</a:t>
+              <a:t>Cholesky</a:t>
             </a:r>
             <a:endParaRPr lang="it-IT" altLang="it-IT" sz="3600" b="1" kern="0" dirty="0">
               <a:solidFill>
@@ -20365,7 +19968,7 @@
       </p:pic>
       <p:pic>
         <p:nvPicPr>
-          <p:cNvPr id="11" name="Picture 10"/>
+          <p:cNvPr id="4" name="Picture 3"/>
           <p:cNvPicPr>
             <a:picLocks noChangeAspect="1"/>
           </p:cNvPicPr>
@@ -20379,32 +19982,8 @@
         </p:blipFill>
         <p:spPr>
           <a:xfrm>
-            <a:off x="1172926" y="2297324"/>
-            <a:ext cx="2047875" cy="400050"/>
-          </a:xfrm>
-          <a:prstGeom prst="rect">
-            <a:avLst/>
-          </a:prstGeom>
-        </p:spPr>
-      </p:pic>
-      <p:pic>
-        <p:nvPicPr>
-          <p:cNvPr id="15" name="Picture 14"/>
-          <p:cNvPicPr>
-            <a:picLocks noChangeAspect="1"/>
-          </p:cNvPicPr>
-          <p:nvPr/>
-        </p:nvPicPr>
-        <p:blipFill>
-          <a:blip r:embed="rId5"/>
-          <a:stretch>
-            <a:fillRect/>
-          </a:stretch>
-        </p:blipFill>
-        <p:spPr>
-          <a:xfrm>
-            <a:off x="1677436" y="2699304"/>
-            <a:ext cx="7743825" cy="2552700"/>
+            <a:off x="2223256" y="2026568"/>
+            <a:ext cx="7109585" cy="4717132"/>
           </a:xfrm>
           <a:prstGeom prst="rect">
             <a:avLst/>
@@ -20414,7 +19993,7 @@
     </p:spTree>
     <p:extLst>
       <p:ext uri="{BB962C8B-B14F-4D97-AF65-F5344CB8AC3E}">
-        <p14:creationId xmlns:p14="http://schemas.microsoft.com/office/powerpoint/2010/main" val="578234915"/>
+        <p14:creationId xmlns:p14="http://schemas.microsoft.com/office/powerpoint/2010/main" val="2040645858"/>
       </p:ext>
     </p:extLst>
   </p:cSld>
@@ -20549,7 +20128,7 @@
                 <a:latin typeface="Times New Roman" panose="02020603050405020304" pitchFamily="18" charset="0"/>
                 <a:cs typeface="Times New Roman" panose="02020603050405020304" pitchFamily="18" charset="0"/>
               </a:rPr>
-              <a:t> Esempio di </a:t>
+              <a:t>    Esempio di </a:t>
             </a:r>
             <a:r>
               <a:rPr lang="it-IT" altLang="it-IT" sz="3600" b="1" kern="0" dirty="0" err="1" smtClean="0">
@@ -20569,18 +20148,15 @@
                 <a:latin typeface="Times New Roman" panose="02020603050405020304" pitchFamily="18" charset="0"/>
                 <a:cs typeface="Times New Roman" panose="02020603050405020304" pitchFamily="18" charset="0"/>
               </a:rPr>
-              <a:t> - </a:t>
-            </a:r>
-            <a:r>
-              <a:rPr lang="it-IT" altLang="it-IT" sz="3600" b="1" kern="0" dirty="0">
-                <a:solidFill>
-                  <a:prstClr val="white"/>
-                </a:solidFill>
-                <a:latin typeface="Times New Roman" panose="02020603050405020304" pitchFamily="18" charset="0"/>
-                <a:cs typeface="Times New Roman" panose="02020603050405020304" pitchFamily="18" charset="0"/>
-              </a:rPr>
-              <a:t>2</a:t>
-            </a:r>
+              <a:t> - 1</a:t>
+            </a:r>
+            <a:endParaRPr lang="it-IT" altLang="it-IT" sz="3600" b="1" kern="0" dirty="0">
+              <a:solidFill>
+                <a:prstClr val="white"/>
+              </a:solidFill>
+              <a:latin typeface="Times New Roman" panose="02020603050405020304" pitchFamily="18" charset="0"/>
+              <a:cs typeface="Times New Roman" panose="02020603050405020304" pitchFamily="18" charset="0"/>
+            </a:endParaRPr>
           </a:p>
         </p:txBody>
       </p:sp>
@@ -20681,7 +20257,7 @@
       </p:pic>
       <p:pic>
         <p:nvPicPr>
-          <p:cNvPr id="3" name="Picture 2"/>
+          <p:cNvPr id="11" name="Picture 10"/>
           <p:cNvPicPr>
             <a:picLocks noChangeAspect="1"/>
           </p:cNvPicPr>
@@ -20695,8 +20271,32 @@
         </p:blipFill>
         <p:spPr>
           <a:xfrm>
-            <a:off x="1616557" y="2348327"/>
-            <a:ext cx="7686675" cy="3095625"/>
+            <a:off x="1172926" y="2297324"/>
+            <a:ext cx="2047875" cy="400050"/>
+          </a:xfrm>
+          <a:prstGeom prst="rect">
+            <a:avLst/>
+          </a:prstGeom>
+        </p:spPr>
+      </p:pic>
+      <p:pic>
+        <p:nvPicPr>
+          <p:cNvPr id="15" name="Picture 14"/>
+          <p:cNvPicPr>
+            <a:picLocks noChangeAspect="1"/>
+          </p:cNvPicPr>
+          <p:nvPr/>
+        </p:nvPicPr>
+        <p:blipFill>
+          <a:blip r:embed="rId5"/>
+          <a:stretch>
+            <a:fillRect/>
+          </a:stretch>
+        </p:blipFill>
+        <p:spPr>
+          <a:xfrm>
+            <a:off x="1677436" y="2699304"/>
+            <a:ext cx="7743825" cy="2552700"/>
           </a:xfrm>
           <a:prstGeom prst="rect">
             <a:avLst/>
@@ -20706,7 +20306,7 @@
     </p:spTree>
     <p:extLst>
       <p:ext uri="{BB962C8B-B14F-4D97-AF65-F5344CB8AC3E}">
-        <p14:creationId xmlns:p14="http://schemas.microsoft.com/office/powerpoint/2010/main" val="2956216612"/>
+        <p14:creationId xmlns:p14="http://schemas.microsoft.com/office/powerpoint/2010/main" val="578234915"/>
       </p:ext>
     </p:extLst>
   </p:cSld>
@@ -20851,27 +20451,7 @@
                 <a:latin typeface="Times New Roman" panose="02020603050405020304" pitchFamily="18" charset="0"/>
                 <a:cs typeface="Times New Roman" panose="02020603050405020304" pitchFamily="18" charset="0"/>
               </a:rPr>
-              <a:t>triangolazone</a:t>
-            </a:r>
-            <a:r>
-              <a:rPr lang="it-IT" altLang="it-IT" sz="3600" b="1" kern="0" dirty="0" smtClean="0">
-                <a:solidFill>
-                  <a:prstClr val="white"/>
-                </a:solidFill>
-                <a:latin typeface="Times New Roman" panose="02020603050405020304" pitchFamily="18" charset="0"/>
-                <a:cs typeface="Times New Roman" panose="02020603050405020304" pitchFamily="18" charset="0"/>
-              </a:rPr>
-              <a:t> di </a:t>
-            </a:r>
-            <a:r>
-              <a:rPr lang="it-IT" altLang="it-IT" sz="3600" b="1" kern="0" dirty="0" err="1" smtClean="0">
-                <a:solidFill>
-                  <a:prstClr val="white"/>
-                </a:solidFill>
-                <a:latin typeface="Times New Roman" panose="02020603050405020304" pitchFamily="18" charset="0"/>
-                <a:cs typeface="Times New Roman" panose="02020603050405020304" pitchFamily="18" charset="0"/>
-              </a:rPr>
-              <a:t>Cholesky</a:t>
+              <a:t>diagonalizzazione</a:t>
             </a:r>
             <a:r>
               <a:rPr lang="it-IT" altLang="it-IT" sz="3600" b="1" kern="0" dirty="0" smtClean="0">
@@ -20993,7 +20573,7 @@
       </p:pic>
       <p:pic>
         <p:nvPicPr>
-          <p:cNvPr id="4" name="Picture 3"/>
+          <p:cNvPr id="3" name="Picture 2"/>
           <p:cNvPicPr>
             <a:picLocks noChangeAspect="1"/>
           </p:cNvPicPr>
@@ -21007,32 +20587,8 @@
         </p:blipFill>
         <p:spPr>
           <a:xfrm>
-            <a:off x="899703" y="2167976"/>
-            <a:ext cx="5800725" cy="1428750"/>
-          </a:xfrm>
-          <a:prstGeom prst="rect">
-            <a:avLst/>
-          </a:prstGeom>
-        </p:spPr>
-      </p:pic>
-      <p:pic>
-        <p:nvPicPr>
-          <p:cNvPr id="10" name="Picture 9"/>
-          <p:cNvPicPr>
-            <a:picLocks noChangeAspect="1"/>
-          </p:cNvPicPr>
-          <p:nvPr/>
-        </p:nvPicPr>
-        <p:blipFill>
-          <a:blip r:embed="rId5"/>
-          <a:stretch>
-            <a:fillRect/>
-          </a:stretch>
-        </p:blipFill>
-        <p:spPr>
-          <a:xfrm>
-            <a:off x="1235973" y="3714126"/>
-            <a:ext cx="9382125" cy="2828925"/>
+            <a:off x="1616557" y="2348327"/>
+            <a:ext cx="7686675" cy="3095625"/>
           </a:xfrm>
           <a:prstGeom prst="rect">
             <a:avLst/>
@@ -21042,7 +20598,7 @@
     </p:spTree>
     <p:extLst>
       <p:ext uri="{BB962C8B-B14F-4D97-AF65-F5344CB8AC3E}">
-        <p14:creationId xmlns:p14="http://schemas.microsoft.com/office/powerpoint/2010/main" val="3884916320"/>
+        <p14:creationId xmlns:p14="http://schemas.microsoft.com/office/powerpoint/2010/main" val="2956216612"/>
       </p:ext>
     </p:extLst>
   </p:cSld>
@@ -21177,17 +20733,17 @@
                 <a:latin typeface="Times New Roman" panose="02020603050405020304" pitchFamily="18" charset="0"/>
                 <a:cs typeface="Times New Roman" panose="02020603050405020304" pitchFamily="18" charset="0"/>
               </a:rPr>
-              <a:t> </a:t>
-            </a:r>
-            <a:r>
-              <a:rPr lang="it-IT" altLang="it-IT" sz="3600" b="1" kern="0" dirty="0">
+              <a:t> Esempio di </a:t>
+            </a:r>
+            <a:r>
+              <a:rPr lang="it-IT" altLang="it-IT" sz="3600" b="1" kern="0" dirty="0" err="1" smtClean="0">
                 <a:solidFill>
                   <a:prstClr val="white"/>
                 </a:solidFill>
                 <a:latin typeface="Times New Roman" panose="02020603050405020304" pitchFamily="18" charset="0"/>
                 <a:cs typeface="Times New Roman" panose="02020603050405020304" pitchFamily="18" charset="0"/>
               </a:rPr>
-              <a:t>L</a:t>
+              <a:t>triangolazone</a:t>
             </a:r>
             <a:r>
               <a:rPr lang="it-IT" altLang="it-IT" sz="3600" b="1" kern="0" dirty="0" smtClean="0">
@@ -21197,7 +20753,7 @@
                 <a:latin typeface="Times New Roman" panose="02020603050405020304" pitchFamily="18" charset="0"/>
                 <a:cs typeface="Times New Roman" panose="02020603050405020304" pitchFamily="18" charset="0"/>
               </a:rPr>
-              <a:t>emma di </a:t>
+              <a:t> di </a:t>
             </a:r>
             <a:r>
               <a:rPr lang="it-IT" altLang="it-IT" sz="3600" b="1" kern="0" dirty="0" err="1" smtClean="0">
@@ -21207,37 +20763,7 @@
                 <a:latin typeface="Times New Roman" panose="02020603050405020304" pitchFamily="18" charset="0"/>
                 <a:cs typeface="Times New Roman" panose="02020603050405020304" pitchFamily="18" charset="0"/>
               </a:rPr>
-              <a:t>Ito</a:t>
-            </a:r>
-            <a:r>
-              <a:rPr lang="it-IT" altLang="it-IT" sz="3600" b="1" kern="0" dirty="0" smtClean="0">
-                <a:solidFill>
-                  <a:prstClr val="white"/>
-                </a:solidFill>
-                <a:latin typeface="Times New Roman" panose="02020603050405020304" pitchFamily="18" charset="0"/>
-                <a:cs typeface="Times New Roman" panose="02020603050405020304" pitchFamily="18" charset="0"/>
-              </a:rPr>
-              <a:t> </a:t>
-            </a:r>
-            <a:r>
-              <a:rPr lang="it-IT" altLang="it-IT" sz="3600" b="1" kern="0" dirty="0" err="1" smtClean="0">
-                <a:solidFill>
-                  <a:prstClr val="white"/>
-                </a:solidFill>
-                <a:latin typeface="Times New Roman" panose="02020603050405020304" pitchFamily="18" charset="0"/>
-                <a:cs typeface="Times New Roman" panose="02020603050405020304" pitchFamily="18" charset="0"/>
-              </a:rPr>
-              <a:t>multdimensionale</a:t>
-            </a:r>
-            <a:r>
-              <a:rPr lang="it-IT" altLang="it-IT" sz="3600" b="1" kern="0" dirty="0" smtClean="0">
-                <a:solidFill>
-                  <a:prstClr val="white"/>
-                </a:solidFill>
-                <a:latin typeface="Times New Roman" panose="02020603050405020304" pitchFamily="18" charset="0"/>
-                <a:cs typeface="Times New Roman" panose="02020603050405020304" pitchFamily="18" charset="0"/>
-              </a:rPr>
-              <a:t> - 1</a:t>
+              <a:t>Cholesky</a:t>
             </a:r>
             <a:endParaRPr lang="it-IT" altLang="it-IT" sz="3600" b="1" kern="0" dirty="0">
               <a:solidFill>
@@ -21346,7 +20872,7 @@
       </p:pic>
       <p:pic>
         <p:nvPicPr>
-          <p:cNvPr id="3" name="Picture 2"/>
+          <p:cNvPr id="4" name="Picture 3"/>
           <p:cNvPicPr>
             <a:picLocks noChangeAspect="1"/>
           </p:cNvPicPr>
@@ -21360,17 +20886,17 @@
         </p:blipFill>
         <p:spPr>
           <a:xfrm>
-            <a:off x="1109866" y="2039594"/>
-            <a:ext cx="9296400" cy="2381250"/>
-          </a:xfrm>
-          <a:prstGeom prst="rect">
-            <a:avLst/>
-          </a:prstGeom>
-        </p:spPr>
-      </p:pic>
-      <p:pic>
-        <p:nvPicPr>
-          <p:cNvPr id="6" name="Picture 5"/>
+            <a:off x="899703" y="2167976"/>
+            <a:ext cx="5800725" cy="1428750"/>
+          </a:xfrm>
+          <a:prstGeom prst="rect">
+            <a:avLst/>
+          </a:prstGeom>
+        </p:spPr>
+      </p:pic>
+      <p:pic>
+        <p:nvPicPr>
+          <p:cNvPr id="10" name="Picture 9"/>
           <p:cNvPicPr>
             <a:picLocks noChangeAspect="1"/>
           </p:cNvPicPr>
@@ -21384,104 +20910,8 @@
         </p:blipFill>
         <p:spPr>
           <a:xfrm>
-            <a:off x="1483631" y="2150370"/>
-            <a:ext cx="1114425" cy="390525"/>
-          </a:xfrm>
-          <a:prstGeom prst="rect">
-            <a:avLst/>
-          </a:prstGeom>
-        </p:spPr>
-      </p:pic>
-      <p:pic>
-        <p:nvPicPr>
-          <p:cNvPr id="11" name="Picture 10"/>
-          <p:cNvPicPr>
-            <a:picLocks noChangeAspect="1"/>
-          </p:cNvPicPr>
-          <p:nvPr/>
-        </p:nvPicPr>
-        <p:blipFill>
-          <a:blip r:embed="rId6"/>
-          <a:stretch>
-            <a:fillRect/>
-          </a:stretch>
-        </p:blipFill>
-        <p:spPr>
-          <a:xfrm>
-            <a:off x="876105" y="2078106"/>
-            <a:ext cx="600075" cy="495300"/>
-          </a:xfrm>
-          <a:prstGeom prst="rect">
-            <a:avLst/>
-          </a:prstGeom>
-        </p:spPr>
-      </p:pic>
-      <p:pic>
-        <p:nvPicPr>
-          <p:cNvPr id="12" name="Picture 11"/>
-          <p:cNvPicPr>
-            <a:picLocks noChangeAspect="1"/>
-          </p:cNvPicPr>
-          <p:nvPr/>
-        </p:nvPicPr>
-        <p:blipFill>
-          <a:blip r:embed="rId6"/>
-          <a:stretch>
-            <a:fillRect/>
-          </a:stretch>
-        </p:blipFill>
-        <p:spPr>
-          <a:xfrm>
-            <a:off x="9910750" y="4016238"/>
-            <a:ext cx="600075" cy="495300"/>
-          </a:xfrm>
-          <a:prstGeom prst="rect">
-            <a:avLst/>
-          </a:prstGeom>
-        </p:spPr>
-      </p:pic>
-      <p:pic>
-        <p:nvPicPr>
-          <p:cNvPr id="14" name="Picture 13"/>
-          <p:cNvPicPr>
-            <a:picLocks noChangeAspect="1"/>
-          </p:cNvPicPr>
-          <p:nvPr/>
-        </p:nvPicPr>
-        <p:blipFill>
-          <a:blip r:embed="rId7"/>
-          <a:stretch>
-            <a:fillRect/>
-          </a:stretch>
-        </p:blipFill>
-        <p:spPr>
-          <a:xfrm>
-            <a:off x="9909099" y="3969029"/>
-            <a:ext cx="523875" cy="609600"/>
-          </a:xfrm>
-          <a:prstGeom prst="rect">
-            <a:avLst/>
-          </a:prstGeom>
-        </p:spPr>
-      </p:pic>
-      <p:pic>
-        <p:nvPicPr>
-          <p:cNvPr id="17" name="Picture 16"/>
-          <p:cNvPicPr>
-            <a:picLocks noChangeAspect="1"/>
-          </p:cNvPicPr>
-          <p:nvPr/>
-        </p:nvPicPr>
-        <p:blipFill>
-          <a:blip r:embed="rId8"/>
-          <a:stretch>
-            <a:fillRect/>
-          </a:stretch>
-        </p:blipFill>
-        <p:spPr>
-          <a:xfrm>
-            <a:off x="1223763" y="4464327"/>
-            <a:ext cx="3105150" cy="533400"/>
+            <a:off x="1235973" y="3714126"/>
+            <a:ext cx="9382125" cy="2828925"/>
           </a:xfrm>
           <a:prstGeom prst="rect">
             <a:avLst/>
@@ -21491,7 +20921,7 @@
     </p:spTree>
     <p:extLst>
       <p:ext uri="{BB962C8B-B14F-4D97-AF65-F5344CB8AC3E}">
-        <p14:creationId xmlns:p14="http://schemas.microsoft.com/office/powerpoint/2010/main" val="51110916"/>
+        <p14:creationId xmlns:p14="http://schemas.microsoft.com/office/powerpoint/2010/main" val="3884916320"/>
       </p:ext>
     </p:extLst>
   </p:cSld>
@@ -21876,7 +21306,7 @@
                 <a:latin typeface="Times New Roman" panose="02020603050405020304" pitchFamily="18" charset="0"/>
                 <a:cs typeface="Times New Roman" panose="02020603050405020304" pitchFamily="18" charset="0"/>
               </a:rPr>
-              <a:t> - 2</a:t>
+              <a:t> - 1</a:t>
             </a:r>
             <a:endParaRPr lang="it-IT" altLang="it-IT" sz="3600" b="1" kern="0" dirty="0">
               <a:solidFill>
@@ -21985,6 +21415,54 @@
       </p:pic>
       <p:pic>
         <p:nvPicPr>
+          <p:cNvPr id="3" name="Picture 2"/>
+          <p:cNvPicPr>
+            <a:picLocks noChangeAspect="1"/>
+          </p:cNvPicPr>
+          <p:nvPr/>
+        </p:nvPicPr>
+        <p:blipFill>
+          <a:blip r:embed="rId4"/>
+          <a:stretch>
+            <a:fillRect/>
+          </a:stretch>
+        </p:blipFill>
+        <p:spPr>
+          <a:xfrm>
+            <a:off x="1109866" y="2039594"/>
+            <a:ext cx="9296400" cy="2381250"/>
+          </a:xfrm>
+          <a:prstGeom prst="rect">
+            <a:avLst/>
+          </a:prstGeom>
+        </p:spPr>
+      </p:pic>
+      <p:pic>
+        <p:nvPicPr>
+          <p:cNvPr id="6" name="Picture 5"/>
+          <p:cNvPicPr>
+            <a:picLocks noChangeAspect="1"/>
+          </p:cNvPicPr>
+          <p:nvPr/>
+        </p:nvPicPr>
+        <p:blipFill>
+          <a:blip r:embed="rId5"/>
+          <a:stretch>
+            <a:fillRect/>
+          </a:stretch>
+        </p:blipFill>
+        <p:spPr>
+          <a:xfrm>
+            <a:off x="1483631" y="2150370"/>
+            <a:ext cx="1114425" cy="390525"/>
+          </a:xfrm>
+          <a:prstGeom prst="rect">
+            <a:avLst/>
+          </a:prstGeom>
+        </p:spPr>
+      </p:pic>
+      <p:pic>
+        <p:nvPicPr>
           <p:cNvPr id="11" name="Picture 10"/>
           <p:cNvPicPr>
             <a:picLocks noChangeAspect="1"/>
@@ -21992,7 +21470,7 @@
           <p:nvPr/>
         </p:nvPicPr>
         <p:blipFill>
-          <a:blip r:embed="rId4"/>
+          <a:blip r:embed="rId6"/>
           <a:stretch>
             <a:fillRect/>
           </a:stretch>
@@ -22016,7 +21494,7 @@
           <p:nvPr/>
         </p:nvPicPr>
         <p:blipFill>
-          <a:blip r:embed="rId4"/>
+          <a:blip r:embed="rId6"/>
           <a:stretch>
             <a:fillRect/>
           </a:stretch>
@@ -22033,55 +21511,7 @@
       </p:pic>
       <p:pic>
         <p:nvPicPr>
-          <p:cNvPr id="4" name="Picture 3"/>
-          <p:cNvPicPr>
-            <a:picLocks noChangeAspect="1"/>
-          </p:cNvPicPr>
-          <p:nvPr/>
-        </p:nvPicPr>
-        <p:blipFill>
-          <a:blip r:embed="rId5"/>
-          <a:stretch>
-            <a:fillRect/>
-          </a:stretch>
-        </p:blipFill>
-        <p:spPr>
-          <a:xfrm>
-            <a:off x="1138860" y="2171908"/>
-            <a:ext cx="6057900" cy="466725"/>
-          </a:xfrm>
-          <a:prstGeom prst="rect">
-            <a:avLst/>
-          </a:prstGeom>
-        </p:spPr>
-      </p:pic>
-      <p:pic>
-        <p:nvPicPr>
-          <p:cNvPr id="15" name="Picture 14"/>
-          <p:cNvPicPr>
-            <a:picLocks noChangeAspect="1"/>
-          </p:cNvPicPr>
-          <p:nvPr/>
-        </p:nvPicPr>
-        <p:blipFill>
-          <a:blip r:embed="rId6"/>
-          <a:stretch>
-            <a:fillRect/>
-          </a:stretch>
-        </p:blipFill>
-        <p:spPr>
-          <a:xfrm>
-            <a:off x="7139396" y="2250591"/>
-            <a:ext cx="3876675" cy="428625"/>
-          </a:xfrm>
-          <a:prstGeom prst="rect">
-            <a:avLst/>
-          </a:prstGeom>
-        </p:spPr>
-      </p:pic>
-      <p:pic>
-        <p:nvPicPr>
-          <p:cNvPr id="16" name="Picture 15"/>
+          <p:cNvPr id="14" name="Picture 13"/>
           <p:cNvPicPr>
             <a:picLocks noChangeAspect="1"/>
           </p:cNvPicPr>
@@ -22095,17 +21525,17 @@
         </p:blipFill>
         <p:spPr>
           <a:xfrm>
-            <a:off x="1152949" y="2568643"/>
-            <a:ext cx="762000" cy="428625"/>
-          </a:xfrm>
-          <a:prstGeom prst="rect">
-            <a:avLst/>
-          </a:prstGeom>
-        </p:spPr>
-      </p:pic>
-      <p:pic>
-        <p:nvPicPr>
-          <p:cNvPr id="18" name="Picture 17"/>
+            <a:off x="9909099" y="3969029"/>
+            <a:ext cx="523875" cy="609600"/>
+          </a:xfrm>
+          <a:prstGeom prst="rect">
+            <a:avLst/>
+          </a:prstGeom>
+        </p:spPr>
+      </p:pic>
+      <p:pic>
+        <p:nvPicPr>
+          <p:cNvPr id="17" name="Picture 16"/>
           <p:cNvPicPr>
             <a:picLocks noChangeAspect="1"/>
           </p:cNvPicPr>
@@ -22119,8 +21549,8 @@
         </p:blipFill>
         <p:spPr>
           <a:xfrm>
-            <a:off x="1265790" y="2904091"/>
-            <a:ext cx="9382125" cy="3514725"/>
+            <a:off x="1223763" y="4464327"/>
+            <a:ext cx="3105150" cy="533400"/>
           </a:xfrm>
           <a:prstGeom prst="rect">
             <a:avLst/>
@@ -22130,7 +21560,7 @@
     </p:spTree>
     <p:extLst>
       <p:ext uri="{BB962C8B-B14F-4D97-AF65-F5344CB8AC3E}">
-        <p14:creationId xmlns:p14="http://schemas.microsoft.com/office/powerpoint/2010/main" val="1195655536"/>
+        <p14:creationId xmlns:p14="http://schemas.microsoft.com/office/powerpoint/2010/main" val="51110916"/>
       </p:ext>
     </p:extLst>
   </p:cSld>
@@ -22325,17 +21755,7 @@
                 <a:latin typeface="Times New Roman" panose="02020603050405020304" pitchFamily="18" charset="0"/>
                 <a:cs typeface="Times New Roman" panose="02020603050405020304" pitchFamily="18" charset="0"/>
               </a:rPr>
-              <a:t> – </a:t>
-            </a:r>
-            <a:r>
-              <a:rPr lang="it-IT" altLang="it-IT" sz="3600" b="1" kern="0" dirty="0" smtClean="0">
-                <a:solidFill>
-                  <a:prstClr val="white"/>
-                </a:solidFill>
-                <a:latin typeface="Times New Roman" panose="02020603050405020304" pitchFamily="18" charset="0"/>
-                <a:cs typeface="Times New Roman" panose="02020603050405020304" pitchFamily="18" charset="0"/>
-              </a:rPr>
-              <a:t>Esercizio </a:t>
+              <a:t> - 2</a:t>
             </a:r>
             <a:endParaRPr lang="it-IT" altLang="it-IT" sz="3600" b="1" kern="0" dirty="0">
               <a:solidFill>
@@ -22492,7 +21912,7 @@
       </p:pic>
       <p:pic>
         <p:nvPicPr>
-          <p:cNvPr id="3" name="Picture 2"/>
+          <p:cNvPr id="4" name="Picture 3"/>
           <p:cNvPicPr>
             <a:picLocks noChangeAspect="1"/>
           </p:cNvPicPr>
@@ -22506,17 +21926,17 @@
         </p:blipFill>
         <p:spPr>
           <a:xfrm>
-            <a:off x="1089577" y="2105853"/>
-            <a:ext cx="9277350" cy="2686050"/>
-          </a:xfrm>
-          <a:prstGeom prst="rect">
-            <a:avLst/>
-          </a:prstGeom>
-        </p:spPr>
-      </p:pic>
-      <p:pic>
-        <p:nvPicPr>
-          <p:cNvPr id="6" name="Picture 5"/>
+            <a:off x="1138860" y="2171908"/>
+            <a:ext cx="6057900" cy="466725"/>
+          </a:xfrm>
+          <a:prstGeom prst="rect">
+            <a:avLst/>
+          </a:prstGeom>
+        </p:spPr>
+      </p:pic>
+      <p:pic>
+        <p:nvPicPr>
+          <p:cNvPr id="15" name="Picture 14"/>
           <p:cNvPicPr>
             <a:picLocks noChangeAspect="1"/>
           </p:cNvPicPr>
@@ -22530,17 +21950,17 @@
         </p:blipFill>
         <p:spPr>
           <a:xfrm>
-            <a:off x="10214723" y="2174598"/>
-            <a:ext cx="409575" cy="361950"/>
-          </a:xfrm>
-          <a:prstGeom prst="rect">
-            <a:avLst/>
-          </a:prstGeom>
-        </p:spPr>
-      </p:pic>
-      <p:pic>
-        <p:nvPicPr>
-          <p:cNvPr id="10" name="Picture 9"/>
+            <a:off x="7139396" y="2250591"/>
+            <a:ext cx="3876675" cy="428625"/>
+          </a:xfrm>
+          <a:prstGeom prst="rect">
+            <a:avLst/>
+          </a:prstGeom>
+        </p:spPr>
+      </p:pic>
+      <p:pic>
+        <p:nvPicPr>
+          <p:cNvPr id="16" name="Picture 15"/>
           <p:cNvPicPr>
             <a:picLocks noChangeAspect="1"/>
           </p:cNvPicPr>
@@ -22554,17 +21974,17 @@
         </p:blipFill>
         <p:spPr>
           <a:xfrm>
-            <a:off x="1118773" y="2147682"/>
-            <a:ext cx="9020175" cy="495300"/>
-          </a:xfrm>
-          <a:prstGeom prst="rect">
-            <a:avLst/>
-          </a:prstGeom>
-        </p:spPr>
-      </p:pic>
-      <p:pic>
-        <p:nvPicPr>
-          <p:cNvPr id="14" name="Picture 13"/>
+            <a:off x="1152949" y="2568643"/>
+            <a:ext cx="762000" cy="428625"/>
+          </a:xfrm>
+          <a:prstGeom prst="rect">
+            <a:avLst/>
+          </a:prstGeom>
+        </p:spPr>
+      </p:pic>
+      <p:pic>
+        <p:nvPicPr>
+          <p:cNvPr id="18" name="Picture 17"/>
           <p:cNvPicPr>
             <a:picLocks noChangeAspect="1"/>
           </p:cNvPicPr>
@@ -22578,32 +21998,8 @@
         </p:blipFill>
         <p:spPr>
           <a:xfrm>
-            <a:off x="10162340" y="2131321"/>
-            <a:ext cx="514350" cy="428625"/>
-          </a:xfrm>
-          <a:prstGeom prst="rect">
-            <a:avLst/>
-          </a:prstGeom>
-        </p:spPr>
-      </p:pic>
-      <p:pic>
-        <p:nvPicPr>
-          <p:cNvPr id="19" name="Picture 18"/>
-          <p:cNvPicPr>
-            <a:picLocks noChangeAspect="1"/>
-          </p:cNvPicPr>
-          <p:nvPr/>
-        </p:nvPicPr>
-        <p:blipFill>
-          <a:blip r:embed="rId8"/>
-          <a:stretch>
-            <a:fillRect/>
-          </a:stretch>
-        </p:blipFill>
-        <p:spPr>
-          <a:xfrm>
-            <a:off x="1157504" y="2528888"/>
-            <a:ext cx="514350" cy="428625"/>
+            <a:off x="1265790" y="2904091"/>
+            <a:ext cx="9382125" cy="3514725"/>
           </a:xfrm>
           <a:prstGeom prst="rect">
             <a:avLst/>
@@ -22613,7 +22009,7 @@
     </p:spTree>
     <p:extLst>
       <p:ext uri="{BB962C8B-B14F-4D97-AF65-F5344CB8AC3E}">
-        <p14:creationId xmlns:p14="http://schemas.microsoft.com/office/powerpoint/2010/main" val="250411789"/>
+        <p14:creationId xmlns:p14="http://schemas.microsoft.com/office/powerpoint/2010/main" val="1195655536"/>
       </p:ext>
     </p:extLst>
   </p:cSld>
@@ -22808,27 +22204,7 @@
                 <a:latin typeface="Times New Roman" panose="02020603050405020304" pitchFamily="18" charset="0"/>
                 <a:cs typeface="Times New Roman" panose="02020603050405020304" pitchFamily="18" charset="0"/>
               </a:rPr>
-              <a:t> – </a:t>
-            </a:r>
-            <a:r>
-              <a:rPr lang="it-IT" altLang="it-IT" sz="3600" b="1" kern="0" dirty="0">
-                <a:solidFill>
-                  <a:prstClr val="white"/>
-                </a:solidFill>
-                <a:latin typeface="Times New Roman" panose="02020603050405020304" pitchFamily="18" charset="0"/>
-                <a:cs typeface="Times New Roman" panose="02020603050405020304" pitchFamily="18" charset="0"/>
-              </a:rPr>
-              <a:t>S</a:t>
-            </a:r>
-            <a:r>
-              <a:rPr lang="it-IT" altLang="it-IT" sz="3600" b="1" kern="0" dirty="0" smtClean="0">
-                <a:solidFill>
-                  <a:prstClr val="white"/>
-                </a:solidFill>
-                <a:latin typeface="Times New Roman" panose="02020603050405020304" pitchFamily="18" charset="0"/>
-                <a:cs typeface="Times New Roman" panose="02020603050405020304" pitchFamily="18" charset="0"/>
-              </a:rPr>
-              <a:t>volgimento</a:t>
+              <a:t> – Esercizio </a:t>
             </a:r>
             <a:endParaRPr lang="it-IT" altLang="it-IT" sz="3600" b="1" kern="0" dirty="0">
               <a:solidFill>
@@ -22985,6 +22361,30 @@
       </p:pic>
       <p:pic>
         <p:nvPicPr>
+          <p:cNvPr id="3" name="Picture 2"/>
+          <p:cNvPicPr>
+            <a:picLocks noChangeAspect="1"/>
+          </p:cNvPicPr>
+          <p:nvPr/>
+        </p:nvPicPr>
+        <p:blipFill>
+          <a:blip r:embed="rId5"/>
+          <a:stretch>
+            <a:fillRect/>
+          </a:stretch>
+        </p:blipFill>
+        <p:spPr>
+          <a:xfrm>
+            <a:off x="1089577" y="2105853"/>
+            <a:ext cx="9277350" cy="2686050"/>
+          </a:xfrm>
+          <a:prstGeom prst="rect">
+            <a:avLst/>
+          </a:prstGeom>
+        </p:spPr>
+      </p:pic>
+      <p:pic>
+        <p:nvPicPr>
           <p:cNvPr id="6" name="Picture 5"/>
           <p:cNvPicPr>
             <a:picLocks noChangeAspect="1"/>
@@ -22992,7 +22392,7 @@
           <p:nvPr/>
         </p:nvPicPr>
         <p:blipFill>
-          <a:blip r:embed="rId5"/>
+          <a:blip r:embed="rId6"/>
           <a:stretch>
             <a:fillRect/>
           </a:stretch>
@@ -23009,6 +22409,30 @@
       </p:pic>
       <p:pic>
         <p:nvPicPr>
+          <p:cNvPr id="10" name="Picture 9"/>
+          <p:cNvPicPr>
+            <a:picLocks noChangeAspect="1"/>
+          </p:cNvPicPr>
+          <p:nvPr/>
+        </p:nvPicPr>
+        <p:blipFill>
+          <a:blip r:embed="rId7"/>
+          <a:stretch>
+            <a:fillRect/>
+          </a:stretch>
+        </p:blipFill>
+        <p:spPr>
+          <a:xfrm>
+            <a:off x="1118773" y="2147682"/>
+            <a:ext cx="9020175" cy="495300"/>
+          </a:xfrm>
+          <a:prstGeom prst="rect">
+            <a:avLst/>
+          </a:prstGeom>
+        </p:spPr>
+      </p:pic>
+      <p:pic>
+        <p:nvPicPr>
           <p:cNvPr id="14" name="Picture 13"/>
           <p:cNvPicPr>
             <a:picLocks noChangeAspect="1"/>
@@ -23016,7 +22440,7 @@
           <p:nvPr/>
         </p:nvPicPr>
         <p:blipFill>
-          <a:blip r:embed="rId6"/>
+          <a:blip r:embed="rId8"/>
           <a:stretch>
             <a:fillRect/>
           </a:stretch>
@@ -23040,7 +22464,7 @@
           <p:nvPr/>
         </p:nvPicPr>
         <p:blipFill>
-          <a:blip r:embed="rId6"/>
+          <a:blip r:embed="rId8"/>
           <a:stretch>
             <a:fillRect/>
           </a:stretch>
@@ -23049,30 +22473,6 @@
           <a:xfrm>
             <a:off x="1157504" y="2528888"/>
             <a:ext cx="514350" cy="428625"/>
-          </a:xfrm>
-          <a:prstGeom prst="rect">
-            <a:avLst/>
-          </a:prstGeom>
-        </p:spPr>
-      </p:pic>
-      <p:pic>
-        <p:nvPicPr>
-          <p:cNvPr id="4" name="Picture 3"/>
-          <p:cNvPicPr>
-            <a:picLocks noChangeAspect="1"/>
-          </p:cNvPicPr>
-          <p:nvPr/>
-        </p:nvPicPr>
-        <p:blipFill>
-          <a:blip r:embed="rId7"/>
-          <a:stretch>
-            <a:fillRect/>
-          </a:stretch>
-        </p:blipFill>
-        <p:spPr>
-          <a:xfrm>
-            <a:off x="1116913" y="2138568"/>
-            <a:ext cx="9163050" cy="3276600"/>
           </a:xfrm>
           <a:prstGeom prst="rect">
             <a:avLst/>
@@ -23082,7 +22482,7 @@
     </p:spTree>
     <p:extLst>
       <p:ext uri="{BB962C8B-B14F-4D97-AF65-F5344CB8AC3E}">
-        <p14:creationId xmlns:p14="http://schemas.microsoft.com/office/powerpoint/2010/main" val="3653059626"/>
+        <p14:creationId xmlns:p14="http://schemas.microsoft.com/office/powerpoint/2010/main" val="250411789"/>
       </p:ext>
     </p:extLst>
   </p:cSld>
@@ -23277,17 +22677,17 @@
                 <a:latin typeface="Times New Roman" panose="02020603050405020304" pitchFamily="18" charset="0"/>
                 <a:cs typeface="Times New Roman" panose="02020603050405020304" pitchFamily="18" charset="0"/>
               </a:rPr>
-              <a:t> – Esempio </a:t>
-            </a:r>
-            <a:r>
-              <a:rPr lang="it-IT" altLang="it-IT" sz="3600" b="1" kern="0" dirty="0" err="1" smtClean="0">
+              <a:t> – </a:t>
+            </a:r>
+            <a:r>
+              <a:rPr lang="it-IT" altLang="it-IT" sz="3600" b="1" kern="0" dirty="0">
                 <a:solidFill>
                   <a:prstClr val="white"/>
                 </a:solidFill>
                 <a:latin typeface="Times New Roman" panose="02020603050405020304" pitchFamily="18" charset="0"/>
                 <a:cs typeface="Times New Roman" panose="02020603050405020304" pitchFamily="18" charset="0"/>
               </a:rPr>
-              <a:t>pt</a:t>
+              <a:t>S</a:t>
             </a:r>
             <a:r>
               <a:rPr lang="it-IT" altLang="it-IT" sz="3600" b="1" kern="0" dirty="0" smtClean="0">
@@ -23297,7 +22697,7 @@
                 <a:latin typeface="Times New Roman" panose="02020603050405020304" pitchFamily="18" charset="0"/>
                 <a:cs typeface="Times New Roman" panose="02020603050405020304" pitchFamily="18" charset="0"/>
               </a:rPr>
-              <a:t>. 1</a:t>
+              <a:t>volgimento</a:t>
             </a:r>
             <a:endParaRPr lang="it-IT" altLang="it-IT" sz="3600" b="1" kern="0" dirty="0">
               <a:solidFill>
@@ -23526,7 +22926,7 @@
       </p:pic>
       <p:pic>
         <p:nvPicPr>
-          <p:cNvPr id="3" name="Picture 2"/>
+          <p:cNvPr id="4" name="Picture 3"/>
           <p:cNvPicPr>
             <a:picLocks noChangeAspect="1"/>
           </p:cNvPicPr>
@@ -23540,56 +22940,8 @@
         </p:blipFill>
         <p:spPr>
           <a:xfrm>
-            <a:off x="1159979" y="2136084"/>
-            <a:ext cx="7486650" cy="419100"/>
-          </a:xfrm>
-          <a:prstGeom prst="rect">
-            <a:avLst/>
-          </a:prstGeom>
-        </p:spPr>
-      </p:pic>
-      <p:pic>
-        <p:nvPicPr>
-          <p:cNvPr id="10" name="Picture 9"/>
-          <p:cNvPicPr>
-            <a:picLocks noChangeAspect="1"/>
-          </p:cNvPicPr>
-          <p:nvPr/>
-        </p:nvPicPr>
-        <p:blipFill>
-          <a:blip r:embed="rId8"/>
-          <a:stretch>
-            <a:fillRect/>
-          </a:stretch>
-        </p:blipFill>
-        <p:spPr>
-          <a:xfrm>
-            <a:off x="8637514" y="2184540"/>
-            <a:ext cx="1695450" cy="361950"/>
-          </a:xfrm>
-          <a:prstGeom prst="rect">
-            <a:avLst/>
-          </a:prstGeom>
-        </p:spPr>
-      </p:pic>
-      <p:pic>
-        <p:nvPicPr>
-          <p:cNvPr id="15" name="Picture 14"/>
-          <p:cNvPicPr>
-            <a:picLocks noChangeAspect="1"/>
-          </p:cNvPicPr>
-          <p:nvPr/>
-        </p:nvPicPr>
-        <p:blipFill>
-          <a:blip r:embed="rId9"/>
-          <a:stretch>
-            <a:fillRect/>
-          </a:stretch>
-        </p:blipFill>
-        <p:spPr>
-          <a:xfrm>
-            <a:off x="1157909" y="3245539"/>
-            <a:ext cx="8763000" cy="2076450"/>
+            <a:off x="1116913" y="2138568"/>
+            <a:ext cx="9163050" cy="3276600"/>
           </a:xfrm>
           <a:prstGeom prst="rect">
             <a:avLst/>
@@ -23599,7 +22951,7 @@
     </p:spTree>
     <p:extLst>
       <p:ext uri="{BB962C8B-B14F-4D97-AF65-F5344CB8AC3E}">
-        <p14:creationId xmlns:p14="http://schemas.microsoft.com/office/powerpoint/2010/main" val="2909616965"/>
+        <p14:creationId xmlns:p14="http://schemas.microsoft.com/office/powerpoint/2010/main" val="3653059626"/>
       </p:ext>
     </p:extLst>
   </p:cSld>
@@ -23814,7 +23166,7 @@
                 <a:latin typeface="Times New Roman" panose="02020603050405020304" pitchFamily="18" charset="0"/>
                 <a:cs typeface="Times New Roman" panose="02020603050405020304" pitchFamily="18" charset="0"/>
               </a:rPr>
-              <a:t>. 2</a:t>
+              <a:t>. 1</a:t>
             </a:r>
             <a:endParaRPr lang="it-IT" altLang="it-IT" sz="3600" b="1" kern="0" dirty="0">
               <a:solidFill>
@@ -24043,7 +23395,7 @@
       </p:pic>
       <p:pic>
         <p:nvPicPr>
-          <p:cNvPr id="16" name="Picture 15"/>
+          <p:cNvPr id="3" name="Picture 2"/>
           <p:cNvPicPr>
             <a:picLocks noChangeAspect="1"/>
           </p:cNvPicPr>
@@ -24057,17 +23409,17 @@
         </p:blipFill>
         <p:spPr>
           <a:xfrm>
-            <a:off x="3153602" y="2184951"/>
-            <a:ext cx="5010150" cy="1752600"/>
-          </a:xfrm>
-          <a:prstGeom prst="rect">
-            <a:avLst/>
-          </a:prstGeom>
-        </p:spPr>
-      </p:pic>
-      <p:pic>
-        <p:nvPicPr>
-          <p:cNvPr id="17" name="Picture 16"/>
+            <a:off x="1159979" y="2136084"/>
+            <a:ext cx="7486650" cy="419100"/>
+          </a:xfrm>
+          <a:prstGeom prst="rect">
+            <a:avLst/>
+          </a:prstGeom>
+        </p:spPr>
+      </p:pic>
+      <p:pic>
+        <p:nvPicPr>
+          <p:cNvPr id="10" name="Picture 9"/>
           <p:cNvPicPr>
             <a:picLocks noChangeAspect="1"/>
           </p:cNvPicPr>
@@ -24081,8 +23433,32 @@
         </p:blipFill>
         <p:spPr>
           <a:xfrm>
-            <a:off x="1234315" y="4042326"/>
-            <a:ext cx="9305925" cy="2152650"/>
+            <a:off x="8637514" y="2184540"/>
+            <a:ext cx="1695450" cy="361950"/>
+          </a:xfrm>
+          <a:prstGeom prst="rect">
+            <a:avLst/>
+          </a:prstGeom>
+        </p:spPr>
+      </p:pic>
+      <p:pic>
+        <p:nvPicPr>
+          <p:cNvPr id="15" name="Picture 14"/>
+          <p:cNvPicPr>
+            <a:picLocks noChangeAspect="1"/>
+          </p:cNvPicPr>
+          <p:nvPr/>
+        </p:nvPicPr>
+        <p:blipFill>
+          <a:blip r:embed="rId9"/>
+          <a:stretch>
+            <a:fillRect/>
+          </a:stretch>
+        </p:blipFill>
+        <p:spPr>
+          <a:xfrm>
+            <a:off x="1157909" y="3245539"/>
+            <a:ext cx="8763000" cy="2076450"/>
           </a:xfrm>
           <a:prstGeom prst="rect">
             <a:avLst/>
@@ -24092,7 +23468,7 @@
     </p:spTree>
     <p:extLst>
       <p:ext uri="{BB962C8B-B14F-4D97-AF65-F5344CB8AC3E}">
-        <p14:creationId xmlns:p14="http://schemas.microsoft.com/office/powerpoint/2010/main" val="2316250942"/>
+        <p14:creationId xmlns:p14="http://schemas.microsoft.com/office/powerpoint/2010/main" val="2909616965"/>
       </p:ext>
     </p:extLst>
   </p:cSld>
@@ -24227,7 +23603,27 @@
                 <a:latin typeface="Times New Roman" panose="02020603050405020304" pitchFamily="18" charset="0"/>
                 <a:cs typeface="Times New Roman" panose="02020603050405020304" pitchFamily="18" charset="0"/>
               </a:rPr>
-              <a:t> Teorema di </a:t>
+              <a:t> </a:t>
+            </a:r>
+            <a:r>
+              <a:rPr lang="it-IT" altLang="it-IT" sz="3600" b="1" kern="0" dirty="0">
+                <a:solidFill>
+                  <a:prstClr val="white"/>
+                </a:solidFill>
+                <a:latin typeface="Times New Roman" panose="02020603050405020304" pitchFamily="18" charset="0"/>
+                <a:cs typeface="Times New Roman" panose="02020603050405020304" pitchFamily="18" charset="0"/>
+              </a:rPr>
+              <a:t>L</a:t>
+            </a:r>
+            <a:r>
+              <a:rPr lang="it-IT" altLang="it-IT" sz="3600" b="1" kern="0" dirty="0" smtClean="0">
+                <a:solidFill>
+                  <a:prstClr val="white"/>
+                </a:solidFill>
+                <a:latin typeface="Times New Roman" panose="02020603050405020304" pitchFamily="18" charset="0"/>
+                <a:cs typeface="Times New Roman" panose="02020603050405020304" pitchFamily="18" charset="0"/>
+              </a:rPr>
+              <a:t>emma di </a:t>
             </a:r>
             <a:r>
               <a:rPr lang="it-IT" altLang="it-IT" sz="3600" b="1" kern="0" dirty="0" err="1" smtClean="0">
@@ -24237,7 +23633,7 @@
                 <a:latin typeface="Times New Roman" panose="02020603050405020304" pitchFamily="18" charset="0"/>
                 <a:cs typeface="Times New Roman" panose="02020603050405020304" pitchFamily="18" charset="0"/>
               </a:rPr>
-              <a:t>Feynman</a:t>
+              <a:t>Ito</a:t>
             </a:r>
             <a:r>
               <a:rPr lang="it-IT" altLang="it-IT" sz="3600" b="1" kern="0" dirty="0" smtClean="0">
@@ -24247,7 +23643,7 @@
                 <a:latin typeface="Times New Roman" panose="02020603050405020304" pitchFamily="18" charset="0"/>
                 <a:cs typeface="Times New Roman" panose="02020603050405020304" pitchFamily="18" charset="0"/>
               </a:rPr>
-              <a:t> – </a:t>
+              <a:t> </a:t>
             </a:r>
             <a:r>
               <a:rPr lang="it-IT" altLang="it-IT" sz="3600" b="1" kern="0" dirty="0" err="1" smtClean="0">
@@ -24257,7 +23653,7 @@
                 <a:latin typeface="Times New Roman" panose="02020603050405020304" pitchFamily="18" charset="0"/>
                 <a:cs typeface="Times New Roman" panose="02020603050405020304" pitchFamily="18" charset="0"/>
               </a:rPr>
-              <a:t>Kac</a:t>
+              <a:t>multdimensionale</a:t>
             </a:r>
             <a:r>
               <a:rPr lang="it-IT" altLang="it-IT" sz="3600" b="1" kern="0" dirty="0" smtClean="0">
@@ -24267,7 +23663,27 @@
                 <a:latin typeface="Times New Roman" panose="02020603050405020304" pitchFamily="18" charset="0"/>
                 <a:cs typeface="Times New Roman" panose="02020603050405020304" pitchFamily="18" charset="0"/>
               </a:rPr>
-              <a:t> multidimensionale -1</a:t>
+              <a:t> – Esempio </a:t>
+            </a:r>
+            <a:r>
+              <a:rPr lang="it-IT" altLang="it-IT" sz="3600" b="1" kern="0" dirty="0" err="1" smtClean="0">
+                <a:solidFill>
+                  <a:prstClr val="white"/>
+                </a:solidFill>
+                <a:latin typeface="Times New Roman" panose="02020603050405020304" pitchFamily="18" charset="0"/>
+                <a:cs typeface="Times New Roman" panose="02020603050405020304" pitchFamily="18" charset="0"/>
+              </a:rPr>
+              <a:t>pt</a:t>
+            </a:r>
+            <a:r>
+              <a:rPr lang="it-IT" altLang="it-IT" sz="3600" b="1" kern="0" dirty="0" smtClean="0">
+                <a:solidFill>
+                  <a:prstClr val="white"/>
+                </a:solidFill>
+                <a:latin typeface="Times New Roman" panose="02020603050405020304" pitchFamily="18" charset="0"/>
+                <a:cs typeface="Times New Roman" panose="02020603050405020304" pitchFamily="18" charset="0"/>
+              </a:rPr>
+              <a:t>. 2</a:t>
             </a:r>
             <a:endParaRPr lang="it-IT" altLang="it-IT" sz="3600" b="1" kern="0" dirty="0">
               <a:solidFill>
@@ -24496,7 +23912,7 @@
       </p:pic>
       <p:pic>
         <p:nvPicPr>
-          <p:cNvPr id="3" name="Picture 2"/>
+          <p:cNvPr id="16" name="Picture 15"/>
           <p:cNvPicPr>
             <a:picLocks noChangeAspect="1"/>
           </p:cNvPicPr>
@@ -24510,17 +23926,17 @@
         </p:blipFill>
         <p:spPr>
           <a:xfrm>
-            <a:off x="1241356" y="2014123"/>
-            <a:ext cx="9629775" cy="4638675"/>
-          </a:xfrm>
-          <a:prstGeom prst="rect">
-            <a:avLst/>
-          </a:prstGeom>
-        </p:spPr>
-      </p:pic>
-      <p:pic>
-        <p:nvPicPr>
-          <p:cNvPr id="4" name="Picture 3"/>
+            <a:off x="3153602" y="2184951"/>
+            <a:ext cx="5010150" cy="1752600"/>
+          </a:xfrm>
+          <a:prstGeom prst="rect">
+            <a:avLst/>
+          </a:prstGeom>
+        </p:spPr>
+      </p:pic>
+      <p:pic>
+        <p:nvPicPr>
+          <p:cNvPr id="17" name="Picture 16"/>
           <p:cNvPicPr>
             <a:picLocks noChangeAspect="1"/>
           </p:cNvPicPr>
@@ -24534,8 +23950,8 @@
         </p:blipFill>
         <p:spPr>
           <a:xfrm>
-            <a:off x="1385686" y="2080796"/>
-            <a:ext cx="1866900" cy="390525"/>
+            <a:off x="1234315" y="4042326"/>
+            <a:ext cx="9305925" cy="2152650"/>
           </a:xfrm>
           <a:prstGeom prst="rect">
             <a:avLst/>
@@ -24545,7 +23961,7 @@
     </p:spTree>
     <p:extLst>
       <p:ext uri="{BB962C8B-B14F-4D97-AF65-F5344CB8AC3E}">
-        <p14:creationId xmlns:p14="http://schemas.microsoft.com/office/powerpoint/2010/main" val="839532392"/>
+        <p14:creationId xmlns:p14="http://schemas.microsoft.com/office/powerpoint/2010/main" val="2316250942"/>
       </p:ext>
     </p:extLst>
   </p:cSld>
@@ -24680,58 +24096,55 @@
                 <a:latin typeface="Times New Roman" panose="02020603050405020304" pitchFamily="18" charset="0"/>
                 <a:cs typeface="Times New Roman" panose="02020603050405020304" pitchFamily="18" charset="0"/>
               </a:rPr>
-              <a:t> </a:t>
-            </a:r>
-            <a:r>
-              <a:rPr lang="it-IT" altLang="it-IT" sz="3600" b="1" kern="0" dirty="0">
+              <a:t> Teorema di </a:t>
+            </a:r>
+            <a:r>
+              <a:rPr lang="it-IT" altLang="it-IT" sz="3600" b="1" kern="0" dirty="0" err="1" smtClean="0">
                 <a:solidFill>
                   <a:prstClr val="white"/>
                 </a:solidFill>
                 <a:latin typeface="Times New Roman" panose="02020603050405020304" pitchFamily="18" charset="0"/>
                 <a:cs typeface="Times New Roman" panose="02020603050405020304" pitchFamily="18" charset="0"/>
               </a:rPr>
-              <a:t>Teorema di </a:t>
-            </a:r>
-            <a:r>
-              <a:rPr lang="it-IT" altLang="it-IT" sz="3600" b="1" kern="0" dirty="0" err="1">
+              <a:t>Feynman</a:t>
+            </a:r>
+            <a:r>
+              <a:rPr lang="it-IT" altLang="it-IT" sz="3600" b="1" kern="0" dirty="0" smtClean="0">
                 <a:solidFill>
                   <a:prstClr val="white"/>
                 </a:solidFill>
                 <a:latin typeface="Times New Roman" panose="02020603050405020304" pitchFamily="18" charset="0"/>
                 <a:cs typeface="Times New Roman" panose="02020603050405020304" pitchFamily="18" charset="0"/>
               </a:rPr>
-              <a:t>Feynman</a:t>
-            </a:r>
-            <a:r>
-              <a:rPr lang="it-IT" altLang="it-IT" sz="3600" b="1" kern="0" dirty="0">
+              <a:t> – </a:t>
+            </a:r>
+            <a:r>
+              <a:rPr lang="it-IT" altLang="it-IT" sz="3600" b="1" kern="0" dirty="0" err="1" smtClean="0">
                 <a:solidFill>
                   <a:prstClr val="white"/>
                 </a:solidFill>
                 <a:latin typeface="Times New Roman" panose="02020603050405020304" pitchFamily="18" charset="0"/>
                 <a:cs typeface="Times New Roman" panose="02020603050405020304" pitchFamily="18" charset="0"/>
               </a:rPr>
-              <a:t> – </a:t>
-            </a:r>
-            <a:r>
-              <a:rPr lang="it-IT" altLang="it-IT" sz="3600" b="1" kern="0" dirty="0" err="1">
+              <a:t>Kac</a:t>
+            </a:r>
+            <a:r>
+              <a:rPr lang="it-IT" altLang="it-IT" sz="3600" b="1" kern="0" dirty="0" smtClean="0">
                 <a:solidFill>
                   <a:prstClr val="white"/>
                 </a:solidFill>
                 <a:latin typeface="Times New Roman" panose="02020603050405020304" pitchFamily="18" charset="0"/>
                 <a:cs typeface="Times New Roman" panose="02020603050405020304" pitchFamily="18" charset="0"/>
               </a:rPr>
-              <a:t>Kac</a:t>
-            </a:r>
-            <a:r>
-              <a:rPr lang="it-IT" altLang="it-IT" sz="3600" b="1" kern="0" dirty="0">
-                <a:solidFill>
-                  <a:prstClr val="white"/>
-                </a:solidFill>
-                <a:latin typeface="Times New Roman" panose="02020603050405020304" pitchFamily="18" charset="0"/>
-                <a:cs typeface="Times New Roman" panose="02020603050405020304" pitchFamily="18" charset="0"/>
-              </a:rPr>
-              <a:t> multidimensionale - 2</a:t>
-            </a:r>
+              <a:t> multidimensionale -1</a:t>
+            </a:r>
+            <a:endParaRPr lang="it-IT" altLang="it-IT" sz="3600" b="1" kern="0" dirty="0">
+              <a:solidFill>
+                <a:prstClr val="white"/>
+              </a:solidFill>
+              <a:latin typeface="Times New Roman" panose="02020603050405020304" pitchFamily="18" charset="0"/>
+              <a:cs typeface="Times New Roman" panose="02020603050405020304" pitchFamily="18" charset="0"/>
+            </a:endParaRPr>
           </a:p>
         </p:txBody>
       </p:sp>
@@ -24760,6 +24173,30 @@
       </p:sp>
       <p:pic>
         <p:nvPicPr>
+          <p:cNvPr id="5" name="Picture 4"/>
+          <p:cNvPicPr>
+            <a:picLocks noChangeAspect="1"/>
+          </p:cNvPicPr>
+          <p:nvPr/>
+        </p:nvPicPr>
+        <p:blipFill>
+          <a:blip r:embed="rId2"/>
+          <a:stretch>
+            <a:fillRect/>
+          </a:stretch>
+        </p:blipFill>
+        <p:spPr>
+          <a:xfrm>
+            <a:off x="2990029" y="5675240"/>
+            <a:ext cx="4800600" cy="457200"/>
+          </a:xfrm>
+          <a:prstGeom prst="rect">
+            <a:avLst/>
+          </a:prstGeom>
+        </p:spPr>
+      </p:pic>
+      <p:pic>
+        <p:nvPicPr>
           <p:cNvPr id="7" name="Picture 6"/>
           <p:cNvPicPr>
             <a:picLocks noChangeAspect="1"/>
@@ -24767,7 +24204,7 @@
           <p:nvPr/>
         </p:nvPicPr>
         <p:blipFill>
-          <a:blip r:embed="rId2"/>
+          <a:blip r:embed="rId3"/>
           <a:stretch>
             <a:fillRect/>
           </a:stretch>
@@ -24791,7 +24228,7 @@
           <p:nvPr/>
         </p:nvPicPr>
         <p:blipFill>
-          <a:blip r:embed="rId3"/>
+          <a:blip r:embed="rId2"/>
           <a:stretch>
             <a:fillRect/>
           </a:stretch>
@@ -24928,7 +24365,7 @@
       </p:pic>
       <p:pic>
         <p:nvPicPr>
-          <p:cNvPr id="10" name="Picture 9"/>
+          <p:cNvPr id="3" name="Picture 2"/>
           <p:cNvPicPr>
             <a:picLocks noChangeAspect="1"/>
           </p:cNvPicPr>
@@ -24942,8 +24379,32 @@
         </p:blipFill>
         <p:spPr>
           <a:xfrm>
-            <a:off x="1069903" y="2599911"/>
-            <a:ext cx="9515475" cy="2552700"/>
+            <a:off x="1241356" y="2014123"/>
+            <a:ext cx="9629775" cy="4638675"/>
+          </a:xfrm>
+          <a:prstGeom prst="rect">
+            <a:avLst/>
+          </a:prstGeom>
+        </p:spPr>
+      </p:pic>
+      <p:pic>
+        <p:nvPicPr>
+          <p:cNvPr id="4" name="Picture 3"/>
+          <p:cNvPicPr>
+            <a:picLocks noChangeAspect="1"/>
+          </p:cNvPicPr>
+          <p:nvPr/>
+        </p:nvPicPr>
+        <p:blipFill>
+          <a:blip r:embed="rId8"/>
+          <a:stretch>
+            <a:fillRect/>
+          </a:stretch>
+        </p:blipFill>
+        <p:spPr>
+          <a:xfrm>
+            <a:off x="1385686" y="2080796"/>
+            <a:ext cx="1866900" cy="390525"/>
           </a:xfrm>
           <a:prstGeom prst="rect">
             <a:avLst/>
@@ -24953,7 +24414,7 @@
     </p:spTree>
     <p:extLst>
       <p:ext uri="{BB962C8B-B14F-4D97-AF65-F5344CB8AC3E}">
-        <p14:creationId xmlns:p14="http://schemas.microsoft.com/office/powerpoint/2010/main" val="3467400111"/>
+        <p14:creationId xmlns:p14="http://schemas.microsoft.com/office/powerpoint/2010/main" val="839532392"/>
       </p:ext>
     </p:extLst>
   </p:cSld>
@@ -25101,24 +24562,34 @@
               <a:t>Teorema di </a:t>
             </a:r>
             <a:r>
-              <a:rPr lang="it-IT" altLang="it-IT" sz="3600" b="1" kern="0" dirty="0" err="1" smtClean="0">
+              <a:rPr lang="it-IT" altLang="it-IT" sz="3600" b="1" kern="0" dirty="0" err="1">
                 <a:solidFill>
                   <a:prstClr val="white"/>
                 </a:solidFill>
                 <a:latin typeface="Times New Roman" panose="02020603050405020304" pitchFamily="18" charset="0"/>
                 <a:cs typeface="Times New Roman" panose="02020603050405020304" pitchFamily="18" charset="0"/>
               </a:rPr>
-              <a:t>Girsanov</a:t>
-            </a:r>
-            <a:r>
-              <a:rPr lang="it-IT" altLang="it-IT" sz="3600" b="1" kern="0" dirty="0" smtClean="0">
+              <a:t>Feynman</a:t>
+            </a:r>
+            <a:r>
+              <a:rPr lang="it-IT" altLang="it-IT" sz="3600" b="1" kern="0" dirty="0">
                 <a:solidFill>
                   <a:prstClr val="white"/>
                 </a:solidFill>
                 <a:latin typeface="Times New Roman" panose="02020603050405020304" pitchFamily="18" charset="0"/>
                 <a:cs typeface="Times New Roman" panose="02020603050405020304" pitchFamily="18" charset="0"/>
               </a:rPr>
-              <a:t> multidimensionale </a:t>
+              <a:t> – </a:t>
+            </a:r>
+            <a:r>
+              <a:rPr lang="it-IT" altLang="it-IT" sz="3600" b="1" kern="0" dirty="0" err="1">
+                <a:solidFill>
+                  <a:prstClr val="white"/>
+                </a:solidFill>
+                <a:latin typeface="Times New Roman" panose="02020603050405020304" pitchFamily="18" charset="0"/>
+                <a:cs typeface="Times New Roman" panose="02020603050405020304" pitchFamily="18" charset="0"/>
+              </a:rPr>
+              <a:t>Kac</a:t>
             </a:r>
             <a:r>
               <a:rPr lang="it-IT" altLang="it-IT" sz="3600" b="1" kern="0" dirty="0">
@@ -25128,25 +24599,8 @@
                 <a:latin typeface="Times New Roman" panose="02020603050405020304" pitchFamily="18" charset="0"/>
                 <a:cs typeface="Times New Roman" panose="02020603050405020304" pitchFamily="18" charset="0"/>
               </a:rPr>
-              <a:t>- </a:t>
-            </a:r>
-            <a:r>
-              <a:rPr lang="it-IT" altLang="it-IT" sz="3600" b="1" kern="0" dirty="0" smtClean="0">
-                <a:solidFill>
-                  <a:prstClr val="white"/>
-                </a:solidFill>
-                <a:latin typeface="Times New Roman" panose="02020603050405020304" pitchFamily="18" charset="0"/>
-                <a:cs typeface="Times New Roman" panose="02020603050405020304" pitchFamily="18" charset="0"/>
-              </a:rPr>
-              <a:t>1</a:t>
-            </a:r>
-            <a:endParaRPr lang="it-IT" altLang="it-IT" sz="3600" b="1" kern="0" dirty="0">
-              <a:solidFill>
-                <a:prstClr val="white"/>
-              </a:solidFill>
-              <a:latin typeface="Times New Roman" panose="02020603050405020304" pitchFamily="18" charset="0"/>
-              <a:cs typeface="Times New Roman" panose="02020603050405020304" pitchFamily="18" charset="0"/>
-            </a:endParaRPr>
+              <a:t> multidimensionale - 2</a:t>
+            </a:r>
           </a:p>
         </p:txBody>
       </p:sp>
@@ -25343,7 +24797,7 @@
       </p:pic>
       <p:pic>
         <p:nvPicPr>
-          <p:cNvPr id="4" name="Picture 3"/>
+          <p:cNvPr id="10" name="Picture 9"/>
           <p:cNvPicPr>
             <a:picLocks noChangeAspect="1"/>
           </p:cNvPicPr>
@@ -25357,32 +24811,8 @@
         </p:blipFill>
         <p:spPr>
           <a:xfrm>
-            <a:off x="1176132" y="2031313"/>
-            <a:ext cx="9601200" cy="4743450"/>
-          </a:xfrm>
-          <a:prstGeom prst="rect">
-            <a:avLst/>
-          </a:prstGeom>
-        </p:spPr>
-      </p:pic>
-      <p:pic>
-        <p:nvPicPr>
-          <p:cNvPr id="5" name="Picture 4"/>
-          <p:cNvPicPr>
-            <a:picLocks noChangeAspect="1"/>
-          </p:cNvPicPr>
-          <p:nvPr/>
-        </p:nvPicPr>
-        <p:blipFill>
-          <a:blip r:embed="rId8"/>
-          <a:stretch>
-            <a:fillRect/>
-          </a:stretch>
-        </p:blipFill>
-        <p:spPr>
-          <a:xfrm>
-            <a:off x="1250884" y="2026341"/>
-            <a:ext cx="1838325" cy="400050"/>
+            <a:off x="1069903" y="2599911"/>
+            <a:ext cx="9515475" cy="2552700"/>
           </a:xfrm>
           <a:prstGeom prst="rect">
             <a:avLst/>
@@ -25392,7 +24822,7 @@
     </p:spTree>
     <p:extLst>
       <p:ext uri="{BB962C8B-B14F-4D97-AF65-F5344CB8AC3E}">
-        <p14:creationId xmlns:p14="http://schemas.microsoft.com/office/powerpoint/2010/main" val="1323657423"/>
+        <p14:creationId xmlns:p14="http://schemas.microsoft.com/office/powerpoint/2010/main" val="3467400111"/>
       </p:ext>
     </p:extLst>
   </p:cSld>
@@ -25567,8 +24997,25 @@
                 <a:latin typeface="Times New Roman" panose="02020603050405020304" pitchFamily="18" charset="0"/>
                 <a:cs typeface="Times New Roman" panose="02020603050405020304" pitchFamily="18" charset="0"/>
               </a:rPr>
-              <a:t>- 2</a:t>
-            </a:r>
+              <a:t>- </a:t>
+            </a:r>
+            <a:r>
+              <a:rPr lang="it-IT" altLang="it-IT" sz="3600" b="1" kern="0" dirty="0" smtClean="0">
+                <a:solidFill>
+                  <a:prstClr val="white"/>
+                </a:solidFill>
+                <a:latin typeface="Times New Roman" panose="02020603050405020304" pitchFamily="18" charset="0"/>
+                <a:cs typeface="Times New Roman" panose="02020603050405020304" pitchFamily="18" charset="0"/>
+              </a:rPr>
+              <a:t>1</a:t>
+            </a:r>
+            <a:endParaRPr lang="it-IT" altLang="it-IT" sz="3600" b="1" kern="0" dirty="0">
+              <a:solidFill>
+                <a:prstClr val="white"/>
+              </a:solidFill>
+              <a:latin typeface="Times New Roman" panose="02020603050405020304" pitchFamily="18" charset="0"/>
+              <a:cs typeface="Times New Roman" panose="02020603050405020304" pitchFamily="18" charset="0"/>
+            </a:endParaRPr>
           </a:p>
         </p:txBody>
       </p:sp>
@@ -25765,7 +25212,7 @@
       </p:pic>
       <p:pic>
         <p:nvPicPr>
-          <p:cNvPr id="3" name="Picture 2"/>
+          <p:cNvPr id="4" name="Picture 3"/>
           <p:cNvPicPr>
             <a:picLocks noChangeAspect="1"/>
           </p:cNvPicPr>
@@ -25779,8 +25226,32 @@
         </p:blipFill>
         <p:spPr>
           <a:xfrm>
-            <a:off x="1208226" y="2162173"/>
-            <a:ext cx="9477375" cy="3905250"/>
+            <a:off x="1176132" y="2031313"/>
+            <a:ext cx="9601200" cy="4743450"/>
+          </a:xfrm>
+          <a:prstGeom prst="rect">
+            <a:avLst/>
+          </a:prstGeom>
+        </p:spPr>
+      </p:pic>
+      <p:pic>
+        <p:nvPicPr>
+          <p:cNvPr id="5" name="Picture 4"/>
+          <p:cNvPicPr>
+            <a:picLocks noChangeAspect="1"/>
+          </p:cNvPicPr>
+          <p:nvPr/>
+        </p:nvPicPr>
+        <p:blipFill>
+          <a:blip r:embed="rId8"/>
+          <a:stretch>
+            <a:fillRect/>
+          </a:stretch>
+        </p:blipFill>
+        <p:spPr>
+          <a:xfrm>
+            <a:off x="1250884" y="2026341"/>
+            <a:ext cx="1838325" cy="400050"/>
           </a:xfrm>
           <a:prstGeom prst="rect">
             <a:avLst/>
@@ -25790,7 +25261,7 @@
     </p:spTree>
     <p:extLst>
       <p:ext uri="{BB962C8B-B14F-4D97-AF65-F5344CB8AC3E}">
-        <p14:creationId xmlns:p14="http://schemas.microsoft.com/office/powerpoint/2010/main" val="542517673"/>
+        <p14:creationId xmlns:p14="http://schemas.microsoft.com/office/powerpoint/2010/main" val="1323657423"/>
       </p:ext>
     </p:extLst>
   </p:cSld>
@@ -25965,25 +25436,8 @@
                 <a:latin typeface="Times New Roman" panose="02020603050405020304" pitchFamily="18" charset="0"/>
                 <a:cs typeface="Times New Roman" panose="02020603050405020304" pitchFamily="18" charset="0"/>
               </a:rPr>
-              <a:t>- </a:t>
-            </a:r>
-            <a:r>
-              <a:rPr lang="it-IT" altLang="it-IT" sz="3600" b="1" kern="0" dirty="0" smtClean="0">
-                <a:solidFill>
-                  <a:prstClr val="white"/>
-                </a:solidFill>
-                <a:latin typeface="Times New Roman" panose="02020603050405020304" pitchFamily="18" charset="0"/>
-                <a:cs typeface="Times New Roman" panose="02020603050405020304" pitchFamily="18" charset="0"/>
-              </a:rPr>
-              <a:t>3</a:t>
-            </a:r>
-            <a:endParaRPr lang="it-IT" altLang="it-IT" sz="3600" b="1" kern="0" dirty="0">
-              <a:solidFill>
-                <a:prstClr val="white"/>
-              </a:solidFill>
-              <a:latin typeface="Times New Roman" panose="02020603050405020304" pitchFamily="18" charset="0"/>
-              <a:cs typeface="Times New Roman" panose="02020603050405020304" pitchFamily="18" charset="0"/>
-            </a:endParaRPr>
+              <a:t>- 2</a:t>
+            </a:r>
           </a:p>
         </p:txBody>
       </p:sp>
@@ -26036,6 +25490,30 @@
       </p:pic>
       <p:pic>
         <p:nvPicPr>
+          <p:cNvPr id="13" name="Picture 12"/>
+          <p:cNvPicPr>
+            <a:picLocks noChangeAspect="1"/>
+          </p:cNvPicPr>
+          <p:nvPr/>
+        </p:nvPicPr>
+        <p:blipFill>
+          <a:blip r:embed="rId3"/>
+          <a:stretch>
+            <a:fillRect/>
+          </a:stretch>
+        </p:blipFill>
+        <p:spPr>
+          <a:xfrm>
+            <a:off x="3142429" y="5827640"/>
+            <a:ext cx="4800600" cy="457200"/>
+          </a:xfrm>
+          <a:prstGeom prst="rect">
+            <a:avLst/>
+          </a:prstGeom>
+        </p:spPr>
+      </p:pic>
+      <p:pic>
+        <p:nvPicPr>
           <p:cNvPr id="11" name="Picture 10"/>
           <p:cNvPicPr>
             <a:picLocks noChangeAspect="1"/>
@@ -26043,7 +25521,7 @@
           <p:nvPr/>
         </p:nvPicPr>
         <p:blipFill>
-          <a:blip r:embed="rId3"/>
+          <a:blip r:embed="rId4"/>
           <a:stretch>
             <a:fillRect/>
           </a:stretch>
@@ -26067,7 +25545,7 @@
           <p:nvPr/>
         </p:nvPicPr>
         <p:blipFill>
-          <a:blip r:embed="rId3"/>
+          <a:blip r:embed="rId4"/>
           <a:stretch>
             <a:fillRect/>
           </a:stretch>
@@ -26091,7 +25569,7 @@
           <p:nvPr/>
         </p:nvPicPr>
         <p:blipFill>
-          <a:blip r:embed="rId4"/>
+          <a:blip r:embed="rId5"/>
           <a:stretch>
             <a:fillRect/>
           </a:stretch>
@@ -26115,7 +25593,7 @@
           <p:nvPr/>
         </p:nvPicPr>
         <p:blipFill>
-          <a:blip r:embed="rId5"/>
+          <a:blip r:embed="rId6"/>
           <a:stretch>
             <a:fillRect/>
           </a:stretch>
@@ -26139,7 +25617,7 @@
           <p:nvPr/>
         </p:nvPicPr>
         <p:blipFill>
-          <a:blip r:embed="rId5"/>
+          <a:blip r:embed="rId6"/>
           <a:stretch>
             <a:fillRect/>
           </a:stretch>
@@ -26156,22 +25634,22 @@
       </p:pic>
       <p:pic>
         <p:nvPicPr>
-          <p:cNvPr id="4" name="Picture 3"/>
-          <p:cNvPicPr>
-            <a:picLocks noChangeAspect="1"/>
-          </p:cNvPicPr>
-          <p:nvPr/>
-        </p:nvPicPr>
-        <p:blipFill>
-          <a:blip r:embed="rId6"/>
-          <a:stretch>
-            <a:fillRect/>
-          </a:stretch>
-        </p:blipFill>
-        <p:spPr>
-          <a:xfrm>
-            <a:off x="1371600" y="2708616"/>
-            <a:ext cx="9448800" cy="2295525"/>
+          <p:cNvPr id="3" name="Picture 2"/>
+          <p:cNvPicPr>
+            <a:picLocks noChangeAspect="1"/>
+          </p:cNvPicPr>
+          <p:nvPr/>
+        </p:nvPicPr>
+        <p:blipFill>
+          <a:blip r:embed="rId7"/>
+          <a:stretch>
+            <a:fillRect/>
+          </a:stretch>
+        </p:blipFill>
+        <p:spPr>
+          <a:xfrm>
+            <a:off x="1208226" y="2162173"/>
+            <a:ext cx="9477375" cy="3905250"/>
           </a:xfrm>
           <a:prstGeom prst="rect">
             <a:avLst/>
@@ -26181,7 +25659,7 @@
     </p:spTree>
     <p:extLst>
       <p:ext uri="{BB962C8B-B14F-4D97-AF65-F5344CB8AC3E}">
-        <p14:creationId xmlns:p14="http://schemas.microsoft.com/office/powerpoint/2010/main" val="3143834936"/>
+        <p14:creationId xmlns:p14="http://schemas.microsoft.com/office/powerpoint/2010/main" val="542517673"/>
       </p:ext>
     </p:extLst>
   </p:cSld>
@@ -26499,6 +25977,16 @@
               </a:tabLst>
             </a:pPr>
             <a:r>
+              <a:rPr lang="it-IT" altLang="it-IT" sz="3600" b="1" kern="0" dirty="0" smtClean="0">
+                <a:solidFill>
+                  <a:prstClr val="white"/>
+                </a:solidFill>
+                <a:latin typeface="Times New Roman" panose="02020603050405020304" pitchFamily="18" charset="0"/>
+                <a:cs typeface="Times New Roman" panose="02020603050405020304" pitchFamily="18" charset="0"/>
+              </a:rPr>
+              <a:t> </a:t>
+            </a:r>
+            <a:r>
               <a:rPr lang="it-IT" altLang="it-IT" sz="3600" b="1" kern="0" dirty="0">
                 <a:solidFill>
                   <a:prstClr val="white"/>
@@ -26506,7 +25994,17 @@
                 <a:latin typeface="Times New Roman" panose="02020603050405020304" pitchFamily="18" charset="0"/>
                 <a:cs typeface="Times New Roman" panose="02020603050405020304" pitchFamily="18" charset="0"/>
               </a:rPr>
-              <a:t> </a:t>
+              <a:t>Teorema di </a:t>
+            </a:r>
+            <a:r>
+              <a:rPr lang="it-IT" altLang="it-IT" sz="3600" b="1" kern="0" dirty="0" err="1" smtClean="0">
+                <a:solidFill>
+                  <a:prstClr val="white"/>
+                </a:solidFill>
+                <a:latin typeface="Times New Roman" panose="02020603050405020304" pitchFamily="18" charset="0"/>
+                <a:cs typeface="Times New Roman" panose="02020603050405020304" pitchFamily="18" charset="0"/>
+              </a:rPr>
+              <a:t>Girsanov</a:t>
             </a:r>
             <a:r>
               <a:rPr lang="it-IT" altLang="it-IT" sz="3600" b="1" kern="0" dirty="0" smtClean="0">
@@ -26516,8 +26014,35 @@
                 <a:latin typeface="Times New Roman" panose="02020603050405020304" pitchFamily="18" charset="0"/>
                 <a:cs typeface="Times New Roman" panose="02020603050405020304" pitchFamily="18" charset="0"/>
               </a:rPr>
-              <a:t>Referenze</a:t>
-            </a:r>
+              <a:t> multidimensionale </a:t>
+            </a:r>
+            <a:r>
+              <a:rPr lang="it-IT" altLang="it-IT" sz="3600" b="1" kern="0" dirty="0">
+                <a:solidFill>
+                  <a:prstClr val="white"/>
+                </a:solidFill>
+                <a:latin typeface="Times New Roman" panose="02020603050405020304" pitchFamily="18" charset="0"/>
+                <a:cs typeface="Times New Roman" panose="02020603050405020304" pitchFamily="18" charset="0"/>
+              </a:rPr>
+              <a:t>- </a:t>
+            </a:r>
+            <a:r>
+              <a:rPr lang="it-IT" altLang="it-IT" sz="3600" b="1" kern="0" dirty="0" smtClean="0">
+                <a:solidFill>
+                  <a:prstClr val="white"/>
+                </a:solidFill>
+                <a:latin typeface="Times New Roman" panose="02020603050405020304" pitchFamily="18" charset="0"/>
+                <a:cs typeface="Times New Roman" panose="02020603050405020304" pitchFamily="18" charset="0"/>
+              </a:rPr>
+              <a:t>3</a:t>
+            </a:r>
+            <a:endParaRPr lang="it-IT" altLang="it-IT" sz="3600" b="1" kern="0" dirty="0">
+              <a:solidFill>
+                <a:prstClr val="white"/>
+              </a:solidFill>
+              <a:latin typeface="Times New Roman" panose="02020603050405020304" pitchFamily="18" charset="0"/>
+              <a:cs typeface="Times New Roman" panose="02020603050405020304" pitchFamily="18" charset="0"/>
+            </a:endParaRPr>
           </a:p>
         </p:txBody>
       </p:sp>
@@ -26539,6 +26064,350 @@
             <a:fld id="{A001332D-C347-4A08-BEBF-37FDE9C42D7D}" type="slidenum">
               <a:rPr lang="en-US" smtClean="0"/>
               <a:t>80</a:t>
+            </a:fld>
+            <a:endParaRPr lang="en-US"/>
+          </a:p>
+        </p:txBody>
+      </p:sp>
+      <p:pic>
+        <p:nvPicPr>
+          <p:cNvPr id="7" name="Picture 6"/>
+          <p:cNvPicPr>
+            <a:picLocks noChangeAspect="1"/>
+          </p:cNvPicPr>
+          <p:nvPr/>
+        </p:nvPicPr>
+        <p:blipFill>
+          <a:blip r:embed="rId2"/>
+          <a:stretch>
+            <a:fillRect/>
+          </a:stretch>
+        </p:blipFill>
+        <p:spPr>
+          <a:xfrm>
+            <a:off x="4307369" y="5992464"/>
+            <a:ext cx="1390650" cy="419100"/>
+          </a:xfrm>
+          <a:prstGeom prst="rect">
+            <a:avLst/>
+          </a:prstGeom>
+        </p:spPr>
+      </p:pic>
+      <p:pic>
+        <p:nvPicPr>
+          <p:cNvPr id="11" name="Picture 10"/>
+          <p:cNvPicPr>
+            <a:picLocks noChangeAspect="1"/>
+          </p:cNvPicPr>
+          <p:nvPr/>
+        </p:nvPicPr>
+        <p:blipFill>
+          <a:blip r:embed="rId3"/>
+          <a:stretch>
+            <a:fillRect/>
+          </a:stretch>
+        </p:blipFill>
+        <p:spPr>
+          <a:xfrm>
+            <a:off x="876105" y="2078106"/>
+            <a:ext cx="600075" cy="495300"/>
+          </a:xfrm>
+          <a:prstGeom prst="rect">
+            <a:avLst/>
+          </a:prstGeom>
+        </p:spPr>
+      </p:pic>
+      <p:pic>
+        <p:nvPicPr>
+          <p:cNvPr id="12" name="Picture 11"/>
+          <p:cNvPicPr>
+            <a:picLocks noChangeAspect="1"/>
+          </p:cNvPicPr>
+          <p:nvPr/>
+        </p:nvPicPr>
+        <p:blipFill>
+          <a:blip r:embed="rId3"/>
+          <a:stretch>
+            <a:fillRect/>
+          </a:stretch>
+        </p:blipFill>
+        <p:spPr>
+          <a:xfrm>
+            <a:off x="9910750" y="4016238"/>
+            <a:ext cx="600075" cy="495300"/>
+          </a:xfrm>
+          <a:prstGeom prst="rect">
+            <a:avLst/>
+          </a:prstGeom>
+        </p:spPr>
+      </p:pic>
+      <p:pic>
+        <p:nvPicPr>
+          <p:cNvPr id="6" name="Picture 5"/>
+          <p:cNvPicPr>
+            <a:picLocks noChangeAspect="1"/>
+          </p:cNvPicPr>
+          <p:nvPr/>
+        </p:nvPicPr>
+        <p:blipFill>
+          <a:blip r:embed="rId4"/>
+          <a:stretch>
+            <a:fillRect/>
+          </a:stretch>
+        </p:blipFill>
+        <p:spPr>
+          <a:xfrm>
+            <a:off x="10214723" y="2174598"/>
+            <a:ext cx="409575" cy="361950"/>
+          </a:xfrm>
+          <a:prstGeom prst="rect">
+            <a:avLst/>
+          </a:prstGeom>
+        </p:spPr>
+      </p:pic>
+      <p:pic>
+        <p:nvPicPr>
+          <p:cNvPr id="14" name="Picture 13"/>
+          <p:cNvPicPr>
+            <a:picLocks noChangeAspect="1"/>
+          </p:cNvPicPr>
+          <p:nvPr/>
+        </p:nvPicPr>
+        <p:blipFill>
+          <a:blip r:embed="rId5"/>
+          <a:stretch>
+            <a:fillRect/>
+          </a:stretch>
+        </p:blipFill>
+        <p:spPr>
+          <a:xfrm>
+            <a:off x="10162340" y="2131321"/>
+            <a:ext cx="514350" cy="428625"/>
+          </a:xfrm>
+          <a:prstGeom prst="rect">
+            <a:avLst/>
+          </a:prstGeom>
+        </p:spPr>
+      </p:pic>
+      <p:pic>
+        <p:nvPicPr>
+          <p:cNvPr id="19" name="Picture 18"/>
+          <p:cNvPicPr>
+            <a:picLocks noChangeAspect="1"/>
+          </p:cNvPicPr>
+          <p:nvPr/>
+        </p:nvPicPr>
+        <p:blipFill>
+          <a:blip r:embed="rId5"/>
+          <a:stretch>
+            <a:fillRect/>
+          </a:stretch>
+        </p:blipFill>
+        <p:spPr>
+          <a:xfrm>
+            <a:off x="1157504" y="2528888"/>
+            <a:ext cx="514350" cy="428625"/>
+          </a:xfrm>
+          <a:prstGeom prst="rect">
+            <a:avLst/>
+          </a:prstGeom>
+        </p:spPr>
+      </p:pic>
+      <p:pic>
+        <p:nvPicPr>
+          <p:cNvPr id="4" name="Picture 3"/>
+          <p:cNvPicPr>
+            <a:picLocks noChangeAspect="1"/>
+          </p:cNvPicPr>
+          <p:nvPr/>
+        </p:nvPicPr>
+        <p:blipFill>
+          <a:blip r:embed="rId6"/>
+          <a:stretch>
+            <a:fillRect/>
+          </a:stretch>
+        </p:blipFill>
+        <p:spPr>
+          <a:xfrm>
+            <a:off x="1371600" y="2708616"/>
+            <a:ext cx="9448800" cy="2295525"/>
+          </a:xfrm>
+          <a:prstGeom prst="rect">
+            <a:avLst/>
+          </a:prstGeom>
+        </p:spPr>
+      </p:pic>
+    </p:spTree>
+    <p:extLst>
+      <p:ext uri="{BB962C8B-B14F-4D97-AF65-F5344CB8AC3E}">
+        <p14:creationId xmlns:p14="http://schemas.microsoft.com/office/powerpoint/2010/main" val="3143834936"/>
+      </p:ext>
+    </p:extLst>
+  </p:cSld>
+  <p:clrMapOvr>
+    <a:masterClrMapping/>
+  </p:clrMapOvr>
+  <p:timing>
+    <p:tnLst>
+      <p:par>
+        <p:cTn id="1" dur="indefinite" restart="never" nodeType="tmRoot"/>
+      </p:par>
+    </p:tnLst>
+  </p:timing>
+</p:sld>
+</file>
+
+<file path=ppt/slides/slide81.xml><?xml version="1.0" encoding="utf-8"?>
+<p:sld xmlns:a="http://schemas.openxmlformats.org/drawingml/2006/main" xmlns:r="http://schemas.openxmlformats.org/officeDocument/2006/relationships" xmlns:p="http://schemas.openxmlformats.org/presentationml/2006/main">
+  <p:cSld>
+    <p:spTree>
+      <p:nvGrpSpPr>
+        <p:cNvPr id="1" name=""/>
+        <p:cNvGrpSpPr/>
+        <p:nvPr/>
+      </p:nvGrpSpPr>
+      <p:grpSpPr>
+        <a:xfrm>
+          <a:off x="0" y="0"/>
+          <a:ext cx="0" cy="0"/>
+          <a:chOff x="0" y="0"/>
+          <a:chExt cx="0" cy="0"/>
+        </a:xfrm>
+      </p:grpSpPr>
+      <p:sp>
+        <p:nvSpPr>
+          <p:cNvPr id="2" name="Title 1"/>
+          <p:cNvSpPr>
+            <a:spLocks noGrp="1"/>
+          </p:cNvSpPr>
+          <p:nvPr>
+            <p:ph type="title"/>
+          </p:nvPr>
+        </p:nvSpPr>
+        <p:spPr/>
+        <p:txBody>
+          <a:bodyPr/>
+          <a:lstStyle/>
+          <a:p>
+            <a:r>
+              <a:rPr lang="it-IT" dirty="0" smtClean="0">
+                <a:latin typeface="Times New Roman" panose="02020603050405020304" pitchFamily="18" charset="0"/>
+                <a:cs typeface="Times New Roman" panose="02020603050405020304" pitchFamily="18" charset="0"/>
+              </a:rPr>
+              <a:t>Processi Stocastici</a:t>
+            </a:r>
+            <a:endParaRPr lang="en-US" dirty="0">
+              <a:latin typeface="Times New Roman" panose="02020603050405020304" pitchFamily="18" charset="0"/>
+              <a:cs typeface="Times New Roman" panose="02020603050405020304" pitchFamily="18" charset="0"/>
+            </a:endParaRPr>
+          </a:p>
+        </p:txBody>
+      </p:sp>
+      <p:sp>
+        <p:nvSpPr>
+          <p:cNvPr id="9" name="Title 3"/>
+          <p:cNvSpPr txBox="1">
+            <a:spLocks/>
+          </p:cNvSpPr>
+          <p:nvPr/>
+        </p:nvSpPr>
+        <p:spPr bwMode="gray">
+          <a:xfrm>
+            <a:off x="977554" y="614951"/>
+            <a:ext cx="10217642" cy="1381292"/>
+          </a:xfrm>
+          <a:prstGeom prst="rect">
+            <a:avLst/>
+          </a:prstGeom>
+          <a:solidFill>
+            <a:srgbClr val="597189"/>
+          </a:solidFill>
+          <a:ln w="9525" cap="flat" cmpd="sng" algn="ctr">
+            <a:solidFill>
+              <a:sysClr val="window" lastClr="FFFFFF"/>
+            </a:solidFill>
+            <a:prstDash val="solid"/>
+          </a:ln>
+          <a:effectLst/>
+        </p:spPr>
+        <p:txBody>
+          <a:bodyPr vert="horz" lIns="36000" tIns="36000" rIns="36000" bIns="36000" rtlCol="0" anchor="ctr">
+            <a:normAutofit/>
+          </a:bodyPr>
+          <a:lstStyle>
+            <a:lvl1pPr algn="l" defTabSz="914400" rtl="0" eaLnBrk="1" latinLnBrk="0" hangingPunct="1">
+              <a:lnSpc>
+                <a:spcPct val="90000"/>
+              </a:lnSpc>
+              <a:spcBef>
+                <a:spcPct val="0"/>
+              </a:spcBef>
+              <a:buNone/>
+              <a:defRPr sz="4400" kern="1200">
+                <a:solidFill>
+                  <a:schemeClr val="tx1"/>
+                </a:solidFill>
+                <a:latin typeface="+mj-lt"/>
+                <a:ea typeface="+mj-ea"/>
+                <a:cs typeface="+mj-cs"/>
+              </a:defRPr>
+            </a:lvl1pPr>
+          </a:lstStyle>
+          <a:p>
+            <a:pPr defTabSz="1039020">
+              <a:spcBef>
+                <a:spcPts val="0"/>
+              </a:spcBef>
+              <a:tabLst>
+                <a:tab pos="3849665" algn="r"/>
+                <a:tab pos="4750255" algn="r"/>
+                <a:tab pos="5627511" algn="r"/>
+                <a:tab pos="6493881" algn="r"/>
+                <a:tab pos="7277811" algn="r"/>
+                <a:tab pos="8352606" algn="r"/>
+              </a:tabLst>
+            </a:pPr>
+            <a:r>
+              <a:rPr lang="it-IT" altLang="it-IT" sz="3600" b="1" kern="0" dirty="0">
+                <a:solidFill>
+                  <a:prstClr val="white"/>
+                </a:solidFill>
+                <a:latin typeface="Times New Roman" panose="02020603050405020304" pitchFamily="18" charset="0"/>
+                <a:cs typeface="Times New Roman" panose="02020603050405020304" pitchFamily="18" charset="0"/>
+              </a:rPr>
+              <a:t> </a:t>
+            </a:r>
+            <a:r>
+              <a:rPr lang="it-IT" altLang="it-IT" sz="3600" b="1" kern="0" dirty="0" smtClean="0">
+                <a:solidFill>
+                  <a:prstClr val="white"/>
+                </a:solidFill>
+                <a:latin typeface="Times New Roman" panose="02020603050405020304" pitchFamily="18" charset="0"/>
+                <a:cs typeface="Times New Roman" panose="02020603050405020304" pitchFamily="18" charset="0"/>
+              </a:rPr>
+              <a:t>Referenze</a:t>
+            </a:r>
+          </a:p>
+        </p:txBody>
+      </p:sp>
+      <p:sp>
+        <p:nvSpPr>
+          <p:cNvPr id="8" name="Slide Number Placeholder 7"/>
+          <p:cNvSpPr>
+            <a:spLocks noGrp="1"/>
+          </p:cNvSpPr>
+          <p:nvPr>
+            <p:ph type="sldNum" sz="quarter" idx="12"/>
+          </p:nvPr>
+        </p:nvSpPr>
+        <p:spPr/>
+        <p:txBody>
+          <a:bodyPr/>
+          <a:lstStyle/>
+          <a:p>
+            <a:fld id="{A001332D-C347-4A08-BEBF-37FDE9C42D7D}" type="slidenum">
+              <a:rPr lang="en-US" smtClean="0"/>
+              <a:t>81</a:t>
             </a:fld>
             <a:endParaRPr lang="en-US"/>
           </a:p>
